--- a/W13/W13S3/W13S3.pptx
+++ b/W13/W13S3/W13S3.pptx
@@ -5,10 +5,35 @@
     <p:sldMasterId id="2147483648" r:id="rId1"/>
   </p:sldMasterIdLst>
   <p:notesMasterIdLst>
-    <p:notesMasterId r:id="rId3"/>
+    <p:notesMasterId r:id="rId28"/>
   </p:notesMasterIdLst>
   <p:sldIdLst>
     <p:sldId id="377" r:id="rId2"/>
+    <p:sldId id="397" r:id="rId3"/>
+    <p:sldId id="396" r:id="rId4"/>
+    <p:sldId id="399" r:id="rId5"/>
+    <p:sldId id="395" r:id="rId6"/>
+    <p:sldId id="398" r:id="rId7"/>
+    <p:sldId id="392" r:id="rId8"/>
+    <p:sldId id="257" r:id="rId9"/>
+    <p:sldId id="272" r:id="rId10"/>
+    <p:sldId id="393" r:id="rId11"/>
+    <p:sldId id="378" r:id="rId12"/>
+    <p:sldId id="380" r:id="rId13"/>
+    <p:sldId id="381" r:id="rId14"/>
+    <p:sldId id="383" r:id="rId15"/>
+    <p:sldId id="384" r:id="rId16"/>
+    <p:sldId id="385" r:id="rId17"/>
+    <p:sldId id="386" r:id="rId18"/>
+    <p:sldId id="387" r:id="rId19"/>
+    <p:sldId id="388" r:id="rId20"/>
+    <p:sldId id="389" r:id="rId21"/>
+    <p:sldId id="263" r:id="rId22"/>
+    <p:sldId id="265" r:id="rId23"/>
+    <p:sldId id="390" r:id="rId24"/>
+    <p:sldId id="394" r:id="rId25"/>
+    <p:sldId id="400" r:id="rId26"/>
+    <p:sldId id="402" r:id="rId27"/>
   </p:sldIdLst>
   <p:sldSz cx="12192000" cy="6858000"/>
   <p:notesSz cx="6858000" cy="9144000"/>
@@ -115,6 +140,51 @@
             <p14:sldId id="377"/>
           </p14:sldIdLst>
         </p14:section>
+        <p14:section name="What we have seen - C language" id="{0DAFB6A7-C8AF-439C-82B9-1B3B598CD558}">
+          <p14:sldIdLst>
+            <p14:sldId id="397"/>
+            <p14:sldId id="396"/>
+          </p14:sldIdLst>
+        </p14:section>
+        <p14:section name="Continue your learning" id="{50BEC593-90CA-402C-9A65-A4F5AB4598DB}">
+          <p14:sldIdLst>
+            <p14:sldId id="399"/>
+            <p14:sldId id="395"/>
+            <p14:sldId id="398"/>
+          </p14:sldIdLst>
+        </p14:section>
+        <p14:section name="What we have seen - Compilers" id="{DE565459-E748-409F-985F-D69E113257C2}">
+          <p14:sldIdLst>
+            <p14:sldId id="392"/>
+            <p14:sldId id="257"/>
+            <p14:sldId id="272"/>
+          </p14:sldIdLst>
+        </p14:section>
+        <p14:section name="Continue your learning" id="{A57283DC-9D7E-4FF8-8722-E1D236AD218B}">
+          <p14:sldIdLst>
+            <p14:sldId id="393"/>
+            <p14:sldId id="378"/>
+            <p14:sldId id="380"/>
+            <p14:sldId id="381"/>
+            <p14:sldId id="383"/>
+            <p14:sldId id="384"/>
+            <p14:sldId id="385"/>
+            <p14:sldId id="386"/>
+            <p14:sldId id="387"/>
+            <p14:sldId id="388"/>
+            <p14:sldId id="389"/>
+            <p14:sldId id="263"/>
+            <p14:sldId id="265"/>
+            <p14:sldId id="390"/>
+          </p14:sldIdLst>
+        </p14:section>
+        <p14:section name="Feedback" id="{BA5D06E7-CFCB-4FC1-9986-48C737FB9314}">
+          <p14:sldIdLst>
+            <p14:sldId id="394"/>
+            <p14:sldId id="400"/>
+            <p14:sldId id="402"/>
+          </p14:sldIdLst>
+        </p14:section>
       </p14:sectionLst>
     </p:ext>
     <p:ext uri="{EFAFB233-063F-42B5-8137-9DF3F51BA10A}">
@@ -130,6 +200,14 @@
 </p188:authorLst>
 </file>
 
+<file path=ppt/revisionInfo.xml><?xml version="1.0" encoding="utf-8"?>
+<p1510:revInfo xmlns:a="http://schemas.openxmlformats.org/drawingml/2006/main" xmlns:r="http://schemas.openxmlformats.org/officeDocument/2006/relationships" xmlns:p1510="http://schemas.microsoft.com/office/powerpoint/2015/10/main">
+  <p1510:revLst>
+    <p1510:client id="{3A2DEBFB-9927-4560-A370-6B8CD0A9E7F0}" v="29" dt="2023-04-20T07:13:26.724"/>
+  </p1510:revLst>
+</p1510:revInfo>
+</file>
+
 <file path=ppt/changesInfos/changesInfo1.xml><?xml version="1.0" encoding="utf-8"?>
 <pc:chgInfo xmlns:a="http://schemas.openxmlformats.org/drawingml/2006/main" xmlns:r="http://schemas.openxmlformats.org/officeDocument/2006/relationships" xmlns:ac="http://schemas.microsoft.com/office/drawing/2013/main/command" xmlns:pc="http://schemas.microsoft.com/office/powerpoint/2013/main/command">
   <pc:docChgLst>
@@ -13292,6 +13370,616 @@
             <ac:spMk id="2" creationId="{080CEB46-CC16-4D19-8C2C-AEE9471D8168}"/>
           </ac:spMkLst>
         </pc:spChg>
+      </pc:sldChg>
+    </pc:docChg>
+  </pc:docChgLst>
+  <pc:docChgLst>
+    <pc:chgData name="Matthieu De Mari" userId="dfb708c9-d8dc-439f-9a3b-c772bf4a311c" providerId="ADAL" clId="{3A2DEBFB-9927-4560-A370-6B8CD0A9E7F0}"/>
+    <pc:docChg chg="undo custSel addSld delSld modSld sldOrd addSection delSection modSection">
+      <pc:chgData name="Matthieu De Mari" userId="dfb708c9-d8dc-439f-9a3b-c772bf4a311c" providerId="ADAL" clId="{3A2DEBFB-9927-4560-A370-6B8CD0A9E7F0}" dt="2023-04-20T07:13:26.724" v="3444"/>
+      <pc:docMkLst>
+        <pc:docMk/>
+      </pc:docMkLst>
+      <pc:sldChg chg="add ord">
+        <pc:chgData name="Matthieu De Mari" userId="dfb708c9-d8dc-439f-9a3b-c772bf4a311c" providerId="ADAL" clId="{3A2DEBFB-9927-4560-A370-6B8CD0A9E7F0}" dt="2023-04-20T06:47:48.096" v="1111"/>
+        <pc:sldMkLst>
+          <pc:docMk/>
+          <pc:sldMk cId="3239548726" sldId="257"/>
+        </pc:sldMkLst>
+      </pc:sldChg>
+      <pc:sldChg chg="add">
+        <pc:chgData name="Matthieu De Mari" userId="dfb708c9-d8dc-439f-9a3b-c772bf4a311c" providerId="ADAL" clId="{3A2DEBFB-9927-4560-A370-6B8CD0A9E7F0}" dt="2023-04-20T06:48:36.146" v="1164"/>
+        <pc:sldMkLst>
+          <pc:docMk/>
+          <pc:sldMk cId="2723458640" sldId="263"/>
+        </pc:sldMkLst>
+      </pc:sldChg>
+      <pc:sldChg chg="add">
+        <pc:chgData name="Matthieu De Mari" userId="dfb708c9-d8dc-439f-9a3b-c772bf4a311c" providerId="ADAL" clId="{3A2DEBFB-9927-4560-A370-6B8CD0A9E7F0}" dt="2023-04-20T06:48:36.146" v="1164"/>
+        <pc:sldMkLst>
+          <pc:docMk/>
+          <pc:sldMk cId="4127898596" sldId="265"/>
+        </pc:sldMkLst>
+      </pc:sldChg>
+      <pc:sldChg chg="modSp add mod">
+        <pc:chgData name="Matthieu De Mari" userId="dfb708c9-d8dc-439f-9a3b-c772bf4a311c" providerId="ADAL" clId="{3A2DEBFB-9927-4560-A370-6B8CD0A9E7F0}" dt="2023-04-20T06:49:46.535" v="1366" actId="20577"/>
+        <pc:sldMkLst>
+          <pc:docMk/>
+          <pc:sldMk cId="1628130454" sldId="272"/>
+        </pc:sldMkLst>
+        <pc:spChg chg="mod">
+          <ac:chgData name="Matthieu De Mari" userId="dfb708c9-d8dc-439f-9a3b-c772bf4a311c" providerId="ADAL" clId="{3A2DEBFB-9927-4560-A370-6B8CD0A9E7F0}" dt="2023-04-20T06:49:46.535" v="1366" actId="20577"/>
+          <ac:spMkLst>
+            <pc:docMk/>
+            <pc:sldMk cId="1628130454" sldId="272"/>
+            <ac:spMk id="3" creationId="{047FD354-275A-C734-E17F-FED0638E05F9}"/>
+          </ac:spMkLst>
+        </pc:spChg>
+      </pc:sldChg>
+      <pc:sldChg chg="modSp mod">
+        <pc:chgData name="Matthieu De Mari" userId="dfb708c9-d8dc-439f-9a3b-c772bf4a311c" providerId="ADAL" clId="{3A2DEBFB-9927-4560-A370-6B8CD0A9E7F0}" dt="2023-04-20T06:26:17.684" v="4" actId="20577"/>
+        <pc:sldMkLst>
+          <pc:docMk/>
+          <pc:sldMk cId="1040156172" sldId="377"/>
+        </pc:sldMkLst>
+        <pc:spChg chg="mod">
+          <ac:chgData name="Matthieu De Mari" userId="dfb708c9-d8dc-439f-9a3b-c772bf4a311c" providerId="ADAL" clId="{3A2DEBFB-9927-4560-A370-6B8CD0A9E7F0}" dt="2023-04-20T06:26:17.684" v="4" actId="20577"/>
+          <ac:spMkLst>
+            <pc:docMk/>
+            <pc:sldMk cId="1040156172" sldId="377"/>
+            <ac:spMk id="2" creationId="{080CEB46-CC16-4D19-8C2C-AEE9471D8168}"/>
+          </ac:spMkLst>
+        </pc:spChg>
+      </pc:sldChg>
+      <pc:sldChg chg="modSp new mod">
+        <pc:chgData name="Matthieu De Mari" userId="dfb708c9-d8dc-439f-9a3b-c772bf4a311c" providerId="ADAL" clId="{3A2DEBFB-9927-4560-A370-6B8CD0A9E7F0}" dt="2023-04-20T06:31:57.201" v="198" actId="3626"/>
+        <pc:sldMkLst>
+          <pc:docMk/>
+          <pc:sldMk cId="2078230250" sldId="378"/>
+        </pc:sldMkLst>
+        <pc:spChg chg="mod">
+          <ac:chgData name="Matthieu De Mari" userId="dfb708c9-d8dc-439f-9a3b-c772bf4a311c" providerId="ADAL" clId="{3A2DEBFB-9927-4560-A370-6B8CD0A9E7F0}" dt="2023-04-20T06:30:09.796" v="35" actId="20577"/>
+          <ac:spMkLst>
+            <pc:docMk/>
+            <pc:sldMk cId="2078230250" sldId="378"/>
+            <ac:spMk id="2" creationId="{317CE101-588D-5A7A-735A-F8231E3A1B5F}"/>
+          </ac:spMkLst>
+        </pc:spChg>
+        <pc:spChg chg="mod">
+          <ac:chgData name="Matthieu De Mari" userId="dfb708c9-d8dc-439f-9a3b-c772bf4a311c" providerId="ADAL" clId="{3A2DEBFB-9927-4560-A370-6B8CD0A9E7F0}" dt="2023-04-20T06:31:57.201" v="198" actId="3626"/>
+          <ac:spMkLst>
+            <pc:docMk/>
+            <pc:sldMk cId="2078230250" sldId="378"/>
+            <ac:spMk id="3" creationId="{C4933FC2-4049-4FA7-CE89-E8DB7DFFECDA}"/>
+          </ac:spMkLst>
+        </pc:spChg>
+      </pc:sldChg>
+      <pc:sldChg chg="new del">
+        <pc:chgData name="Matthieu De Mari" userId="dfb708c9-d8dc-439f-9a3b-c772bf4a311c" providerId="ADAL" clId="{3A2DEBFB-9927-4560-A370-6B8CD0A9E7F0}" dt="2023-04-20T06:32:11.466" v="201" actId="47"/>
+        <pc:sldMkLst>
+          <pc:docMk/>
+          <pc:sldMk cId="901494227" sldId="379"/>
+        </pc:sldMkLst>
+      </pc:sldChg>
+      <pc:sldChg chg="modSp add mod">
+        <pc:chgData name="Matthieu De Mari" userId="dfb708c9-d8dc-439f-9a3b-c772bf4a311c" providerId="ADAL" clId="{3A2DEBFB-9927-4560-A370-6B8CD0A9E7F0}" dt="2023-04-20T06:35:18.027" v="344" actId="20577"/>
+        <pc:sldMkLst>
+          <pc:docMk/>
+          <pc:sldMk cId="545252811" sldId="380"/>
+        </pc:sldMkLst>
+        <pc:spChg chg="mod">
+          <ac:chgData name="Matthieu De Mari" userId="dfb708c9-d8dc-439f-9a3b-c772bf4a311c" providerId="ADAL" clId="{3A2DEBFB-9927-4560-A370-6B8CD0A9E7F0}" dt="2023-04-20T06:35:18.027" v="344" actId="20577"/>
+          <ac:spMkLst>
+            <pc:docMk/>
+            <pc:sldMk cId="545252811" sldId="380"/>
+            <ac:spMk id="3" creationId="{C4933FC2-4049-4FA7-CE89-E8DB7DFFECDA}"/>
+          </ac:spMkLst>
+        </pc:spChg>
+      </pc:sldChg>
+      <pc:sldChg chg="modSp add mod">
+        <pc:chgData name="Matthieu De Mari" userId="dfb708c9-d8dc-439f-9a3b-c772bf4a311c" providerId="ADAL" clId="{3A2DEBFB-9927-4560-A370-6B8CD0A9E7F0}" dt="2023-04-20T06:36:09.490" v="425" actId="20577"/>
+        <pc:sldMkLst>
+          <pc:docMk/>
+          <pc:sldMk cId="2111844057" sldId="381"/>
+        </pc:sldMkLst>
+        <pc:spChg chg="mod">
+          <ac:chgData name="Matthieu De Mari" userId="dfb708c9-d8dc-439f-9a3b-c772bf4a311c" providerId="ADAL" clId="{3A2DEBFB-9927-4560-A370-6B8CD0A9E7F0}" dt="2023-04-20T06:36:09.490" v="425" actId="20577"/>
+          <ac:spMkLst>
+            <pc:docMk/>
+            <pc:sldMk cId="2111844057" sldId="381"/>
+            <ac:spMk id="3" creationId="{C4933FC2-4049-4FA7-CE89-E8DB7DFFECDA}"/>
+          </ac:spMkLst>
+        </pc:spChg>
+      </pc:sldChg>
+      <pc:sldChg chg="new del">
+        <pc:chgData name="Matthieu De Mari" userId="dfb708c9-d8dc-439f-9a3b-c772bf4a311c" providerId="ADAL" clId="{3A2DEBFB-9927-4560-A370-6B8CD0A9E7F0}" dt="2023-04-20T06:44:36.710" v="912" actId="47"/>
+        <pc:sldMkLst>
+          <pc:docMk/>
+          <pc:sldMk cId="1074973064" sldId="382"/>
+        </pc:sldMkLst>
+      </pc:sldChg>
+      <pc:sldChg chg="modSp add mod">
+        <pc:chgData name="Matthieu De Mari" userId="dfb708c9-d8dc-439f-9a3b-c772bf4a311c" providerId="ADAL" clId="{3A2DEBFB-9927-4560-A370-6B8CD0A9E7F0}" dt="2023-04-20T06:43:16.411" v="876" actId="20577"/>
+        <pc:sldMkLst>
+          <pc:docMk/>
+          <pc:sldMk cId="3518596474" sldId="383"/>
+        </pc:sldMkLst>
+        <pc:spChg chg="mod">
+          <ac:chgData name="Matthieu De Mari" userId="dfb708c9-d8dc-439f-9a3b-c772bf4a311c" providerId="ADAL" clId="{3A2DEBFB-9927-4560-A370-6B8CD0A9E7F0}" dt="2023-04-20T06:43:16.411" v="876" actId="20577"/>
+          <ac:spMkLst>
+            <pc:docMk/>
+            <pc:sldMk cId="3518596474" sldId="383"/>
+            <ac:spMk id="3" creationId="{C4933FC2-4049-4FA7-CE89-E8DB7DFFECDA}"/>
+          </ac:spMkLst>
+        </pc:spChg>
+      </pc:sldChg>
+      <pc:sldChg chg="modSp add mod">
+        <pc:chgData name="Matthieu De Mari" userId="dfb708c9-d8dc-439f-9a3b-c772bf4a311c" providerId="ADAL" clId="{3A2DEBFB-9927-4560-A370-6B8CD0A9E7F0}" dt="2023-04-20T06:43:14.514" v="875" actId="20577"/>
+        <pc:sldMkLst>
+          <pc:docMk/>
+          <pc:sldMk cId="2369372913" sldId="384"/>
+        </pc:sldMkLst>
+        <pc:spChg chg="mod">
+          <ac:chgData name="Matthieu De Mari" userId="dfb708c9-d8dc-439f-9a3b-c772bf4a311c" providerId="ADAL" clId="{3A2DEBFB-9927-4560-A370-6B8CD0A9E7F0}" dt="2023-04-20T06:43:14.514" v="875" actId="20577"/>
+          <ac:spMkLst>
+            <pc:docMk/>
+            <pc:sldMk cId="2369372913" sldId="384"/>
+            <ac:spMk id="3" creationId="{C4933FC2-4049-4FA7-CE89-E8DB7DFFECDA}"/>
+          </ac:spMkLst>
+        </pc:spChg>
+      </pc:sldChg>
+      <pc:sldChg chg="modSp add mod">
+        <pc:chgData name="Matthieu De Mari" userId="dfb708c9-d8dc-439f-9a3b-c772bf4a311c" providerId="ADAL" clId="{3A2DEBFB-9927-4560-A370-6B8CD0A9E7F0}" dt="2023-04-20T06:41:55.942" v="813" actId="20577"/>
+        <pc:sldMkLst>
+          <pc:docMk/>
+          <pc:sldMk cId="360362729" sldId="385"/>
+        </pc:sldMkLst>
+        <pc:spChg chg="mod">
+          <ac:chgData name="Matthieu De Mari" userId="dfb708c9-d8dc-439f-9a3b-c772bf4a311c" providerId="ADAL" clId="{3A2DEBFB-9927-4560-A370-6B8CD0A9E7F0}" dt="2023-04-20T06:41:55.942" v="813" actId="20577"/>
+          <ac:spMkLst>
+            <pc:docMk/>
+            <pc:sldMk cId="360362729" sldId="385"/>
+            <ac:spMk id="3" creationId="{C4933FC2-4049-4FA7-CE89-E8DB7DFFECDA}"/>
+          </ac:spMkLst>
+        </pc:spChg>
+      </pc:sldChg>
+      <pc:sldChg chg="modSp add mod">
+        <pc:chgData name="Matthieu De Mari" userId="dfb708c9-d8dc-439f-9a3b-c772bf4a311c" providerId="ADAL" clId="{3A2DEBFB-9927-4560-A370-6B8CD0A9E7F0}" dt="2023-04-20T06:43:12.506" v="874" actId="20577"/>
+        <pc:sldMkLst>
+          <pc:docMk/>
+          <pc:sldMk cId="4050305745" sldId="386"/>
+        </pc:sldMkLst>
+        <pc:spChg chg="mod">
+          <ac:chgData name="Matthieu De Mari" userId="dfb708c9-d8dc-439f-9a3b-c772bf4a311c" providerId="ADAL" clId="{3A2DEBFB-9927-4560-A370-6B8CD0A9E7F0}" dt="2023-04-20T06:43:12.506" v="874" actId="20577"/>
+          <ac:spMkLst>
+            <pc:docMk/>
+            <pc:sldMk cId="4050305745" sldId="386"/>
+            <ac:spMk id="3" creationId="{C4933FC2-4049-4FA7-CE89-E8DB7DFFECDA}"/>
+          </ac:spMkLst>
+        </pc:spChg>
+      </pc:sldChg>
+      <pc:sldChg chg="modSp add mod">
+        <pc:chgData name="Matthieu De Mari" userId="dfb708c9-d8dc-439f-9a3b-c772bf4a311c" providerId="ADAL" clId="{3A2DEBFB-9927-4560-A370-6B8CD0A9E7F0}" dt="2023-04-20T06:43:10.217" v="873" actId="20577"/>
+        <pc:sldMkLst>
+          <pc:docMk/>
+          <pc:sldMk cId="3921981387" sldId="387"/>
+        </pc:sldMkLst>
+        <pc:spChg chg="mod">
+          <ac:chgData name="Matthieu De Mari" userId="dfb708c9-d8dc-439f-9a3b-c772bf4a311c" providerId="ADAL" clId="{3A2DEBFB-9927-4560-A370-6B8CD0A9E7F0}" dt="2023-04-20T06:43:10.217" v="873" actId="20577"/>
+          <ac:spMkLst>
+            <pc:docMk/>
+            <pc:sldMk cId="3921981387" sldId="387"/>
+            <ac:spMk id="3" creationId="{C4933FC2-4049-4FA7-CE89-E8DB7DFFECDA}"/>
+          </ac:spMkLst>
+        </pc:spChg>
+      </pc:sldChg>
+      <pc:sldChg chg="modSp add mod">
+        <pc:chgData name="Matthieu De Mari" userId="dfb708c9-d8dc-439f-9a3b-c772bf4a311c" providerId="ADAL" clId="{3A2DEBFB-9927-4560-A370-6B8CD0A9E7F0}" dt="2023-04-20T06:44:00.890" v="898" actId="20577"/>
+        <pc:sldMkLst>
+          <pc:docMk/>
+          <pc:sldMk cId="1915273858" sldId="388"/>
+        </pc:sldMkLst>
+        <pc:spChg chg="mod">
+          <ac:chgData name="Matthieu De Mari" userId="dfb708c9-d8dc-439f-9a3b-c772bf4a311c" providerId="ADAL" clId="{3A2DEBFB-9927-4560-A370-6B8CD0A9E7F0}" dt="2023-04-20T06:44:00.890" v="898" actId="20577"/>
+          <ac:spMkLst>
+            <pc:docMk/>
+            <pc:sldMk cId="1915273858" sldId="388"/>
+            <ac:spMk id="3" creationId="{C4933FC2-4049-4FA7-CE89-E8DB7DFFECDA}"/>
+          </ac:spMkLst>
+        </pc:spChg>
+      </pc:sldChg>
+      <pc:sldChg chg="modSp add mod">
+        <pc:chgData name="Matthieu De Mari" userId="dfb708c9-d8dc-439f-9a3b-c772bf4a311c" providerId="ADAL" clId="{3A2DEBFB-9927-4560-A370-6B8CD0A9E7F0}" dt="2023-04-20T06:44:28.227" v="911" actId="20577"/>
+        <pc:sldMkLst>
+          <pc:docMk/>
+          <pc:sldMk cId="1628818528" sldId="389"/>
+        </pc:sldMkLst>
+        <pc:spChg chg="mod">
+          <ac:chgData name="Matthieu De Mari" userId="dfb708c9-d8dc-439f-9a3b-c772bf4a311c" providerId="ADAL" clId="{3A2DEBFB-9927-4560-A370-6B8CD0A9E7F0}" dt="2023-04-20T06:44:28.227" v="911" actId="20577"/>
+          <ac:spMkLst>
+            <pc:docMk/>
+            <pc:sldMk cId="1628818528" sldId="389"/>
+            <ac:spMk id="3" creationId="{C4933FC2-4049-4FA7-CE89-E8DB7DFFECDA}"/>
+          </ac:spMkLst>
+        </pc:spChg>
+      </pc:sldChg>
+      <pc:sldChg chg="modSp new mod">
+        <pc:chgData name="Matthieu De Mari" userId="dfb708c9-d8dc-439f-9a3b-c772bf4a311c" providerId="ADAL" clId="{3A2DEBFB-9927-4560-A370-6B8CD0A9E7F0}" dt="2023-04-20T06:47:19.834" v="1107" actId="20577"/>
+        <pc:sldMkLst>
+          <pc:docMk/>
+          <pc:sldMk cId="3459711679" sldId="390"/>
+        </pc:sldMkLst>
+        <pc:spChg chg="mod">
+          <ac:chgData name="Matthieu De Mari" userId="dfb708c9-d8dc-439f-9a3b-c772bf4a311c" providerId="ADAL" clId="{3A2DEBFB-9927-4560-A370-6B8CD0A9E7F0}" dt="2023-04-20T06:44:50.029" v="944" actId="20577"/>
+          <ac:spMkLst>
+            <pc:docMk/>
+            <pc:sldMk cId="3459711679" sldId="390"/>
+            <ac:spMk id="2" creationId="{B95ED79D-30A5-48F7-2924-417F40A9142F}"/>
+          </ac:spMkLst>
+        </pc:spChg>
+        <pc:spChg chg="mod">
+          <ac:chgData name="Matthieu De Mari" userId="dfb708c9-d8dc-439f-9a3b-c772bf4a311c" providerId="ADAL" clId="{3A2DEBFB-9927-4560-A370-6B8CD0A9E7F0}" dt="2023-04-20T06:47:19.834" v="1107" actId="20577"/>
+          <ac:spMkLst>
+            <pc:docMk/>
+            <pc:sldMk cId="3459711679" sldId="390"/>
+            <ac:spMk id="3" creationId="{CB5FD5D5-C010-B10F-6D80-E41615A78B5C}"/>
+          </ac:spMkLst>
+        </pc:spChg>
+      </pc:sldChg>
+      <pc:sldChg chg="new del">
+        <pc:chgData name="Matthieu De Mari" userId="dfb708c9-d8dc-439f-9a3b-c772bf4a311c" providerId="ADAL" clId="{3A2DEBFB-9927-4560-A370-6B8CD0A9E7F0}" dt="2023-04-20T06:48:52.163" v="1167" actId="47"/>
+        <pc:sldMkLst>
+          <pc:docMk/>
+          <pc:sldMk cId="3809676632" sldId="391"/>
+        </pc:sldMkLst>
+      </pc:sldChg>
+      <pc:sldChg chg="addSp delSp modSp new mod modClrScheme chgLayout">
+        <pc:chgData name="Matthieu De Mari" userId="dfb708c9-d8dc-439f-9a3b-c772bf4a311c" providerId="ADAL" clId="{3A2DEBFB-9927-4560-A370-6B8CD0A9E7F0}" dt="2023-04-20T06:50:00.372" v="1409" actId="20577"/>
+        <pc:sldMkLst>
+          <pc:docMk/>
+          <pc:sldMk cId="843845269" sldId="392"/>
+        </pc:sldMkLst>
+        <pc:spChg chg="del mod ord">
+          <ac:chgData name="Matthieu De Mari" userId="dfb708c9-d8dc-439f-9a3b-c772bf4a311c" providerId="ADAL" clId="{3A2DEBFB-9927-4560-A370-6B8CD0A9E7F0}" dt="2023-04-20T06:49:51.326" v="1367" actId="700"/>
+          <ac:spMkLst>
+            <pc:docMk/>
+            <pc:sldMk cId="843845269" sldId="392"/>
+            <ac:spMk id="2" creationId="{8828D77F-5DAA-CD94-8E92-47281B39FF76}"/>
+          </ac:spMkLst>
+        </pc:spChg>
+        <pc:spChg chg="del mod ord">
+          <ac:chgData name="Matthieu De Mari" userId="dfb708c9-d8dc-439f-9a3b-c772bf4a311c" providerId="ADAL" clId="{3A2DEBFB-9927-4560-A370-6B8CD0A9E7F0}" dt="2023-04-20T06:49:51.326" v="1367" actId="700"/>
+          <ac:spMkLst>
+            <pc:docMk/>
+            <pc:sldMk cId="843845269" sldId="392"/>
+            <ac:spMk id="3" creationId="{36E31A18-358D-4BC9-EA8D-39CCA96D0440}"/>
+          </ac:spMkLst>
+        </pc:spChg>
+        <pc:spChg chg="del">
+          <ac:chgData name="Matthieu De Mari" userId="dfb708c9-d8dc-439f-9a3b-c772bf4a311c" providerId="ADAL" clId="{3A2DEBFB-9927-4560-A370-6B8CD0A9E7F0}" dt="2023-04-20T06:49:51.326" v="1367" actId="700"/>
+          <ac:spMkLst>
+            <pc:docMk/>
+            <pc:sldMk cId="843845269" sldId="392"/>
+            <ac:spMk id="4" creationId="{AD34A8B4-41A3-DD69-2AC1-F7C4E1F27A1B}"/>
+          </ac:spMkLst>
+        </pc:spChg>
+        <pc:spChg chg="add mod ord">
+          <ac:chgData name="Matthieu De Mari" userId="dfb708c9-d8dc-439f-9a3b-c772bf4a311c" providerId="ADAL" clId="{3A2DEBFB-9927-4560-A370-6B8CD0A9E7F0}" dt="2023-04-20T06:49:55.669" v="1394" actId="20577"/>
+          <ac:spMkLst>
+            <pc:docMk/>
+            <pc:sldMk cId="843845269" sldId="392"/>
+            <ac:spMk id="5" creationId="{E59A8C5D-EB18-1525-5BEA-33B2EE64EEED}"/>
+          </ac:spMkLst>
+        </pc:spChg>
+        <pc:spChg chg="add mod ord">
+          <ac:chgData name="Matthieu De Mari" userId="dfb708c9-d8dc-439f-9a3b-c772bf4a311c" providerId="ADAL" clId="{3A2DEBFB-9927-4560-A370-6B8CD0A9E7F0}" dt="2023-04-20T06:50:00.372" v="1409" actId="20577"/>
+          <ac:spMkLst>
+            <pc:docMk/>
+            <pc:sldMk cId="843845269" sldId="392"/>
+            <ac:spMk id="6" creationId="{86C59FD5-A22C-0D4D-B67F-505AF3136FFF}"/>
+          </ac:spMkLst>
+        </pc:spChg>
+      </pc:sldChg>
+      <pc:sldChg chg="addSp delSp modSp new mod modClrScheme chgLayout">
+        <pc:chgData name="Matthieu De Mari" userId="dfb708c9-d8dc-439f-9a3b-c772bf4a311c" providerId="ADAL" clId="{3A2DEBFB-9927-4560-A370-6B8CD0A9E7F0}" dt="2023-04-20T06:48:11.024" v="1162" actId="20577"/>
+        <pc:sldMkLst>
+          <pc:docMk/>
+          <pc:sldMk cId="293904744" sldId="393"/>
+        </pc:sldMkLst>
+        <pc:spChg chg="del mod ord">
+          <ac:chgData name="Matthieu De Mari" userId="dfb708c9-d8dc-439f-9a3b-c772bf4a311c" providerId="ADAL" clId="{3A2DEBFB-9927-4560-A370-6B8CD0A9E7F0}" dt="2023-04-20T06:48:01.323" v="1114" actId="700"/>
+          <ac:spMkLst>
+            <pc:docMk/>
+            <pc:sldMk cId="293904744" sldId="393"/>
+            <ac:spMk id="2" creationId="{D2E2D6B7-CE0A-7434-9979-08DA97A49B27}"/>
+          </ac:spMkLst>
+        </pc:spChg>
+        <pc:spChg chg="del mod ord">
+          <ac:chgData name="Matthieu De Mari" userId="dfb708c9-d8dc-439f-9a3b-c772bf4a311c" providerId="ADAL" clId="{3A2DEBFB-9927-4560-A370-6B8CD0A9E7F0}" dt="2023-04-20T06:48:01.323" v="1114" actId="700"/>
+          <ac:spMkLst>
+            <pc:docMk/>
+            <pc:sldMk cId="293904744" sldId="393"/>
+            <ac:spMk id="3" creationId="{81C81135-746F-04BE-D6F3-A3A98FE827D4}"/>
+          </ac:spMkLst>
+        </pc:spChg>
+        <pc:spChg chg="add mod ord">
+          <ac:chgData name="Matthieu De Mari" userId="dfb708c9-d8dc-439f-9a3b-c772bf4a311c" providerId="ADAL" clId="{3A2DEBFB-9927-4560-A370-6B8CD0A9E7F0}" dt="2023-04-20T06:48:05.961" v="1143" actId="20577"/>
+          <ac:spMkLst>
+            <pc:docMk/>
+            <pc:sldMk cId="293904744" sldId="393"/>
+            <ac:spMk id="4" creationId="{8343A47E-3DD6-B2E7-9303-51886D0FC5E0}"/>
+          </ac:spMkLst>
+        </pc:spChg>
+        <pc:spChg chg="add mod ord">
+          <ac:chgData name="Matthieu De Mari" userId="dfb708c9-d8dc-439f-9a3b-c772bf4a311c" providerId="ADAL" clId="{3A2DEBFB-9927-4560-A370-6B8CD0A9E7F0}" dt="2023-04-20T06:48:11.024" v="1162" actId="20577"/>
+          <ac:spMkLst>
+            <pc:docMk/>
+            <pc:sldMk cId="293904744" sldId="393"/>
+            <ac:spMk id="5" creationId="{5F1AAE29-AB1D-0C0E-C19B-25D35F4A79A4}"/>
+          </ac:spMkLst>
+        </pc:spChg>
+      </pc:sldChg>
+      <pc:sldChg chg="addSp delSp modSp new mod modClrScheme chgLayout">
+        <pc:chgData name="Matthieu De Mari" userId="dfb708c9-d8dc-439f-9a3b-c772bf4a311c" providerId="ADAL" clId="{3A2DEBFB-9927-4560-A370-6B8CD0A9E7F0}" dt="2023-04-20T07:08:33.271" v="2992" actId="20577"/>
+        <pc:sldMkLst>
+          <pc:docMk/>
+          <pc:sldMk cId="522565168" sldId="394"/>
+        </pc:sldMkLst>
+        <pc:spChg chg="del mod ord">
+          <ac:chgData name="Matthieu De Mari" userId="dfb708c9-d8dc-439f-9a3b-c772bf4a311c" providerId="ADAL" clId="{3A2DEBFB-9927-4560-A370-6B8CD0A9E7F0}" dt="2023-04-20T06:52:22.631" v="1414" actId="700"/>
+          <ac:spMkLst>
+            <pc:docMk/>
+            <pc:sldMk cId="522565168" sldId="394"/>
+            <ac:spMk id="2" creationId="{13BAFB65-657C-31CF-6BB2-1721CA452B3D}"/>
+          </ac:spMkLst>
+        </pc:spChg>
+        <pc:spChg chg="del mod ord">
+          <ac:chgData name="Matthieu De Mari" userId="dfb708c9-d8dc-439f-9a3b-c772bf4a311c" providerId="ADAL" clId="{3A2DEBFB-9927-4560-A370-6B8CD0A9E7F0}" dt="2023-04-20T06:52:22.631" v="1414" actId="700"/>
+          <ac:spMkLst>
+            <pc:docMk/>
+            <pc:sldMk cId="522565168" sldId="394"/>
+            <ac:spMk id="3" creationId="{AA2CD0A7-C28A-5032-066C-AAAE74ADAAD8}"/>
+          </ac:spMkLst>
+        </pc:spChg>
+        <pc:spChg chg="add mod ord">
+          <ac:chgData name="Matthieu De Mari" userId="dfb708c9-d8dc-439f-9a3b-c772bf4a311c" providerId="ADAL" clId="{3A2DEBFB-9927-4560-A370-6B8CD0A9E7F0}" dt="2023-04-20T06:53:08.830" v="1614" actId="700"/>
+          <ac:spMkLst>
+            <pc:docMk/>
+            <pc:sldMk cId="522565168" sldId="394"/>
+            <ac:spMk id="4" creationId="{8FE2A054-AEDE-AC12-628E-2FD8A4D54E8B}"/>
+          </ac:spMkLst>
+        </pc:spChg>
+        <pc:spChg chg="add mod ord">
+          <ac:chgData name="Matthieu De Mari" userId="dfb708c9-d8dc-439f-9a3b-c772bf4a311c" providerId="ADAL" clId="{3A2DEBFB-9927-4560-A370-6B8CD0A9E7F0}" dt="2023-04-20T07:08:33.271" v="2992" actId="20577"/>
+          <ac:spMkLst>
+            <pc:docMk/>
+            <pc:sldMk cId="522565168" sldId="394"/>
+            <ac:spMk id="5" creationId="{B2C7CF9A-9E89-BEB3-0C75-4F0F8E3F4F5F}"/>
+          </ac:spMkLst>
+        </pc:spChg>
+      </pc:sldChg>
+      <pc:sldChg chg="new del">
+        <pc:chgData name="Matthieu De Mari" userId="dfb708c9-d8dc-439f-9a3b-c772bf4a311c" providerId="ADAL" clId="{3A2DEBFB-9927-4560-A370-6B8CD0A9E7F0}" dt="2023-04-20T06:48:37.482" v="1165" actId="47"/>
+        <pc:sldMkLst>
+          <pc:docMk/>
+          <pc:sldMk cId="3672812628" sldId="394"/>
+        </pc:sldMkLst>
+      </pc:sldChg>
+      <pc:sldChg chg="modSp new mod">
+        <pc:chgData name="Matthieu De Mari" userId="dfb708c9-d8dc-439f-9a3b-c772bf4a311c" providerId="ADAL" clId="{3A2DEBFB-9927-4560-A370-6B8CD0A9E7F0}" dt="2023-04-20T07:01:43.638" v="2202" actId="20577"/>
+        <pc:sldMkLst>
+          <pc:docMk/>
+          <pc:sldMk cId="2031412711" sldId="395"/>
+        </pc:sldMkLst>
+        <pc:spChg chg="mod">
+          <ac:chgData name="Matthieu De Mari" userId="dfb708c9-d8dc-439f-9a3b-c772bf4a311c" providerId="ADAL" clId="{3A2DEBFB-9927-4560-A370-6B8CD0A9E7F0}" dt="2023-04-20T06:58:22.170" v="1980" actId="20577"/>
+          <ac:spMkLst>
+            <pc:docMk/>
+            <pc:sldMk cId="2031412711" sldId="395"/>
+            <ac:spMk id="2" creationId="{668BE050-84A5-A8A8-CD07-ABB862FE2D96}"/>
+          </ac:spMkLst>
+        </pc:spChg>
+        <pc:spChg chg="mod">
+          <ac:chgData name="Matthieu De Mari" userId="dfb708c9-d8dc-439f-9a3b-c772bf4a311c" providerId="ADAL" clId="{3A2DEBFB-9927-4560-A370-6B8CD0A9E7F0}" dt="2023-04-20T07:01:43.638" v="2202" actId="20577"/>
+          <ac:spMkLst>
+            <pc:docMk/>
+            <pc:sldMk cId="2031412711" sldId="395"/>
+            <ac:spMk id="3" creationId="{644B1A13-4E22-54A2-D321-8F24F27A9C5F}"/>
+          </ac:spMkLst>
+        </pc:spChg>
+      </pc:sldChg>
+      <pc:sldChg chg="modSp new mod">
+        <pc:chgData name="Matthieu De Mari" userId="dfb708c9-d8dc-439f-9a3b-c772bf4a311c" providerId="ADAL" clId="{3A2DEBFB-9927-4560-A370-6B8CD0A9E7F0}" dt="2023-04-20T07:07:22.270" v="2910" actId="20577"/>
+        <pc:sldMkLst>
+          <pc:docMk/>
+          <pc:sldMk cId="2409001351" sldId="396"/>
+        </pc:sldMkLst>
+        <pc:spChg chg="mod">
+          <ac:chgData name="Matthieu De Mari" userId="dfb708c9-d8dc-439f-9a3b-c772bf4a311c" providerId="ADAL" clId="{3A2DEBFB-9927-4560-A370-6B8CD0A9E7F0}" dt="2023-04-20T07:04:39.948" v="2564" actId="20577"/>
+          <ac:spMkLst>
+            <pc:docMk/>
+            <pc:sldMk cId="2409001351" sldId="396"/>
+            <ac:spMk id="2" creationId="{B6569289-A142-5E7C-66C6-FCD7BDCA5FF3}"/>
+          </ac:spMkLst>
+        </pc:spChg>
+        <pc:spChg chg="mod">
+          <ac:chgData name="Matthieu De Mari" userId="dfb708c9-d8dc-439f-9a3b-c772bf4a311c" providerId="ADAL" clId="{3A2DEBFB-9927-4560-A370-6B8CD0A9E7F0}" dt="2023-04-20T07:07:22.270" v="2910" actId="20577"/>
+          <ac:spMkLst>
+            <pc:docMk/>
+            <pc:sldMk cId="2409001351" sldId="396"/>
+            <ac:spMk id="3" creationId="{4F1607F6-A120-7607-CB2E-C70E2C515EAE}"/>
+          </ac:spMkLst>
+        </pc:spChg>
+      </pc:sldChg>
+      <pc:sldChg chg="modSp add mod">
+        <pc:chgData name="Matthieu De Mari" userId="dfb708c9-d8dc-439f-9a3b-c772bf4a311c" providerId="ADAL" clId="{3A2DEBFB-9927-4560-A370-6B8CD0A9E7F0}" dt="2023-04-20T06:57:28.013" v="1971" actId="20577"/>
+        <pc:sldMkLst>
+          <pc:docMk/>
+          <pc:sldMk cId="1732449942" sldId="397"/>
+        </pc:sldMkLst>
+        <pc:spChg chg="mod">
+          <ac:chgData name="Matthieu De Mari" userId="dfb708c9-d8dc-439f-9a3b-c772bf4a311c" providerId="ADAL" clId="{3A2DEBFB-9927-4560-A370-6B8CD0A9E7F0}" dt="2023-04-20T06:57:28.013" v="1971" actId="20577"/>
+          <ac:spMkLst>
+            <pc:docMk/>
+            <pc:sldMk cId="1732449942" sldId="397"/>
+            <ac:spMk id="6" creationId="{86C59FD5-A22C-0D4D-B67F-505AF3136FFF}"/>
+          </ac:spMkLst>
+        </pc:spChg>
+      </pc:sldChg>
+      <pc:sldChg chg="addSp delSp modSp new mod">
+        <pc:chgData name="Matthieu De Mari" userId="dfb708c9-d8dc-439f-9a3b-c772bf4a311c" providerId="ADAL" clId="{3A2DEBFB-9927-4560-A370-6B8CD0A9E7F0}" dt="2023-04-20T06:59:15.563" v="2066" actId="1440"/>
+        <pc:sldMkLst>
+          <pc:docMk/>
+          <pc:sldMk cId="2337322869" sldId="398"/>
+        </pc:sldMkLst>
+        <pc:spChg chg="mod">
+          <ac:chgData name="Matthieu De Mari" userId="dfb708c9-d8dc-439f-9a3b-c772bf4a311c" providerId="ADAL" clId="{3A2DEBFB-9927-4560-A370-6B8CD0A9E7F0}" dt="2023-04-20T06:58:30.967" v="2010" actId="20577"/>
+          <ac:spMkLst>
+            <pc:docMk/>
+            <pc:sldMk cId="2337322869" sldId="398"/>
+            <ac:spMk id="2" creationId="{5ADB09BB-FE42-EE7B-C44E-14FDD6082E2A}"/>
+          </ac:spMkLst>
+        </pc:spChg>
+        <pc:spChg chg="del">
+          <ac:chgData name="Matthieu De Mari" userId="dfb708c9-d8dc-439f-9a3b-c772bf4a311c" providerId="ADAL" clId="{3A2DEBFB-9927-4560-A370-6B8CD0A9E7F0}" dt="2023-04-20T06:58:35.757" v="2011" actId="478"/>
+          <ac:spMkLst>
+            <pc:docMk/>
+            <pc:sldMk cId="2337322869" sldId="398"/>
+            <ac:spMk id="3" creationId="{EEDB3493-E8D3-408A-C30E-FFC5B86CD45E}"/>
+          </ac:spMkLst>
+        </pc:spChg>
+        <pc:spChg chg="add mod">
+          <ac:chgData name="Matthieu De Mari" userId="dfb708c9-d8dc-439f-9a3b-c772bf4a311c" providerId="ADAL" clId="{3A2DEBFB-9927-4560-A370-6B8CD0A9E7F0}" dt="2023-04-20T06:59:10.063" v="2065" actId="403"/>
+          <ac:spMkLst>
+            <pc:docMk/>
+            <pc:sldMk cId="2337322869" sldId="398"/>
+            <ac:spMk id="6" creationId="{46921A13-5BD9-72A1-33B3-8DE93581373B}"/>
+          </ac:spMkLst>
+        </pc:spChg>
+        <pc:picChg chg="add mod">
+          <ac:chgData name="Matthieu De Mari" userId="dfb708c9-d8dc-439f-9a3b-c772bf4a311c" providerId="ADAL" clId="{3A2DEBFB-9927-4560-A370-6B8CD0A9E7F0}" dt="2023-04-20T06:59:15.563" v="2066" actId="1440"/>
+          <ac:picMkLst>
+            <pc:docMk/>
+            <pc:sldMk cId="2337322869" sldId="398"/>
+            <ac:picMk id="5" creationId="{F7995E31-D5D2-06F8-4893-5545CD8080E2}"/>
+          </ac:picMkLst>
+        </pc:picChg>
+      </pc:sldChg>
+      <pc:sldChg chg="modSp new mod">
+        <pc:chgData name="Matthieu De Mari" userId="dfb708c9-d8dc-439f-9a3b-c772bf4a311c" providerId="ADAL" clId="{3A2DEBFB-9927-4560-A370-6B8CD0A9E7F0}" dt="2023-04-20T07:07:30.908" v="2912" actId="20577"/>
+        <pc:sldMkLst>
+          <pc:docMk/>
+          <pc:sldMk cId="3021547445" sldId="399"/>
+        </pc:sldMkLst>
+        <pc:spChg chg="mod">
+          <ac:chgData name="Matthieu De Mari" userId="dfb708c9-d8dc-439f-9a3b-c772bf4a311c" providerId="ADAL" clId="{3A2DEBFB-9927-4560-A370-6B8CD0A9E7F0}" dt="2023-04-20T07:02:03.685" v="2233" actId="20577"/>
+          <ac:spMkLst>
+            <pc:docMk/>
+            <pc:sldMk cId="3021547445" sldId="399"/>
+            <ac:spMk id="2" creationId="{A9BFA278-F63F-0FC4-C1A6-6A3942BB4892}"/>
+          </ac:spMkLst>
+        </pc:spChg>
+        <pc:spChg chg="mod">
+          <ac:chgData name="Matthieu De Mari" userId="dfb708c9-d8dc-439f-9a3b-c772bf4a311c" providerId="ADAL" clId="{3A2DEBFB-9927-4560-A370-6B8CD0A9E7F0}" dt="2023-04-20T07:07:30.908" v="2912" actId="20577"/>
+          <ac:spMkLst>
+            <pc:docMk/>
+            <pc:sldMk cId="3021547445" sldId="399"/>
+            <ac:spMk id="3" creationId="{D555FB05-CD3C-E26E-AC2D-4F864DD4EB90}"/>
+          </ac:spMkLst>
+        </pc:spChg>
+      </pc:sldChg>
+      <pc:sldChg chg="addSp delSp modSp new mod modClrScheme modAnim chgLayout">
+        <pc:chgData name="Matthieu De Mari" userId="dfb708c9-d8dc-439f-9a3b-c772bf4a311c" providerId="ADAL" clId="{3A2DEBFB-9927-4560-A370-6B8CD0A9E7F0}" dt="2023-04-20T07:13:26.724" v="3444"/>
+        <pc:sldMkLst>
+          <pc:docMk/>
+          <pc:sldMk cId="3336848367" sldId="400"/>
+        </pc:sldMkLst>
+        <pc:spChg chg="del mod ord">
+          <ac:chgData name="Matthieu De Mari" userId="dfb708c9-d8dc-439f-9a3b-c772bf4a311c" providerId="ADAL" clId="{3A2DEBFB-9927-4560-A370-6B8CD0A9E7F0}" dt="2023-04-20T07:08:44.423" v="2994" actId="700"/>
+          <ac:spMkLst>
+            <pc:docMk/>
+            <pc:sldMk cId="3336848367" sldId="400"/>
+            <ac:spMk id="2" creationId="{8FC2EA98-ACF4-DEED-7D5B-CE6484E1E1AA}"/>
+          </ac:spMkLst>
+        </pc:spChg>
+        <pc:spChg chg="del">
+          <ac:chgData name="Matthieu De Mari" userId="dfb708c9-d8dc-439f-9a3b-c772bf4a311c" providerId="ADAL" clId="{3A2DEBFB-9927-4560-A370-6B8CD0A9E7F0}" dt="2023-04-20T07:08:44.423" v="2994" actId="700"/>
+          <ac:spMkLst>
+            <pc:docMk/>
+            <pc:sldMk cId="3336848367" sldId="400"/>
+            <ac:spMk id="3" creationId="{C1E75FF6-5A10-2C77-E3A1-CC7C506570FB}"/>
+          </ac:spMkLst>
+        </pc:spChg>
+        <pc:spChg chg="add mod ord">
+          <ac:chgData name="Matthieu De Mari" userId="dfb708c9-d8dc-439f-9a3b-c772bf4a311c" providerId="ADAL" clId="{3A2DEBFB-9927-4560-A370-6B8CD0A9E7F0}" dt="2023-04-20T07:10:20.823" v="3013" actId="700"/>
+          <ac:spMkLst>
+            <pc:docMk/>
+            <pc:sldMk cId="3336848367" sldId="400"/>
+            <ac:spMk id="4" creationId="{1785111C-B07E-3923-FCE2-D74905A772B3}"/>
+          </ac:spMkLst>
+        </pc:spChg>
+        <pc:spChg chg="add mod ord">
+          <ac:chgData name="Matthieu De Mari" userId="dfb708c9-d8dc-439f-9a3b-c772bf4a311c" providerId="ADAL" clId="{3A2DEBFB-9927-4560-A370-6B8CD0A9E7F0}" dt="2023-04-20T07:11:10.777" v="3232" actId="5793"/>
+          <ac:spMkLst>
+            <pc:docMk/>
+            <pc:sldMk cId="3336848367" sldId="400"/>
+            <ac:spMk id="5" creationId="{DEA102C9-0CB0-E5F5-07F4-58CA3CB367C4}"/>
+          </ac:spMkLst>
+        </pc:spChg>
+        <pc:picChg chg="add mod">
+          <ac:chgData name="Matthieu De Mari" userId="dfb708c9-d8dc-439f-9a3b-c772bf4a311c" providerId="ADAL" clId="{3A2DEBFB-9927-4560-A370-6B8CD0A9E7F0}" dt="2023-04-20T07:13:12.665" v="3432"/>
+          <ac:picMkLst>
+            <pc:docMk/>
+            <pc:sldMk cId="3336848367" sldId="400"/>
+            <ac:picMk id="6" creationId="{E335C635-F7F5-FB7B-8822-4790AD6F6A11}"/>
+          </ac:picMkLst>
+        </pc:picChg>
+      </pc:sldChg>
+      <pc:sldChg chg="addSp modSp add del mod">
+        <pc:chgData name="Matthieu De Mari" userId="dfb708c9-d8dc-439f-9a3b-c772bf4a311c" providerId="ADAL" clId="{3A2DEBFB-9927-4560-A370-6B8CD0A9E7F0}" dt="2023-04-20T07:13:13.637" v="3433" actId="47"/>
+        <pc:sldMkLst>
+          <pc:docMk/>
+          <pc:sldMk cId="2778189372" sldId="401"/>
+        </pc:sldMkLst>
+        <pc:spChg chg="mod">
+          <ac:chgData name="Matthieu De Mari" userId="dfb708c9-d8dc-439f-9a3b-c772bf4a311c" providerId="ADAL" clId="{3A2DEBFB-9927-4560-A370-6B8CD0A9E7F0}" dt="2023-04-20T07:12:01.425" v="3252" actId="20577"/>
+          <ac:spMkLst>
+            <pc:docMk/>
+            <pc:sldMk cId="2778189372" sldId="401"/>
+            <ac:spMk id="5" creationId="{DEA102C9-0CB0-E5F5-07F4-58CA3CB367C4}"/>
+          </ac:spMkLst>
+        </pc:spChg>
+        <pc:picChg chg="add mod">
+          <ac:chgData name="Matthieu De Mari" userId="dfb708c9-d8dc-439f-9a3b-c772bf4a311c" providerId="ADAL" clId="{3A2DEBFB-9927-4560-A370-6B8CD0A9E7F0}" dt="2023-04-20T07:11:57.402" v="3237" actId="1076"/>
+          <ac:picMkLst>
+            <pc:docMk/>
+            <pc:sldMk cId="2778189372" sldId="401"/>
+            <ac:picMk id="3" creationId="{1BEAB48C-405C-DE62-7EE0-D0EEB3934E48}"/>
+          </ac:picMkLst>
+        </pc:picChg>
+      </pc:sldChg>
+      <pc:sldChg chg="modSp add mod">
+        <pc:chgData name="Matthieu De Mari" userId="dfb708c9-d8dc-439f-9a3b-c772bf4a311c" providerId="ADAL" clId="{3A2DEBFB-9927-4560-A370-6B8CD0A9E7F0}" dt="2023-04-20T07:12:59.609" v="3431" actId="20577"/>
+        <pc:sldMkLst>
+          <pc:docMk/>
+          <pc:sldMk cId="118600443" sldId="402"/>
+        </pc:sldMkLst>
+        <pc:spChg chg="mod">
+          <ac:chgData name="Matthieu De Mari" userId="dfb708c9-d8dc-439f-9a3b-c772bf4a311c" providerId="ADAL" clId="{3A2DEBFB-9927-4560-A370-6B8CD0A9E7F0}" dt="2023-04-20T07:12:59.609" v="3431" actId="20577"/>
+          <ac:spMkLst>
+            <pc:docMk/>
+            <pc:sldMk cId="118600443" sldId="402"/>
+            <ac:spMk id="5" creationId="{DEA102C9-0CB0-E5F5-07F4-58CA3CB367C4}"/>
+          </ac:spMkLst>
+        </pc:spChg>
+        <pc:picChg chg="mod">
+          <ac:chgData name="Matthieu De Mari" userId="dfb708c9-d8dc-439f-9a3b-c772bf4a311c" providerId="ADAL" clId="{3A2DEBFB-9927-4560-A370-6B8CD0A9E7F0}" dt="2023-04-20T07:12:17.283" v="3261" actId="1076"/>
+          <ac:picMkLst>
+            <pc:docMk/>
+            <pc:sldMk cId="118600443" sldId="402"/>
+            <ac:picMk id="3" creationId="{1BEAB48C-405C-DE62-7EE0-D0EEB3934E48}"/>
+          </ac:picMkLst>
+        </pc:picChg>
       </pc:sldChg>
     </pc:docChg>
   </pc:docChgLst>
@@ -13380,7 +14068,7 @@
           <a:p>
             <a:fld id="{98CFC6A4-B085-437B-8084-693BEB2A32DE}" type="datetimeFigureOut">
               <a:rPr lang="en-SG" smtClean="0"/>
-              <a:t>27/3/2023</a:t>
+              <a:t>20/4/2023</a:t>
             </a:fld>
             <a:endParaRPr lang="en-SG"/>
           </a:p>
@@ -13648,6 +14336,90 @@
 </p:notesMaster>
 </file>
 
+<file path=ppt/notesSlides/notesSlide1.xml><?xml version="1.0" encoding="utf-8"?>
+<p:notes xmlns:a="http://schemas.openxmlformats.org/drawingml/2006/main" xmlns:r="http://schemas.openxmlformats.org/officeDocument/2006/relationships" xmlns:p="http://schemas.openxmlformats.org/presentationml/2006/main">
+  <p:cSld>
+    <p:spTree>
+      <p:nvGrpSpPr>
+        <p:cNvPr id="1" name=""/>
+        <p:cNvGrpSpPr/>
+        <p:nvPr/>
+      </p:nvGrpSpPr>
+      <p:grpSpPr>
+        <a:xfrm>
+          <a:off x="0" y="0"/>
+          <a:ext cx="0" cy="0"/>
+          <a:chOff x="0" y="0"/>
+          <a:chExt cx="0" cy="0"/>
+        </a:xfrm>
+      </p:grpSpPr>
+      <p:sp>
+        <p:nvSpPr>
+          <p:cNvPr id="2" name="Slide Image Placeholder 1"/>
+          <p:cNvSpPr>
+            <a:spLocks noGrp="1" noRot="1" noChangeAspect="1"/>
+          </p:cNvSpPr>
+          <p:nvPr>
+            <p:ph type="sldImg"/>
+          </p:nvPr>
+        </p:nvSpPr>
+        <p:spPr/>
+      </p:sp>
+      <p:sp>
+        <p:nvSpPr>
+          <p:cNvPr id="3" name="Notes Placeholder 2"/>
+          <p:cNvSpPr>
+            <a:spLocks noGrp="1"/>
+          </p:cNvSpPr>
+          <p:nvPr>
+            <p:ph type="body" idx="1"/>
+          </p:nvPr>
+        </p:nvSpPr>
+        <p:spPr/>
+        <p:txBody>
+          <a:bodyPr/>
+          <a:lstStyle/>
+          <a:p>
+            <a:endParaRPr lang="en-GB" dirty="0"/>
+          </a:p>
+        </p:txBody>
+      </p:sp>
+      <p:sp>
+        <p:nvSpPr>
+          <p:cNvPr id="4" name="Slide Number Placeholder 3"/>
+          <p:cNvSpPr>
+            <a:spLocks noGrp="1"/>
+          </p:cNvSpPr>
+          <p:nvPr>
+            <p:ph type="sldNum" sz="quarter" idx="5"/>
+          </p:nvPr>
+        </p:nvSpPr>
+        <p:spPr/>
+        <p:txBody>
+          <a:bodyPr/>
+          <a:lstStyle/>
+          <a:p>
+            <a:fld id="{9FB33476-E995-48AE-A68F-F994A17B3E31}" type="slidenum">
+              <a:rPr lang="en-GB" smtClean="0"/>
+              <a:t>22</a:t>
+            </a:fld>
+            <a:endParaRPr lang="en-GB"/>
+          </a:p>
+        </p:txBody>
+      </p:sp>
+    </p:spTree>
+    <p:extLst>
+      <p:ext uri="{BB962C8B-B14F-4D97-AF65-F5344CB8AC3E}">
+        <p14:creationId xmlns:p14="http://schemas.microsoft.com/office/powerpoint/2010/main" val="2372418366"/>
+      </p:ext>
+    </p:extLst>
+  </p:cSld>
+  <p:clrMapOvr>
+    <a:masterClrMapping/>
+  </p:clrMapOvr>
+</p:notes>
+</file>
+
 <file path=ppt/slideLayouts/slideLayout1.xml><?xml version="1.0" encoding="utf-8"?>
 <p:sldLayout xmlns:a="http://schemas.openxmlformats.org/drawingml/2006/main" xmlns:r="http://schemas.openxmlformats.org/officeDocument/2006/relationships" xmlns:p="http://schemas.openxmlformats.org/presentationml/2006/main" type="title" preserve="1">
   <p:cSld name="Title Slide">
@@ -13797,7 +14569,7 @@
           <a:p>
             <a:fld id="{AB35F6B0-D468-4997-9CE3-CF2A1AE5E3F9}" type="datetimeFigureOut">
               <a:rPr lang="en-SG" smtClean="0"/>
-              <a:t>27/3/2023</a:t>
+              <a:t>20/4/2023</a:t>
             </a:fld>
             <a:endParaRPr lang="en-SG"/>
           </a:p>
@@ -13997,7 +14769,7 @@
           <a:p>
             <a:fld id="{AB35F6B0-D468-4997-9CE3-CF2A1AE5E3F9}" type="datetimeFigureOut">
               <a:rPr lang="en-SG" smtClean="0"/>
-              <a:t>27/3/2023</a:t>
+              <a:t>20/4/2023</a:t>
             </a:fld>
             <a:endParaRPr lang="en-SG"/>
           </a:p>
@@ -14207,7 +14979,7 @@
           <a:p>
             <a:fld id="{AB35F6B0-D468-4997-9CE3-CF2A1AE5E3F9}" type="datetimeFigureOut">
               <a:rPr lang="en-SG" smtClean="0"/>
-              <a:t>27/3/2023</a:t>
+              <a:t>20/4/2023</a:t>
             </a:fld>
             <a:endParaRPr lang="en-SG"/>
           </a:p>
@@ -14407,7 +15179,7 @@
           <a:p>
             <a:fld id="{AB35F6B0-D468-4997-9CE3-CF2A1AE5E3F9}" type="datetimeFigureOut">
               <a:rPr lang="en-SG" smtClean="0"/>
-              <a:t>27/3/2023</a:t>
+              <a:t>20/4/2023</a:t>
             </a:fld>
             <a:endParaRPr lang="en-SG"/>
           </a:p>
@@ -14683,7 +15455,7 @@
           <a:p>
             <a:fld id="{AB35F6B0-D468-4997-9CE3-CF2A1AE5E3F9}" type="datetimeFigureOut">
               <a:rPr lang="en-SG" smtClean="0"/>
-              <a:t>27/3/2023</a:t>
+              <a:t>20/4/2023</a:t>
             </a:fld>
             <a:endParaRPr lang="en-SG"/>
           </a:p>
@@ -14951,7 +15723,7 @@
           <a:p>
             <a:fld id="{AB35F6B0-D468-4997-9CE3-CF2A1AE5E3F9}" type="datetimeFigureOut">
               <a:rPr lang="en-SG" smtClean="0"/>
-              <a:t>27/3/2023</a:t>
+              <a:t>20/4/2023</a:t>
             </a:fld>
             <a:endParaRPr lang="en-SG"/>
           </a:p>
@@ -15366,7 +16138,7 @@
           <a:p>
             <a:fld id="{AB35F6B0-D468-4997-9CE3-CF2A1AE5E3F9}" type="datetimeFigureOut">
               <a:rPr lang="en-SG" smtClean="0"/>
-              <a:t>27/3/2023</a:t>
+              <a:t>20/4/2023</a:t>
             </a:fld>
             <a:endParaRPr lang="en-SG"/>
           </a:p>
@@ -15508,7 +16280,7 @@
           <a:p>
             <a:fld id="{AB35F6B0-D468-4997-9CE3-CF2A1AE5E3F9}" type="datetimeFigureOut">
               <a:rPr lang="en-SG" smtClean="0"/>
-              <a:t>27/3/2023</a:t>
+              <a:t>20/4/2023</a:t>
             </a:fld>
             <a:endParaRPr lang="en-SG"/>
           </a:p>
@@ -15621,7 +16393,7 @@
           <a:p>
             <a:fld id="{AB35F6B0-D468-4997-9CE3-CF2A1AE5E3F9}" type="datetimeFigureOut">
               <a:rPr lang="en-SG" smtClean="0"/>
-              <a:t>27/3/2023</a:t>
+              <a:t>20/4/2023</a:t>
             </a:fld>
             <a:endParaRPr lang="en-SG"/>
           </a:p>
@@ -15934,7 +16706,7 @@
           <a:p>
             <a:fld id="{AB35F6B0-D468-4997-9CE3-CF2A1AE5E3F9}" type="datetimeFigureOut">
               <a:rPr lang="en-SG" smtClean="0"/>
-              <a:t>27/3/2023</a:t>
+              <a:t>20/4/2023</a:t>
             </a:fld>
             <a:endParaRPr lang="en-SG"/>
           </a:p>
@@ -16223,7 +16995,7 @@
           <a:p>
             <a:fld id="{AB35F6B0-D468-4997-9CE3-CF2A1AE5E3F9}" type="datetimeFigureOut">
               <a:rPr lang="en-SG" smtClean="0"/>
-              <a:t>27/3/2023</a:t>
+              <a:t>20/4/2023</a:t>
             </a:fld>
             <a:endParaRPr lang="en-SG"/>
           </a:p>
@@ -16466,7 +17238,7 @@
           <a:p>
             <a:fld id="{AB35F6B0-D468-4997-9CE3-CF2A1AE5E3F9}" type="datetimeFigureOut">
               <a:rPr lang="en-SG" smtClean="0"/>
-              <a:t>27/3/2023</a:t>
+              <a:t>20/4/2023</a:t>
             </a:fld>
             <a:endParaRPr lang="en-SG"/>
           </a:p>
@@ -17017,11 +17789,7 @@
             </a:br>
             <a:r>
               <a:rPr lang="en-US" dirty="0"/>
-              <a:t>W13-S3 Spill + End </a:t>
-            </a:r>
-            <a:r>
-              <a:rPr lang="en-US"/>
-              <a:t>+ What’s Next</a:t>
+              <a:t>W13-S3 End</a:t>
             </a:r>
             <a:endParaRPr lang="en-GB" dirty="0"/>
           </a:p>
@@ -17095,6 +17863,5627 @@
     <p:extLst>
       <p:ext uri="{BB962C8B-B14F-4D97-AF65-F5344CB8AC3E}">
         <p14:creationId xmlns:p14="http://schemas.microsoft.com/office/powerpoint/2010/main" val="1040156172"/>
+      </p:ext>
+    </p:extLst>
+  </p:cSld>
+  <p:clrMapOvr>
+    <a:masterClrMapping/>
+  </p:clrMapOvr>
+</p:sld>
+</file>
+
+<file path=ppt/slides/slide10.xml><?xml version="1.0" encoding="utf-8"?>
+<p:sld xmlns:a="http://schemas.openxmlformats.org/drawingml/2006/main" xmlns:r="http://schemas.openxmlformats.org/officeDocument/2006/relationships" xmlns:p="http://schemas.openxmlformats.org/presentationml/2006/main">
+  <p:cSld>
+    <p:spTree>
+      <p:nvGrpSpPr>
+        <p:cNvPr id="1" name=""/>
+        <p:cNvGrpSpPr/>
+        <p:nvPr/>
+      </p:nvGrpSpPr>
+      <p:grpSpPr>
+        <a:xfrm>
+          <a:off x="0" y="0"/>
+          <a:ext cx="0" cy="0"/>
+          <a:chOff x="0" y="0"/>
+          <a:chExt cx="0" cy="0"/>
+        </a:xfrm>
+      </p:grpSpPr>
+      <p:sp>
+        <p:nvSpPr>
+          <p:cNvPr id="4" name="Title 3">
+            <a:extLst>
+              <a:ext uri="{FF2B5EF4-FFF2-40B4-BE49-F238E27FC236}">
+                <a16:creationId xmlns:a16="http://schemas.microsoft.com/office/drawing/2014/main" id="{8343A47E-3DD6-B2E7-9303-51886D0FC5E0}"/>
+              </a:ext>
+            </a:extLst>
+          </p:cNvPr>
+          <p:cNvSpPr>
+            <a:spLocks noGrp="1"/>
+          </p:cNvSpPr>
+          <p:nvPr>
+            <p:ph type="title"/>
+          </p:nvPr>
+        </p:nvSpPr>
+        <p:spPr/>
+        <p:txBody>
+          <a:bodyPr/>
+          <a:lstStyle/>
+          <a:p>
+            <a:r>
+              <a:rPr lang="en-GB" dirty="0"/>
+              <a:t>How to continue your learning</a:t>
+            </a:r>
+            <a:endParaRPr lang="en-SG" dirty="0"/>
+          </a:p>
+        </p:txBody>
+      </p:sp>
+      <p:sp>
+        <p:nvSpPr>
+          <p:cNvPr id="5" name="Text Placeholder 4">
+            <a:extLst>
+              <a:ext uri="{FF2B5EF4-FFF2-40B4-BE49-F238E27FC236}">
+                <a16:creationId xmlns:a16="http://schemas.microsoft.com/office/drawing/2014/main" id="{5F1AAE29-AB1D-0C0E-C19B-25D35F4A79A4}"/>
+              </a:ext>
+            </a:extLst>
+          </p:cNvPr>
+          <p:cNvSpPr>
+            <a:spLocks noGrp="1"/>
+          </p:cNvSpPr>
+          <p:nvPr>
+            <p:ph type="body" idx="1"/>
+          </p:nvPr>
+        </p:nvSpPr>
+        <p:spPr/>
+        <p:txBody>
+          <a:bodyPr/>
+          <a:lstStyle/>
+          <a:p>
+            <a:r>
+              <a:rPr lang="en-GB" dirty="0"/>
+              <a:t>Because you should!</a:t>
+            </a:r>
+            <a:endParaRPr lang="en-SG" dirty="0"/>
+          </a:p>
+        </p:txBody>
+      </p:sp>
+    </p:spTree>
+    <p:extLst>
+      <p:ext uri="{BB962C8B-B14F-4D97-AF65-F5344CB8AC3E}">
+        <p14:creationId xmlns:p14="http://schemas.microsoft.com/office/powerpoint/2010/main" val="293904744"/>
+      </p:ext>
+    </p:extLst>
+  </p:cSld>
+  <p:clrMapOvr>
+    <a:masterClrMapping/>
+  </p:clrMapOvr>
+</p:sld>
+</file>
+
+<file path=ppt/slides/slide11.xml><?xml version="1.0" encoding="utf-8"?>
+<p:sld xmlns:a="http://schemas.openxmlformats.org/drawingml/2006/main" xmlns:r="http://schemas.openxmlformats.org/officeDocument/2006/relationships" xmlns:p="http://schemas.openxmlformats.org/presentationml/2006/main">
+  <p:cSld>
+    <p:spTree>
+      <p:nvGrpSpPr>
+        <p:cNvPr id="1" name=""/>
+        <p:cNvGrpSpPr/>
+        <p:nvPr/>
+      </p:nvGrpSpPr>
+      <p:grpSpPr>
+        <a:xfrm>
+          <a:off x="0" y="0"/>
+          <a:ext cx="0" cy="0"/>
+          <a:chOff x="0" y="0"/>
+          <a:chExt cx="0" cy="0"/>
+        </a:xfrm>
+      </p:grpSpPr>
+      <p:sp>
+        <p:nvSpPr>
+          <p:cNvPr id="2" name="Title 1">
+            <a:extLst>
+              <a:ext uri="{FF2B5EF4-FFF2-40B4-BE49-F238E27FC236}">
+                <a16:creationId xmlns:a16="http://schemas.microsoft.com/office/drawing/2014/main" id="{317CE101-588D-5A7A-735A-F8231E3A1B5F}"/>
+              </a:ext>
+            </a:extLst>
+          </p:cNvPr>
+          <p:cNvSpPr>
+            <a:spLocks noGrp="1"/>
+          </p:cNvSpPr>
+          <p:nvPr>
+            <p:ph type="title"/>
+          </p:nvPr>
+        </p:nvSpPr>
+        <p:spPr/>
+        <p:txBody>
+          <a:bodyPr/>
+          <a:lstStyle/>
+          <a:p>
+            <a:r>
+              <a:rPr lang="en-GB" dirty="0"/>
+              <a:t>Continue your learning</a:t>
+            </a:r>
+            <a:endParaRPr lang="en-SG" dirty="0"/>
+          </a:p>
+        </p:txBody>
+      </p:sp>
+      <p:sp>
+        <p:nvSpPr>
+          <p:cNvPr id="3" name="Content Placeholder 2">
+            <a:extLst>
+              <a:ext uri="{FF2B5EF4-FFF2-40B4-BE49-F238E27FC236}">
+                <a16:creationId xmlns:a16="http://schemas.microsoft.com/office/drawing/2014/main" id="{C4933FC2-4049-4FA7-CE89-E8DB7DFFECDA}"/>
+              </a:ext>
+            </a:extLst>
+          </p:cNvPr>
+          <p:cNvSpPr>
+            <a:spLocks noGrp="1"/>
+          </p:cNvSpPr>
+          <p:nvPr>
+            <p:ph idx="1"/>
+          </p:nvPr>
+        </p:nvSpPr>
+        <p:spPr>
+          <a:xfrm>
+            <a:off x="838200" y="1825624"/>
+            <a:ext cx="10515600" cy="5032375"/>
+          </a:xfrm>
+        </p:spPr>
+        <p:txBody>
+          <a:bodyPr>
+            <a:normAutofit/>
+          </a:bodyPr>
+          <a:lstStyle/>
+          <a:p>
+            <a:pPr marL="0" indent="0">
+              <a:buNone/>
+            </a:pPr>
+            <a:r>
+              <a:rPr lang="en-GB" b="1" dirty="0"/>
+              <a:t>W8S3 – W9S1: FSMs and their implementation</a:t>
+            </a:r>
+          </a:p>
+          <a:p>
+            <a:r>
+              <a:rPr lang="en-GB" dirty="0"/>
+              <a:t>Continue with more advanced types of FSMs (non-deterministic, push automatons, etc.).</a:t>
+            </a:r>
+          </a:p>
+          <a:p>
+            <a:r>
+              <a:rPr lang="en-GB" dirty="0"/>
+              <a:t>Learn how to convert any NDFSM into its equivalent FSM (tedious, but possible all the time).</a:t>
+            </a:r>
+          </a:p>
+          <a:p>
+            <a:pPr marL="0" indent="0">
+              <a:buNone/>
+            </a:pPr>
+            <a:endParaRPr lang="en-GB" dirty="0"/>
+          </a:p>
+          <a:p>
+            <a:pPr marL="0" indent="0">
+              <a:buNone/>
+            </a:pPr>
+            <a:r>
+              <a:rPr lang="en-GB" dirty="0"/>
+              <a:t>Good online courses:</a:t>
+            </a:r>
+          </a:p>
+          <a:p>
+            <a:r>
+              <a:rPr lang="en-GB" dirty="0">
+                <a:hlinkClick r:id="rId2"/>
+              </a:rPr>
+              <a:t>MIT Theory of Computation</a:t>
+            </a:r>
+            <a:endParaRPr lang="en-GB" dirty="0">
+              <a:hlinkClick r:id="rId3"/>
+            </a:endParaRPr>
+          </a:p>
+          <a:p>
+            <a:r>
+              <a:rPr lang="en-GB" dirty="0">
+                <a:hlinkClick r:id="rId3"/>
+              </a:rPr>
+              <a:t>Stanford Automata Theory</a:t>
+            </a:r>
+            <a:endParaRPr lang="en-GB" dirty="0"/>
+          </a:p>
+        </p:txBody>
+      </p:sp>
+    </p:spTree>
+    <p:extLst>
+      <p:ext uri="{BB962C8B-B14F-4D97-AF65-F5344CB8AC3E}">
+        <p14:creationId xmlns:p14="http://schemas.microsoft.com/office/powerpoint/2010/main" val="2078230250"/>
+      </p:ext>
+    </p:extLst>
+  </p:cSld>
+  <p:clrMapOvr>
+    <a:masterClrMapping/>
+  </p:clrMapOvr>
+</p:sld>
+</file>
+
+<file path=ppt/slides/slide12.xml><?xml version="1.0" encoding="utf-8"?>
+<p:sld xmlns:a="http://schemas.openxmlformats.org/drawingml/2006/main" xmlns:r="http://schemas.openxmlformats.org/officeDocument/2006/relationships" xmlns:p="http://schemas.openxmlformats.org/presentationml/2006/main">
+  <p:cSld>
+    <p:spTree>
+      <p:nvGrpSpPr>
+        <p:cNvPr id="1" name=""/>
+        <p:cNvGrpSpPr/>
+        <p:nvPr/>
+      </p:nvGrpSpPr>
+      <p:grpSpPr>
+        <a:xfrm>
+          <a:off x="0" y="0"/>
+          <a:ext cx="0" cy="0"/>
+          <a:chOff x="0" y="0"/>
+          <a:chExt cx="0" cy="0"/>
+        </a:xfrm>
+      </p:grpSpPr>
+      <p:sp>
+        <p:nvSpPr>
+          <p:cNvPr id="2" name="Title 1">
+            <a:extLst>
+              <a:ext uri="{FF2B5EF4-FFF2-40B4-BE49-F238E27FC236}">
+                <a16:creationId xmlns:a16="http://schemas.microsoft.com/office/drawing/2014/main" id="{317CE101-588D-5A7A-735A-F8231E3A1B5F}"/>
+              </a:ext>
+            </a:extLst>
+          </p:cNvPr>
+          <p:cNvSpPr>
+            <a:spLocks noGrp="1"/>
+          </p:cNvSpPr>
+          <p:nvPr>
+            <p:ph type="title"/>
+          </p:nvPr>
+        </p:nvSpPr>
+        <p:spPr/>
+        <p:txBody>
+          <a:bodyPr/>
+          <a:lstStyle/>
+          <a:p>
+            <a:r>
+              <a:rPr lang="en-GB" dirty="0"/>
+              <a:t>Continue your learning</a:t>
+            </a:r>
+            <a:endParaRPr lang="en-SG" dirty="0"/>
+          </a:p>
+        </p:txBody>
+      </p:sp>
+      <p:sp>
+        <p:nvSpPr>
+          <p:cNvPr id="3" name="Content Placeholder 2">
+            <a:extLst>
+              <a:ext uri="{FF2B5EF4-FFF2-40B4-BE49-F238E27FC236}">
+                <a16:creationId xmlns:a16="http://schemas.microsoft.com/office/drawing/2014/main" id="{C4933FC2-4049-4FA7-CE89-E8DB7DFFECDA}"/>
+              </a:ext>
+            </a:extLst>
+          </p:cNvPr>
+          <p:cNvSpPr>
+            <a:spLocks noGrp="1"/>
+          </p:cNvSpPr>
+          <p:nvPr>
+            <p:ph idx="1"/>
+          </p:nvPr>
+        </p:nvSpPr>
+        <p:spPr>
+          <a:xfrm>
+            <a:off x="838200" y="1825624"/>
+            <a:ext cx="10515600" cy="5032375"/>
+          </a:xfrm>
+        </p:spPr>
+        <p:txBody>
+          <a:bodyPr>
+            <a:normAutofit/>
+          </a:bodyPr>
+          <a:lstStyle/>
+          <a:p>
+            <a:pPr marL="0" indent="0">
+              <a:buNone/>
+            </a:pPr>
+            <a:r>
+              <a:rPr lang="en-GB" b="1" dirty="0"/>
+              <a:t>W9S2: </a:t>
+            </a:r>
+            <a:r>
+              <a:rPr lang="en-GB" b="1" dirty="0" err="1"/>
+              <a:t>RegEx</a:t>
+            </a:r>
+            <a:r>
+              <a:rPr lang="en-GB" b="1" dirty="0"/>
+              <a:t> and their implementation</a:t>
+            </a:r>
+          </a:p>
+          <a:p>
+            <a:r>
+              <a:rPr lang="en-GB" dirty="0"/>
+              <a:t>Not much else in terms of implementing FSMs and </a:t>
+            </a:r>
+            <a:r>
+              <a:rPr lang="en-GB" dirty="0" err="1"/>
+              <a:t>RegEx</a:t>
+            </a:r>
+            <a:r>
+              <a:rPr lang="en-GB" dirty="0"/>
+              <a:t>. </a:t>
+            </a:r>
+          </a:p>
+          <a:p>
+            <a:r>
+              <a:rPr lang="en-GB" dirty="0"/>
+              <a:t>Maybe try making your own </a:t>
+            </a:r>
+            <a:r>
+              <a:rPr lang="en-GB" dirty="0" err="1"/>
+              <a:t>RegEx</a:t>
+            </a:r>
+            <a:r>
+              <a:rPr lang="en-GB" dirty="0"/>
+              <a:t> engine that takes any </a:t>
+            </a:r>
+            <a:r>
+              <a:rPr lang="en-GB" dirty="0" err="1"/>
+              <a:t>RegEx</a:t>
+            </a:r>
+            <a:r>
+              <a:rPr lang="en-GB" dirty="0"/>
+              <a:t> expression (basic operations only) and generates the correct FSM.</a:t>
+            </a:r>
+          </a:p>
+          <a:p>
+            <a:r>
+              <a:rPr lang="en-GB" dirty="0"/>
+              <a:t>Then use said FSM to check validity of a given string.</a:t>
+            </a:r>
+          </a:p>
+          <a:p>
+            <a:r>
+              <a:rPr lang="en-GB" dirty="0"/>
+              <a:t>Learn to recognize the </a:t>
+            </a:r>
+            <a:r>
+              <a:rPr lang="en-GB" dirty="0" err="1"/>
+              <a:t>RegEx</a:t>
+            </a:r>
+            <a:r>
+              <a:rPr lang="en-GB" dirty="0"/>
+              <a:t> behind any given FSM.</a:t>
+            </a:r>
+          </a:p>
+          <a:p>
+            <a:pPr marL="0" indent="0">
+              <a:buNone/>
+            </a:pPr>
+            <a:endParaRPr lang="en-GB" dirty="0"/>
+          </a:p>
+          <a:p>
+            <a:pPr marL="0" indent="0">
+              <a:buNone/>
+            </a:pPr>
+            <a:r>
+              <a:rPr lang="en-GB" dirty="0"/>
+              <a:t>Good online courses:</a:t>
+            </a:r>
+          </a:p>
+          <a:p>
+            <a:r>
+              <a:rPr lang="en-GB" dirty="0"/>
+              <a:t>Few good courses will teach you about implementation in C…</a:t>
+            </a:r>
+          </a:p>
+          <a:p>
+            <a:r>
+              <a:rPr lang="en-GB" dirty="0">
+                <a:hlinkClick r:id="rId2"/>
+              </a:rPr>
+              <a:t>Maybe this one?</a:t>
+            </a:r>
+            <a:endParaRPr lang="en-GB" dirty="0"/>
+          </a:p>
+        </p:txBody>
+      </p:sp>
+    </p:spTree>
+    <p:extLst>
+      <p:ext uri="{BB962C8B-B14F-4D97-AF65-F5344CB8AC3E}">
+        <p14:creationId xmlns:p14="http://schemas.microsoft.com/office/powerpoint/2010/main" val="545252811"/>
+      </p:ext>
+    </p:extLst>
+  </p:cSld>
+  <p:clrMapOvr>
+    <a:masterClrMapping/>
+  </p:clrMapOvr>
+</p:sld>
+</file>
+
+<file path=ppt/slides/slide13.xml><?xml version="1.0" encoding="utf-8"?>
+<p:sld xmlns:a="http://schemas.openxmlformats.org/drawingml/2006/main" xmlns:r="http://schemas.openxmlformats.org/officeDocument/2006/relationships" xmlns:p="http://schemas.openxmlformats.org/presentationml/2006/main">
+  <p:cSld>
+    <p:spTree>
+      <p:nvGrpSpPr>
+        <p:cNvPr id="1" name=""/>
+        <p:cNvGrpSpPr/>
+        <p:nvPr/>
+      </p:nvGrpSpPr>
+      <p:grpSpPr>
+        <a:xfrm>
+          <a:off x="0" y="0"/>
+          <a:ext cx="0" cy="0"/>
+          <a:chOff x="0" y="0"/>
+          <a:chExt cx="0" cy="0"/>
+        </a:xfrm>
+      </p:grpSpPr>
+      <p:sp>
+        <p:nvSpPr>
+          <p:cNvPr id="2" name="Title 1">
+            <a:extLst>
+              <a:ext uri="{FF2B5EF4-FFF2-40B4-BE49-F238E27FC236}">
+                <a16:creationId xmlns:a16="http://schemas.microsoft.com/office/drawing/2014/main" id="{317CE101-588D-5A7A-735A-F8231E3A1B5F}"/>
+              </a:ext>
+            </a:extLst>
+          </p:cNvPr>
+          <p:cNvSpPr>
+            <a:spLocks noGrp="1"/>
+          </p:cNvSpPr>
+          <p:nvPr>
+            <p:ph type="title"/>
+          </p:nvPr>
+        </p:nvSpPr>
+        <p:spPr/>
+        <p:txBody>
+          <a:bodyPr/>
+          <a:lstStyle/>
+          <a:p>
+            <a:r>
+              <a:rPr lang="en-GB" dirty="0"/>
+              <a:t>Continue your learning</a:t>
+            </a:r>
+            <a:endParaRPr lang="en-SG" dirty="0"/>
+          </a:p>
+        </p:txBody>
+      </p:sp>
+      <p:sp>
+        <p:nvSpPr>
+          <p:cNvPr id="3" name="Content Placeholder 2">
+            <a:extLst>
+              <a:ext uri="{FF2B5EF4-FFF2-40B4-BE49-F238E27FC236}">
+                <a16:creationId xmlns:a16="http://schemas.microsoft.com/office/drawing/2014/main" id="{C4933FC2-4049-4FA7-CE89-E8DB7DFFECDA}"/>
+              </a:ext>
+            </a:extLst>
+          </p:cNvPr>
+          <p:cNvSpPr>
+            <a:spLocks noGrp="1"/>
+          </p:cNvSpPr>
+          <p:nvPr>
+            <p:ph idx="1"/>
+          </p:nvPr>
+        </p:nvSpPr>
+        <p:spPr>
+          <a:xfrm>
+            <a:off x="838200" y="1825624"/>
+            <a:ext cx="10515600" cy="5032375"/>
+          </a:xfrm>
+        </p:spPr>
+        <p:txBody>
+          <a:bodyPr>
+            <a:normAutofit/>
+          </a:bodyPr>
+          <a:lstStyle/>
+          <a:p>
+            <a:pPr marL="0" indent="0">
+              <a:buNone/>
+            </a:pPr>
+            <a:r>
+              <a:rPr lang="en-GB" b="1" dirty="0"/>
+              <a:t>W9S3-W10S1: Tokenization</a:t>
+            </a:r>
+          </a:p>
+          <a:p>
+            <a:r>
+              <a:rPr lang="en-GB" dirty="0"/>
+              <a:t>Not much else on this topic.</a:t>
+            </a:r>
+          </a:p>
+          <a:p>
+            <a:r>
+              <a:rPr lang="en-GB" dirty="0"/>
+              <a:t>Possible improvement #1: We generate/compile the </a:t>
+            </a:r>
+            <a:r>
+              <a:rPr lang="en-GB" dirty="0" err="1"/>
+              <a:t>RegEx</a:t>
+            </a:r>
+            <a:r>
+              <a:rPr lang="en-GB" dirty="0"/>
+              <a:t> FSM every time we call said </a:t>
+            </a:r>
+            <a:r>
+              <a:rPr lang="en-GB" dirty="0" err="1"/>
+              <a:t>RegEx</a:t>
+            </a:r>
+            <a:r>
+              <a:rPr lang="en-GB" dirty="0"/>
+              <a:t> function.</a:t>
+            </a:r>
+            <a:br>
+              <a:rPr lang="en-GB" dirty="0"/>
+            </a:br>
+            <a:r>
+              <a:rPr lang="en-GB" dirty="0"/>
+              <a:t>Would be better to only generate it once?</a:t>
+            </a:r>
+          </a:p>
+          <a:p>
+            <a:r>
+              <a:rPr lang="en-GB" dirty="0"/>
+              <a:t>How to handle the C pre-processing instructions before tokenization?</a:t>
+            </a:r>
+          </a:p>
+        </p:txBody>
+      </p:sp>
+    </p:spTree>
+    <p:extLst>
+      <p:ext uri="{BB962C8B-B14F-4D97-AF65-F5344CB8AC3E}">
+        <p14:creationId xmlns:p14="http://schemas.microsoft.com/office/powerpoint/2010/main" val="2111844057"/>
+      </p:ext>
+    </p:extLst>
+  </p:cSld>
+  <p:clrMapOvr>
+    <a:masterClrMapping/>
+  </p:clrMapOvr>
+</p:sld>
+</file>
+
+<file path=ppt/slides/slide14.xml><?xml version="1.0" encoding="utf-8"?>
+<p:sld xmlns:a="http://schemas.openxmlformats.org/drawingml/2006/main" xmlns:r="http://schemas.openxmlformats.org/officeDocument/2006/relationships" xmlns:p="http://schemas.openxmlformats.org/presentationml/2006/main">
+  <p:cSld>
+    <p:spTree>
+      <p:nvGrpSpPr>
+        <p:cNvPr id="1" name=""/>
+        <p:cNvGrpSpPr/>
+        <p:nvPr/>
+      </p:nvGrpSpPr>
+      <p:grpSpPr>
+        <a:xfrm>
+          <a:off x="0" y="0"/>
+          <a:ext cx="0" cy="0"/>
+          <a:chOff x="0" y="0"/>
+          <a:chExt cx="0" cy="0"/>
+        </a:xfrm>
+      </p:grpSpPr>
+      <p:sp>
+        <p:nvSpPr>
+          <p:cNvPr id="2" name="Title 1">
+            <a:extLst>
+              <a:ext uri="{FF2B5EF4-FFF2-40B4-BE49-F238E27FC236}">
+                <a16:creationId xmlns:a16="http://schemas.microsoft.com/office/drawing/2014/main" id="{317CE101-588D-5A7A-735A-F8231E3A1B5F}"/>
+              </a:ext>
+            </a:extLst>
+          </p:cNvPr>
+          <p:cNvSpPr>
+            <a:spLocks noGrp="1"/>
+          </p:cNvSpPr>
+          <p:nvPr>
+            <p:ph type="title"/>
+          </p:nvPr>
+        </p:nvSpPr>
+        <p:spPr/>
+        <p:txBody>
+          <a:bodyPr/>
+          <a:lstStyle/>
+          <a:p>
+            <a:r>
+              <a:rPr lang="en-GB" dirty="0"/>
+              <a:t>Continue your learning</a:t>
+            </a:r>
+            <a:endParaRPr lang="en-SG" dirty="0"/>
+          </a:p>
+        </p:txBody>
+      </p:sp>
+      <p:sp>
+        <p:nvSpPr>
+          <p:cNvPr id="3" name="Content Placeholder 2">
+            <a:extLst>
+              <a:ext uri="{FF2B5EF4-FFF2-40B4-BE49-F238E27FC236}">
+                <a16:creationId xmlns:a16="http://schemas.microsoft.com/office/drawing/2014/main" id="{C4933FC2-4049-4FA7-CE89-E8DB7DFFECDA}"/>
+              </a:ext>
+            </a:extLst>
+          </p:cNvPr>
+          <p:cNvSpPr>
+            <a:spLocks noGrp="1"/>
+          </p:cNvSpPr>
+          <p:nvPr>
+            <p:ph idx="1"/>
+          </p:nvPr>
+        </p:nvSpPr>
+        <p:spPr>
+          <a:xfrm>
+            <a:off x="838200" y="1825624"/>
+            <a:ext cx="10515600" cy="5032375"/>
+          </a:xfrm>
+        </p:spPr>
+        <p:txBody>
+          <a:bodyPr>
+            <a:normAutofit/>
+          </a:bodyPr>
+          <a:lstStyle/>
+          <a:p>
+            <a:pPr marL="0" indent="0">
+              <a:buNone/>
+            </a:pPr>
+            <a:r>
+              <a:rPr lang="en-GB" b="1" dirty="0"/>
+              <a:t>W10S2: CFGs</a:t>
+            </a:r>
+          </a:p>
+          <a:p>
+            <a:r>
+              <a:rPr lang="en-GB" dirty="0"/>
+              <a:t>How to implement a CFG?</a:t>
+            </a:r>
+          </a:p>
+          <a:p>
+            <a:r>
+              <a:rPr lang="en-GB" dirty="0"/>
+              <a:t>For a given set of production rules to use, write an algorithm that would build the parse tree matching a </a:t>
+            </a:r>
+            <a:r>
+              <a:rPr lang="en-GB" u="sng" dirty="0"/>
+              <a:t>given</a:t>
+            </a:r>
+            <a:r>
+              <a:rPr lang="en-GB" dirty="0"/>
+              <a:t> derivation.</a:t>
+            </a:r>
+          </a:p>
+          <a:p>
+            <a:pPr marL="0" indent="0">
+              <a:buNone/>
+            </a:pPr>
+            <a:endParaRPr lang="en-GB" dirty="0"/>
+          </a:p>
+          <a:p>
+            <a:pPr marL="0" indent="0">
+              <a:buNone/>
+            </a:pPr>
+            <a:r>
+              <a:rPr lang="en-GB" dirty="0"/>
+              <a:t>Good online courses:</a:t>
+            </a:r>
+          </a:p>
+          <a:p>
+            <a:r>
+              <a:rPr lang="en-GB" dirty="0"/>
+              <a:t>Very few, most of the time, better to check </a:t>
+            </a:r>
+            <a:r>
+              <a:rPr lang="en-GB" dirty="0" err="1"/>
+              <a:t>Github</a:t>
+            </a:r>
+            <a:r>
+              <a:rPr lang="en-GB" dirty="0"/>
+              <a:t> for implementations.</a:t>
+            </a:r>
+          </a:p>
+          <a:p>
+            <a:r>
+              <a:rPr lang="en-GB" dirty="0">
+                <a:hlinkClick r:id="rId2"/>
+              </a:rPr>
+              <a:t>Maybe this? (not C)</a:t>
+            </a:r>
+            <a:endParaRPr lang="en-GB" dirty="0"/>
+          </a:p>
+        </p:txBody>
+      </p:sp>
+    </p:spTree>
+    <p:extLst>
+      <p:ext uri="{BB962C8B-B14F-4D97-AF65-F5344CB8AC3E}">
+        <p14:creationId xmlns:p14="http://schemas.microsoft.com/office/powerpoint/2010/main" val="3518596474"/>
+      </p:ext>
+    </p:extLst>
+  </p:cSld>
+  <p:clrMapOvr>
+    <a:masterClrMapping/>
+  </p:clrMapOvr>
+</p:sld>
+</file>
+
+<file path=ppt/slides/slide15.xml><?xml version="1.0" encoding="utf-8"?>
+<p:sld xmlns:a="http://schemas.openxmlformats.org/drawingml/2006/main" xmlns:r="http://schemas.openxmlformats.org/officeDocument/2006/relationships" xmlns:p="http://schemas.openxmlformats.org/presentationml/2006/main">
+  <p:cSld>
+    <p:spTree>
+      <p:nvGrpSpPr>
+        <p:cNvPr id="1" name=""/>
+        <p:cNvGrpSpPr/>
+        <p:nvPr/>
+      </p:nvGrpSpPr>
+      <p:grpSpPr>
+        <a:xfrm>
+          <a:off x="0" y="0"/>
+          <a:ext cx="0" cy="0"/>
+          <a:chOff x="0" y="0"/>
+          <a:chExt cx="0" cy="0"/>
+        </a:xfrm>
+      </p:grpSpPr>
+      <p:sp>
+        <p:nvSpPr>
+          <p:cNvPr id="2" name="Title 1">
+            <a:extLst>
+              <a:ext uri="{FF2B5EF4-FFF2-40B4-BE49-F238E27FC236}">
+                <a16:creationId xmlns:a16="http://schemas.microsoft.com/office/drawing/2014/main" id="{317CE101-588D-5A7A-735A-F8231E3A1B5F}"/>
+              </a:ext>
+            </a:extLst>
+          </p:cNvPr>
+          <p:cNvSpPr>
+            <a:spLocks noGrp="1"/>
+          </p:cNvSpPr>
+          <p:nvPr>
+            <p:ph type="title"/>
+          </p:nvPr>
+        </p:nvSpPr>
+        <p:spPr/>
+        <p:txBody>
+          <a:bodyPr/>
+          <a:lstStyle/>
+          <a:p>
+            <a:r>
+              <a:rPr lang="en-GB" dirty="0"/>
+              <a:t>Continue your learning</a:t>
+            </a:r>
+            <a:endParaRPr lang="en-SG" dirty="0"/>
+          </a:p>
+        </p:txBody>
+      </p:sp>
+      <p:sp>
+        <p:nvSpPr>
+          <p:cNvPr id="3" name="Content Placeholder 2">
+            <a:extLst>
+              <a:ext uri="{FF2B5EF4-FFF2-40B4-BE49-F238E27FC236}">
+                <a16:creationId xmlns:a16="http://schemas.microsoft.com/office/drawing/2014/main" id="{C4933FC2-4049-4FA7-CE89-E8DB7DFFECDA}"/>
+              </a:ext>
+            </a:extLst>
+          </p:cNvPr>
+          <p:cNvSpPr>
+            <a:spLocks noGrp="1"/>
+          </p:cNvSpPr>
+          <p:nvPr>
+            <p:ph idx="1"/>
+          </p:nvPr>
+        </p:nvSpPr>
+        <p:spPr>
+          <a:xfrm>
+            <a:off x="838200" y="1825624"/>
+            <a:ext cx="10515600" cy="5032375"/>
+          </a:xfrm>
+        </p:spPr>
+        <p:txBody>
+          <a:bodyPr>
+            <a:normAutofit/>
+          </a:bodyPr>
+          <a:lstStyle/>
+          <a:p>
+            <a:pPr marL="0" indent="0">
+              <a:buNone/>
+            </a:pPr>
+            <a:r>
+              <a:rPr lang="en-GB" b="1" dirty="0"/>
+              <a:t>W10S2: SDTs</a:t>
+            </a:r>
+          </a:p>
+          <a:p>
+            <a:r>
+              <a:rPr lang="en-GB" dirty="0"/>
+              <a:t>How to implement an SDT, and following the idea of the parse tree generating algorithm, how would you build an abstract syntax tree?</a:t>
+            </a:r>
+          </a:p>
+          <a:p>
+            <a:pPr marL="0" indent="0">
+              <a:buNone/>
+            </a:pPr>
+            <a:endParaRPr lang="en-GB" dirty="0"/>
+          </a:p>
+          <a:p>
+            <a:pPr marL="0" indent="0">
+              <a:buNone/>
+            </a:pPr>
+            <a:r>
+              <a:rPr lang="en-GB" dirty="0"/>
+              <a:t>Good online courses:</a:t>
+            </a:r>
+          </a:p>
+          <a:p>
+            <a:r>
+              <a:rPr lang="en-GB" dirty="0"/>
+              <a:t>As with CFGs, very few courses online, most of the time, better to check </a:t>
+            </a:r>
+            <a:r>
+              <a:rPr lang="en-GB" dirty="0" err="1"/>
+              <a:t>Github</a:t>
+            </a:r>
+            <a:r>
+              <a:rPr lang="en-GB" dirty="0"/>
+              <a:t> for implementations.</a:t>
+            </a:r>
+          </a:p>
+        </p:txBody>
+      </p:sp>
+    </p:spTree>
+    <p:extLst>
+      <p:ext uri="{BB962C8B-B14F-4D97-AF65-F5344CB8AC3E}">
+        <p14:creationId xmlns:p14="http://schemas.microsoft.com/office/powerpoint/2010/main" val="2369372913"/>
+      </p:ext>
+    </p:extLst>
+  </p:cSld>
+  <p:clrMapOvr>
+    <a:masterClrMapping/>
+  </p:clrMapOvr>
+</p:sld>
+</file>
+
+<file path=ppt/slides/slide16.xml><?xml version="1.0" encoding="utf-8"?>
+<p:sld xmlns:a="http://schemas.openxmlformats.org/drawingml/2006/main" xmlns:r="http://schemas.openxmlformats.org/officeDocument/2006/relationships" xmlns:p="http://schemas.openxmlformats.org/presentationml/2006/main">
+  <p:cSld>
+    <p:spTree>
+      <p:nvGrpSpPr>
+        <p:cNvPr id="1" name=""/>
+        <p:cNvGrpSpPr/>
+        <p:nvPr/>
+      </p:nvGrpSpPr>
+      <p:grpSpPr>
+        <a:xfrm>
+          <a:off x="0" y="0"/>
+          <a:ext cx="0" cy="0"/>
+          <a:chOff x="0" y="0"/>
+          <a:chExt cx="0" cy="0"/>
+        </a:xfrm>
+      </p:grpSpPr>
+      <p:sp>
+        <p:nvSpPr>
+          <p:cNvPr id="2" name="Title 1">
+            <a:extLst>
+              <a:ext uri="{FF2B5EF4-FFF2-40B4-BE49-F238E27FC236}">
+                <a16:creationId xmlns:a16="http://schemas.microsoft.com/office/drawing/2014/main" id="{317CE101-588D-5A7A-735A-F8231E3A1B5F}"/>
+              </a:ext>
+            </a:extLst>
+          </p:cNvPr>
+          <p:cNvSpPr>
+            <a:spLocks noGrp="1"/>
+          </p:cNvSpPr>
+          <p:nvPr>
+            <p:ph type="title"/>
+          </p:nvPr>
+        </p:nvSpPr>
+        <p:spPr/>
+        <p:txBody>
+          <a:bodyPr/>
+          <a:lstStyle/>
+          <a:p>
+            <a:r>
+              <a:rPr lang="en-GB" dirty="0"/>
+              <a:t>Continue your learning</a:t>
+            </a:r>
+            <a:endParaRPr lang="en-SG" dirty="0"/>
+          </a:p>
+        </p:txBody>
+      </p:sp>
+      <p:sp>
+        <p:nvSpPr>
+          <p:cNvPr id="3" name="Content Placeholder 2">
+            <a:extLst>
+              <a:ext uri="{FF2B5EF4-FFF2-40B4-BE49-F238E27FC236}">
+                <a16:creationId xmlns:a16="http://schemas.microsoft.com/office/drawing/2014/main" id="{C4933FC2-4049-4FA7-CE89-E8DB7DFFECDA}"/>
+              </a:ext>
+            </a:extLst>
+          </p:cNvPr>
+          <p:cNvSpPr>
+            <a:spLocks noGrp="1"/>
+          </p:cNvSpPr>
+          <p:nvPr>
+            <p:ph idx="1"/>
+          </p:nvPr>
+        </p:nvSpPr>
+        <p:spPr>
+          <a:xfrm>
+            <a:off x="838200" y="1825624"/>
+            <a:ext cx="10515600" cy="5032375"/>
+          </a:xfrm>
+        </p:spPr>
+        <p:txBody>
+          <a:bodyPr>
+            <a:normAutofit/>
+          </a:bodyPr>
+          <a:lstStyle/>
+          <a:p>
+            <a:pPr marL="0" indent="0">
+              <a:buNone/>
+            </a:pPr>
+            <a:r>
+              <a:rPr lang="en-GB" b="1" dirty="0"/>
+              <a:t>W11: Parsing</a:t>
+            </a:r>
+          </a:p>
+          <a:p>
+            <a:r>
+              <a:rPr lang="en-GB" dirty="0"/>
+              <a:t>Try implementing both the DFS and LFS algorithm in top-down parsing.</a:t>
+            </a:r>
+          </a:p>
+          <a:p>
+            <a:r>
+              <a:rPr lang="en-GB" dirty="0"/>
+              <a:t>Try implementing LR(0) and LR(1) algorithms as shown in HW2 and in class!</a:t>
+            </a:r>
+          </a:p>
+          <a:p>
+            <a:r>
+              <a:rPr lang="en-GB" dirty="0"/>
+              <a:t>Learn about more classes of LR parsers like SLR and LALR.</a:t>
+            </a:r>
+          </a:p>
+          <a:p>
+            <a:pPr marL="0" indent="0">
+              <a:buNone/>
+            </a:pPr>
+            <a:endParaRPr lang="en-GB" dirty="0"/>
+          </a:p>
+          <a:p>
+            <a:pPr marL="0" indent="0">
+              <a:buNone/>
+            </a:pPr>
+            <a:r>
+              <a:rPr lang="en-GB" dirty="0"/>
+              <a:t>Good course:</a:t>
+            </a:r>
+          </a:p>
+          <a:p>
+            <a:r>
+              <a:rPr lang="en-GB" dirty="0"/>
+              <a:t>SUTD Term 7 course? </a:t>
+            </a:r>
+            <a:r>
+              <a:rPr lang="en-GB" b="1" dirty="0"/>
+              <a:t>50.054 Compiler Design and Program Analysis, by Prof. Kenny Lu (in the case of functional programming).</a:t>
+            </a:r>
+          </a:p>
+        </p:txBody>
+      </p:sp>
+    </p:spTree>
+    <p:extLst>
+      <p:ext uri="{BB962C8B-B14F-4D97-AF65-F5344CB8AC3E}">
+        <p14:creationId xmlns:p14="http://schemas.microsoft.com/office/powerpoint/2010/main" val="360362729"/>
+      </p:ext>
+    </p:extLst>
+  </p:cSld>
+  <p:clrMapOvr>
+    <a:masterClrMapping/>
+  </p:clrMapOvr>
+</p:sld>
+</file>
+
+<file path=ppt/slides/slide17.xml><?xml version="1.0" encoding="utf-8"?>
+<p:sld xmlns:a="http://schemas.openxmlformats.org/drawingml/2006/main" xmlns:r="http://schemas.openxmlformats.org/officeDocument/2006/relationships" xmlns:p="http://schemas.openxmlformats.org/presentationml/2006/main">
+  <p:cSld>
+    <p:spTree>
+      <p:nvGrpSpPr>
+        <p:cNvPr id="1" name=""/>
+        <p:cNvGrpSpPr/>
+        <p:nvPr/>
+      </p:nvGrpSpPr>
+      <p:grpSpPr>
+        <a:xfrm>
+          <a:off x="0" y="0"/>
+          <a:ext cx="0" cy="0"/>
+          <a:chOff x="0" y="0"/>
+          <a:chExt cx="0" cy="0"/>
+        </a:xfrm>
+      </p:grpSpPr>
+      <p:sp>
+        <p:nvSpPr>
+          <p:cNvPr id="2" name="Title 1">
+            <a:extLst>
+              <a:ext uri="{FF2B5EF4-FFF2-40B4-BE49-F238E27FC236}">
+                <a16:creationId xmlns:a16="http://schemas.microsoft.com/office/drawing/2014/main" id="{317CE101-588D-5A7A-735A-F8231E3A1B5F}"/>
+              </a:ext>
+            </a:extLst>
+          </p:cNvPr>
+          <p:cNvSpPr>
+            <a:spLocks noGrp="1"/>
+          </p:cNvSpPr>
+          <p:nvPr>
+            <p:ph type="title"/>
+          </p:nvPr>
+        </p:nvSpPr>
+        <p:spPr/>
+        <p:txBody>
+          <a:bodyPr/>
+          <a:lstStyle/>
+          <a:p>
+            <a:r>
+              <a:rPr lang="en-GB" dirty="0"/>
+              <a:t>Continue your learning</a:t>
+            </a:r>
+            <a:endParaRPr lang="en-SG" dirty="0"/>
+          </a:p>
+        </p:txBody>
+      </p:sp>
+      <p:sp>
+        <p:nvSpPr>
+          <p:cNvPr id="3" name="Content Placeholder 2">
+            <a:extLst>
+              <a:ext uri="{FF2B5EF4-FFF2-40B4-BE49-F238E27FC236}">
+                <a16:creationId xmlns:a16="http://schemas.microsoft.com/office/drawing/2014/main" id="{C4933FC2-4049-4FA7-CE89-E8DB7DFFECDA}"/>
+              </a:ext>
+            </a:extLst>
+          </p:cNvPr>
+          <p:cNvSpPr>
+            <a:spLocks noGrp="1"/>
+          </p:cNvSpPr>
+          <p:nvPr>
+            <p:ph idx="1"/>
+          </p:nvPr>
+        </p:nvSpPr>
+        <p:spPr>
+          <a:xfrm>
+            <a:off x="838200" y="1825624"/>
+            <a:ext cx="10515600" cy="5032375"/>
+          </a:xfrm>
+        </p:spPr>
+        <p:txBody>
+          <a:bodyPr>
+            <a:normAutofit/>
+          </a:bodyPr>
+          <a:lstStyle/>
+          <a:p>
+            <a:pPr marL="0" indent="0">
+              <a:buNone/>
+            </a:pPr>
+            <a:r>
+              <a:rPr lang="en-GB" b="1" dirty="0"/>
+              <a:t>W12S1-2: Semantics</a:t>
+            </a:r>
+          </a:p>
+          <a:p>
+            <a:r>
+              <a:rPr lang="en-GB" dirty="0"/>
+              <a:t>Try implementing a symbol table, as a simple stack, or better, a spaghetti stack! Later on, implement your own scope checking for the semantics analysis.</a:t>
+            </a:r>
+          </a:p>
+          <a:p>
+            <a:r>
+              <a:rPr lang="en-GB" dirty="0"/>
+              <a:t>Try implementing your own type checking rules and operation tables. Later on, implement your own type checking for the semantics analysis.</a:t>
+            </a:r>
+          </a:p>
+          <a:p>
+            <a:pPr marL="0" indent="0">
+              <a:buNone/>
+            </a:pPr>
+            <a:endParaRPr lang="en-GB" dirty="0"/>
+          </a:p>
+          <a:p>
+            <a:pPr marL="0" indent="0">
+              <a:buNone/>
+            </a:pPr>
+            <a:r>
+              <a:rPr lang="en-GB" dirty="0"/>
+              <a:t>Good online courses:</a:t>
+            </a:r>
+          </a:p>
+          <a:p>
+            <a:r>
+              <a:rPr lang="en-GB" dirty="0"/>
+              <a:t>As with CFGs/SDTs, very few courses online, most of the time, better to check </a:t>
+            </a:r>
+            <a:r>
+              <a:rPr lang="en-GB" dirty="0" err="1"/>
+              <a:t>Github</a:t>
+            </a:r>
+            <a:r>
+              <a:rPr lang="en-GB" dirty="0"/>
+              <a:t> for implementations.</a:t>
+            </a:r>
+          </a:p>
+          <a:p>
+            <a:pPr marL="0" indent="0">
+              <a:buNone/>
+            </a:pPr>
+            <a:endParaRPr lang="en-GB" dirty="0"/>
+          </a:p>
+        </p:txBody>
+      </p:sp>
+    </p:spTree>
+    <p:extLst>
+      <p:ext uri="{BB962C8B-B14F-4D97-AF65-F5344CB8AC3E}">
+        <p14:creationId xmlns:p14="http://schemas.microsoft.com/office/powerpoint/2010/main" val="4050305745"/>
+      </p:ext>
+    </p:extLst>
+  </p:cSld>
+  <p:clrMapOvr>
+    <a:masterClrMapping/>
+  </p:clrMapOvr>
+</p:sld>
+</file>
+
+<file path=ppt/slides/slide18.xml><?xml version="1.0" encoding="utf-8"?>
+<p:sld xmlns:a="http://schemas.openxmlformats.org/drawingml/2006/main" xmlns:r="http://schemas.openxmlformats.org/officeDocument/2006/relationships" xmlns:p="http://schemas.openxmlformats.org/presentationml/2006/main">
+  <p:cSld>
+    <p:spTree>
+      <p:nvGrpSpPr>
+        <p:cNvPr id="1" name=""/>
+        <p:cNvGrpSpPr/>
+        <p:nvPr/>
+      </p:nvGrpSpPr>
+      <p:grpSpPr>
+        <a:xfrm>
+          <a:off x="0" y="0"/>
+          <a:ext cx="0" cy="0"/>
+          <a:chOff x="0" y="0"/>
+          <a:chExt cx="0" cy="0"/>
+        </a:xfrm>
+      </p:grpSpPr>
+      <p:sp>
+        <p:nvSpPr>
+          <p:cNvPr id="2" name="Title 1">
+            <a:extLst>
+              <a:ext uri="{FF2B5EF4-FFF2-40B4-BE49-F238E27FC236}">
+                <a16:creationId xmlns:a16="http://schemas.microsoft.com/office/drawing/2014/main" id="{317CE101-588D-5A7A-735A-F8231E3A1B5F}"/>
+              </a:ext>
+            </a:extLst>
+          </p:cNvPr>
+          <p:cNvSpPr>
+            <a:spLocks noGrp="1"/>
+          </p:cNvSpPr>
+          <p:nvPr>
+            <p:ph type="title"/>
+          </p:nvPr>
+        </p:nvSpPr>
+        <p:spPr/>
+        <p:txBody>
+          <a:bodyPr/>
+          <a:lstStyle/>
+          <a:p>
+            <a:r>
+              <a:rPr lang="en-GB" dirty="0"/>
+              <a:t>Continue your learning</a:t>
+            </a:r>
+            <a:endParaRPr lang="en-SG" dirty="0"/>
+          </a:p>
+        </p:txBody>
+      </p:sp>
+      <p:sp>
+        <p:nvSpPr>
+          <p:cNvPr id="3" name="Content Placeholder 2">
+            <a:extLst>
+              <a:ext uri="{FF2B5EF4-FFF2-40B4-BE49-F238E27FC236}">
+                <a16:creationId xmlns:a16="http://schemas.microsoft.com/office/drawing/2014/main" id="{C4933FC2-4049-4FA7-CE89-E8DB7DFFECDA}"/>
+              </a:ext>
+            </a:extLst>
+          </p:cNvPr>
+          <p:cNvSpPr>
+            <a:spLocks noGrp="1"/>
+          </p:cNvSpPr>
+          <p:nvPr>
+            <p:ph idx="1"/>
+          </p:nvPr>
+        </p:nvSpPr>
+        <p:spPr>
+          <a:xfrm>
+            <a:off x="838200" y="1825624"/>
+            <a:ext cx="10515600" cy="5032375"/>
+          </a:xfrm>
+        </p:spPr>
+        <p:txBody>
+          <a:bodyPr>
+            <a:normAutofit/>
+          </a:bodyPr>
+          <a:lstStyle/>
+          <a:p>
+            <a:pPr marL="0" indent="0">
+              <a:buNone/>
+            </a:pPr>
+            <a:r>
+              <a:rPr lang="en-GB" b="1" dirty="0"/>
+              <a:t>W12S3: TAC code generation</a:t>
+            </a:r>
+          </a:p>
+          <a:p>
+            <a:r>
+              <a:rPr lang="en-GB" dirty="0"/>
+              <a:t>Write your own CFG and SDT for the TAC language.</a:t>
+            </a:r>
+          </a:p>
+          <a:p>
+            <a:r>
+              <a:rPr lang="en-GB" dirty="0"/>
+              <a:t>Write your own translator function that reads an AST and produces the TAC accordingly.</a:t>
+            </a:r>
+          </a:p>
+          <a:p>
+            <a:r>
+              <a:rPr lang="en-GB" dirty="0"/>
+              <a:t>Work out more </a:t>
+            </a:r>
+            <a:r>
+              <a:rPr lang="en-GB" dirty="0" err="1"/>
+              <a:t>cgen</a:t>
+            </a:r>
+            <a:r>
+              <a:rPr lang="en-GB" dirty="0"/>
+              <a:t>() functions for while loops, for loops, break, functions calls, class definitions and methods, etc.</a:t>
+            </a:r>
+          </a:p>
+          <a:p>
+            <a:pPr marL="0" indent="0">
+              <a:buNone/>
+            </a:pPr>
+            <a:endParaRPr lang="en-GB" dirty="0"/>
+          </a:p>
+          <a:p>
+            <a:pPr marL="0" indent="0">
+              <a:buNone/>
+            </a:pPr>
+            <a:r>
+              <a:rPr lang="en-GB" dirty="0"/>
+              <a:t>Good online courses:</a:t>
+            </a:r>
+          </a:p>
+          <a:p>
+            <a:r>
+              <a:rPr lang="en-GB" dirty="0"/>
+              <a:t>As with CFGs/SDTs, very few courses online, most of the time, better to check </a:t>
+            </a:r>
+            <a:r>
+              <a:rPr lang="en-GB" dirty="0" err="1"/>
+              <a:t>Github</a:t>
+            </a:r>
+            <a:r>
+              <a:rPr lang="en-GB" dirty="0"/>
+              <a:t> for implementations.</a:t>
+            </a:r>
+          </a:p>
+          <a:p>
+            <a:pPr marL="0" indent="0">
+              <a:buNone/>
+            </a:pPr>
+            <a:endParaRPr lang="en-GB" dirty="0"/>
+          </a:p>
+        </p:txBody>
+      </p:sp>
+    </p:spTree>
+    <p:extLst>
+      <p:ext uri="{BB962C8B-B14F-4D97-AF65-F5344CB8AC3E}">
+        <p14:creationId xmlns:p14="http://schemas.microsoft.com/office/powerpoint/2010/main" val="3921981387"/>
+      </p:ext>
+    </p:extLst>
+  </p:cSld>
+  <p:clrMapOvr>
+    <a:masterClrMapping/>
+  </p:clrMapOvr>
+</p:sld>
+</file>
+
+<file path=ppt/slides/slide19.xml><?xml version="1.0" encoding="utf-8"?>
+<p:sld xmlns:a="http://schemas.openxmlformats.org/drawingml/2006/main" xmlns:r="http://schemas.openxmlformats.org/officeDocument/2006/relationships" xmlns:p="http://schemas.openxmlformats.org/presentationml/2006/main">
+  <p:cSld>
+    <p:spTree>
+      <p:nvGrpSpPr>
+        <p:cNvPr id="1" name=""/>
+        <p:cNvGrpSpPr/>
+        <p:nvPr/>
+      </p:nvGrpSpPr>
+      <p:grpSpPr>
+        <a:xfrm>
+          <a:off x="0" y="0"/>
+          <a:ext cx="0" cy="0"/>
+          <a:chOff x="0" y="0"/>
+          <a:chExt cx="0" cy="0"/>
+        </a:xfrm>
+      </p:grpSpPr>
+      <p:sp>
+        <p:nvSpPr>
+          <p:cNvPr id="2" name="Title 1">
+            <a:extLst>
+              <a:ext uri="{FF2B5EF4-FFF2-40B4-BE49-F238E27FC236}">
+                <a16:creationId xmlns:a16="http://schemas.microsoft.com/office/drawing/2014/main" id="{317CE101-588D-5A7A-735A-F8231E3A1B5F}"/>
+              </a:ext>
+            </a:extLst>
+          </p:cNvPr>
+          <p:cNvSpPr>
+            <a:spLocks noGrp="1"/>
+          </p:cNvSpPr>
+          <p:nvPr>
+            <p:ph type="title"/>
+          </p:nvPr>
+        </p:nvSpPr>
+        <p:spPr/>
+        <p:txBody>
+          <a:bodyPr/>
+          <a:lstStyle/>
+          <a:p>
+            <a:r>
+              <a:rPr lang="en-GB" dirty="0"/>
+              <a:t>Continue your learning</a:t>
+            </a:r>
+            <a:endParaRPr lang="en-SG" dirty="0"/>
+          </a:p>
+        </p:txBody>
+      </p:sp>
+      <p:sp>
+        <p:nvSpPr>
+          <p:cNvPr id="3" name="Content Placeholder 2">
+            <a:extLst>
+              <a:ext uri="{FF2B5EF4-FFF2-40B4-BE49-F238E27FC236}">
+                <a16:creationId xmlns:a16="http://schemas.microsoft.com/office/drawing/2014/main" id="{C4933FC2-4049-4FA7-CE89-E8DB7DFFECDA}"/>
+              </a:ext>
+            </a:extLst>
+          </p:cNvPr>
+          <p:cNvSpPr>
+            <a:spLocks noGrp="1"/>
+          </p:cNvSpPr>
+          <p:nvPr>
+            <p:ph idx="1"/>
+          </p:nvPr>
+        </p:nvSpPr>
+        <p:spPr>
+          <a:xfrm>
+            <a:off x="838200" y="1825624"/>
+            <a:ext cx="10515600" cy="5032375"/>
+          </a:xfrm>
+        </p:spPr>
+        <p:txBody>
+          <a:bodyPr>
+            <a:normAutofit lnSpcReduction="10000"/>
+          </a:bodyPr>
+          <a:lstStyle/>
+          <a:p>
+            <a:pPr marL="0" indent="0">
+              <a:buNone/>
+            </a:pPr>
+            <a:r>
+              <a:rPr lang="en-GB" b="1" dirty="0"/>
+              <a:t>W13S1: TAC code optimization</a:t>
+            </a:r>
+          </a:p>
+          <a:p>
+            <a:r>
+              <a:rPr lang="en-GB" dirty="0"/>
+              <a:t>Try implementing the Copy Propagation optimization procedure.</a:t>
+            </a:r>
+          </a:p>
+          <a:p>
+            <a:r>
+              <a:rPr lang="en-GB" dirty="0"/>
+              <a:t>Try implementing a liveness analysis (challenging!).</a:t>
+            </a:r>
+          </a:p>
+          <a:p>
+            <a:r>
+              <a:rPr lang="en-GB" dirty="0"/>
+              <a:t>Try implementing a Dead Code Elimination optimization procedure.</a:t>
+            </a:r>
+          </a:p>
+          <a:p>
+            <a:r>
+              <a:rPr lang="en-GB" dirty="0"/>
+              <a:t>Chain them, rinse and repeat local optimization function for all basic blocks in your code!</a:t>
+            </a:r>
+          </a:p>
+          <a:p>
+            <a:r>
+              <a:rPr lang="en-GB" dirty="0"/>
+              <a:t>Try implementing more local optimization techniques (arithmetic simplifications, short-circuit evaluation, constant folding, etc.)</a:t>
+            </a:r>
+          </a:p>
+          <a:p>
+            <a:r>
+              <a:rPr lang="en-GB" dirty="0"/>
+              <a:t>Eventually, try writing a control-flow graph representation for your TAC code and study/implement more advanced (global) optimization procedures.</a:t>
+            </a:r>
+          </a:p>
+        </p:txBody>
+      </p:sp>
+    </p:spTree>
+    <p:extLst>
+      <p:ext uri="{BB962C8B-B14F-4D97-AF65-F5344CB8AC3E}">
+        <p14:creationId xmlns:p14="http://schemas.microsoft.com/office/powerpoint/2010/main" val="1915273858"/>
+      </p:ext>
+    </p:extLst>
+  </p:cSld>
+  <p:clrMapOvr>
+    <a:masterClrMapping/>
+  </p:clrMapOvr>
+</p:sld>
+</file>
+
+<file path=ppt/slides/slide2.xml><?xml version="1.0" encoding="utf-8"?>
+<p:sld xmlns:a="http://schemas.openxmlformats.org/drawingml/2006/main" xmlns:r="http://schemas.openxmlformats.org/officeDocument/2006/relationships" xmlns:p="http://schemas.openxmlformats.org/presentationml/2006/main">
+  <p:cSld>
+    <p:spTree>
+      <p:nvGrpSpPr>
+        <p:cNvPr id="1" name=""/>
+        <p:cNvGrpSpPr/>
+        <p:nvPr/>
+      </p:nvGrpSpPr>
+      <p:grpSpPr>
+        <a:xfrm>
+          <a:off x="0" y="0"/>
+          <a:ext cx="0" cy="0"/>
+          <a:chOff x="0" y="0"/>
+          <a:chExt cx="0" cy="0"/>
+        </a:xfrm>
+      </p:grpSpPr>
+      <p:sp>
+        <p:nvSpPr>
+          <p:cNvPr id="5" name="Title 4">
+            <a:extLst>
+              <a:ext uri="{FF2B5EF4-FFF2-40B4-BE49-F238E27FC236}">
+                <a16:creationId xmlns:a16="http://schemas.microsoft.com/office/drawing/2014/main" id="{E59A8C5D-EB18-1525-5BEA-33B2EE64EEED}"/>
+              </a:ext>
+            </a:extLst>
+          </p:cNvPr>
+          <p:cNvSpPr>
+            <a:spLocks noGrp="1"/>
+          </p:cNvSpPr>
+          <p:nvPr>
+            <p:ph type="title"/>
+          </p:nvPr>
+        </p:nvSpPr>
+        <p:spPr/>
+        <p:txBody>
+          <a:bodyPr/>
+          <a:lstStyle/>
+          <a:p>
+            <a:r>
+              <a:rPr lang="en-GB" dirty="0"/>
+              <a:t>What we have seen this term</a:t>
+            </a:r>
+            <a:endParaRPr lang="en-SG" dirty="0"/>
+          </a:p>
+        </p:txBody>
+      </p:sp>
+      <p:sp>
+        <p:nvSpPr>
+          <p:cNvPr id="6" name="Text Placeholder 5">
+            <a:extLst>
+              <a:ext uri="{FF2B5EF4-FFF2-40B4-BE49-F238E27FC236}">
+                <a16:creationId xmlns:a16="http://schemas.microsoft.com/office/drawing/2014/main" id="{86C59FD5-A22C-0D4D-B67F-505AF3136FFF}"/>
+              </a:ext>
+            </a:extLst>
+          </p:cNvPr>
+          <p:cNvSpPr>
+            <a:spLocks noGrp="1"/>
+          </p:cNvSpPr>
+          <p:nvPr>
+            <p:ph type="body" idx="1"/>
+          </p:nvPr>
+        </p:nvSpPr>
+        <p:spPr/>
+        <p:txBody>
+          <a:bodyPr/>
+          <a:lstStyle/>
+          <a:p>
+            <a:r>
+              <a:rPr lang="en-GB" dirty="0"/>
+              <a:t>About the C/C++ language</a:t>
+            </a:r>
+            <a:endParaRPr lang="en-SG" dirty="0"/>
+          </a:p>
+        </p:txBody>
+      </p:sp>
+    </p:spTree>
+    <p:extLst>
+      <p:ext uri="{BB962C8B-B14F-4D97-AF65-F5344CB8AC3E}">
+        <p14:creationId xmlns:p14="http://schemas.microsoft.com/office/powerpoint/2010/main" val="1732449942"/>
+      </p:ext>
+    </p:extLst>
+  </p:cSld>
+  <p:clrMapOvr>
+    <a:masterClrMapping/>
+  </p:clrMapOvr>
+</p:sld>
+</file>
+
+<file path=ppt/slides/slide20.xml><?xml version="1.0" encoding="utf-8"?>
+<p:sld xmlns:a="http://schemas.openxmlformats.org/drawingml/2006/main" xmlns:r="http://schemas.openxmlformats.org/officeDocument/2006/relationships" xmlns:p="http://schemas.openxmlformats.org/presentationml/2006/main">
+  <p:cSld>
+    <p:spTree>
+      <p:nvGrpSpPr>
+        <p:cNvPr id="1" name=""/>
+        <p:cNvGrpSpPr/>
+        <p:nvPr/>
+      </p:nvGrpSpPr>
+      <p:grpSpPr>
+        <a:xfrm>
+          <a:off x="0" y="0"/>
+          <a:ext cx="0" cy="0"/>
+          <a:chOff x="0" y="0"/>
+          <a:chExt cx="0" cy="0"/>
+        </a:xfrm>
+      </p:grpSpPr>
+      <p:sp>
+        <p:nvSpPr>
+          <p:cNvPr id="2" name="Title 1">
+            <a:extLst>
+              <a:ext uri="{FF2B5EF4-FFF2-40B4-BE49-F238E27FC236}">
+                <a16:creationId xmlns:a16="http://schemas.microsoft.com/office/drawing/2014/main" id="{317CE101-588D-5A7A-735A-F8231E3A1B5F}"/>
+              </a:ext>
+            </a:extLst>
+          </p:cNvPr>
+          <p:cNvSpPr>
+            <a:spLocks noGrp="1"/>
+          </p:cNvSpPr>
+          <p:nvPr>
+            <p:ph type="title"/>
+          </p:nvPr>
+        </p:nvSpPr>
+        <p:spPr/>
+        <p:txBody>
+          <a:bodyPr/>
+          <a:lstStyle/>
+          <a:p>
+            <a:r>
+              <a:rPr lang="en-GB" dirty="0"/>
+              <a:t>Continue your learning</a:t>
+            </a:r>
+            <a:endParaRPr lang="en-SG" dirty="0"/>
+          </a:p>
+        </p:txBody>
+      </p:sp>
+      <p:sp>
+        <p:nvSpPr>
+          <p:cNvPr id="3" name="Content Placeholder 2">
+            <a:extLst>
+              <a:ext uri="{FF2B5EF4-FFF2-40B4-BE49-F238E27FC236}">
+                <a16:creationId xmlns:a16="http://schemas.microsoft.com/office/drawing/2014/main" id="{C4933FC2-4049-4FA7-CE89-E8DB7DFFECDA}"/>
+              </a:ext>
+            </a:extLst>
+          </p:cNvPr>
+          <p:cNvSpPr>
+            <a:spLocks noGrp="1"/>
+          </p:cNvSpPr>
+          <p:nvPr>
+            <p:ph idx="1"/>
+          </p:nvPr>
+        </p:nvSpPr>
+        <p:spPr>
+          <a:xfrm>
+            <a:off x="838200" y="1825624"/>
+            <a:ext cx="10515600" cy="5032375"/>
+          </a:xfrm>
+        </p:spPr>
+        <p:txBody>
+          <a:bodyPr>
+            <a:normAutofit/>
+          </a:bodyPr>
+          <a:lstStyle/>
+          <a:p>
+            <a:pPr marL="0" indent="0">
+              <a:buNone/>
+            </a:pPr>
+            <a:r>
+              <a:rPr lang="en-GB" b="1" dirty="0"/>
+              <a:t>W13S2: Backend</a:t>
+            </a:r>
+          </a:p>
+          <a:p>
+            <a:r>
+              <a:rPr lang="en-GB" dirty="0"/>
+              <a:t>Try writing a simple translator that reads TAC code (either as a string of text of a control-flow graph), and produces assembly code (following the Beta CPU instruction set from 50.002).</a:t>
+            </a:r>
+          </a:p>
+          <a:p>
+            <a:r>
+              <a:rPr lang="en-GB" dirty="0"/>
+              <a:t>Try implementing a few register allocation algorithm (naïve, linear scan, etc.)</a:t>
+            </a:r>
+          </a:p>
+          <a:p>
+            <a:r>
+              <a:rPr lang="en-GB" dirty="0"/>
+              <a:t>Try your hands on the graph </a:t>
+            </a:r>
+            <a:r>
+              <a:rPr lang="en-GB" dirty="0" err="1"/>
+              <a:t>coloring</a:t>
+            </a:r>
+            <a:r>
+              <a:rPr lang="en-GB" dirty="0"/>
+              <a:t> problem and the </a:t>
+            </a:r>
+            <a:r>
+              <a:rPr lang="en-GB" dirty="0" err="1"/>
+              <a:t>Chaitin</a:t>
+            </a:r>
+            <a:r>
+              <a:rPr lang="en-GB" dirty="0"/>
+              <a:t> algorithm implementation!</a:t>
+            </a:r>
+          </a:p>
+          <a:p>
+            <a:r>
+              <a:rPr lang="en-GB" dirty="0"/>
+              <a:t>More backend stuff (runtime, garbage collection, code optimization and clock cycles optimization on your CPU by performing instruction ordering/section, parallelism, etc.)</a:t>
+            </a:r>
+          </a:p>
+        </p:txBody>
+      </p:sp>
+    </p:spTree>
+    <p:extLst>
+      <p:ext uri="{BB962C8B-B14F-4D97-AF65-F5344CB8AC3E}">
+        <p14:creationId xmlns:p14="http://schemas.microsoft.com/office/powerpoint/2010/main" val="1628818528"/>
+      </p:ext>
+    </p:extLst>
+  </p:cSld>
+  <p:clrMapOvr>
+    <a:masterClrMapping/>
+  </p:clrMapOvr>
+</p:sld>
+</file>
+
+<file path=ppt/slides/slide21.xml><?xml version="1.0" encoding="utf-8"?>
+<p:sld xmlns:a="http://schemas.openxmlformats.org/drawingml/2006/main" xmlns:r="http://schemas.openxmlformats.org/officeDocument/2006/relationships" xmlns:p="http://schemas.openxmlformats.org/presentationml/2006/main">
+  <p:cSld>
+    <p:spTree>
+      <p:nvGrpSpPr>
+        <p:cNvPr id="1" name=""/>
+        <p:cNvGrpSpPr/>
+        <p:nvPr/>
+      </p:nvGrpSpPr>
+      <p:grpSpPr>
+        <a:xfrm>
+          <a:off x="0" y="0"/>
+          <a:ext cx="0" cy="0"/>
+          <a:chOff x="0" y="0"/>
+          <a:chExt cx="0" cy="0"/>
+        </a:xfrm>
+      </p:grpSpPr>
+      <p:sp>
+        <p:nvSpPr>
+          <p:cNvPr id="2" name="Title 1">
+            <a:extLst>
+              <a:ext uri="{FF2B5EF4-FFF2-40B4-BE49-F238E27FC236}">
+                <a16:creationId xmlns:a16="http://schemas.microsoft.com/office/drawing/2014/main" id="{D83D78A6-5213-F5DF-FAC1-B6D18B0BB4F5}"/>
+              </a:ext>
+            </a:extLst>
+          </p:cNvPr>
+          <p:cNvSpPr>
+            <a:spLocks noGrp="1"/>
+          </p:cNvSpPr>
+          <p:nvPr>
+            <p:ph type="title"/>
+          </p:nvPr>
+        </p:nvSpPr>
+        <p:spPr/>
+        <p:txBody>
+          <a:bodyPr/>
+          <a:lstStyle/>
+          <a:p>
+            <a:r>
+              <a:rPr lang="en-US" dirty="0"/>
+              <a:t>And interpreters in all of this?</a:t>
+            </a:r>
+            <a:endParaRPr lang="en-GB" dirty="0"/>
+          </a:p>
+        </p:txBody>
+      </p:sp>
+      <p:sp>
+        <p:nvSpPr>
+          <p:cNvPr id="3" name="Content Placeholder 2">
+            <a:extLst>
+              <a:ext uri="{FF2B5EF4-FFF2-40B4-BE49-F238E27FC236}">
+                <a16:creationId xmlns:a16="http://schemas.microsoft.com/office/drawing/2014/main" id="{C085ED28-5440-9734-066D-069B39F29AEB}"/>
+              </a:ext>
+            </a:extLst>
+          </p:cNvPr>
+          <p:cNvSpPr>
+            <a:spLocks noGrp="1"/>
+          </p:cNvSpPr>
+          <p:nvPr>
+            <p:ph idx="1"/>
+          </p:nvPr>
+        </p:nvSpPr>
+        <p:spPr>
+          <a:xfrm>
+            <a:off x="838200" y="1825624"/>
+            <a:ext cx="10515600" cy="5032375"/>
+          </a:xfrm>
+        </p:spPr>
+        <p:txBody>
+          <a:bodyPr>
+            <a:normAutofit/>
+          </a:bodyPr>
+          <a:lstStyle/>
+          <a:p>
+            <a:pPr marL="0" indent="0">
+              <a:buNone/>
+            </a:pPr>
+            <a:r>
+              <a:rPr lang="en-US" b="1" dirty="0"/>
+              <a:t>Definition (</a:t>
+            </a:r>
+            <a:r>
+              <a:rPr lang="en-US" b="1" dirty="0">
+                <a:solidFill>
+                  <a:srgbClr val="00B050"/>
+                </a:solidFill>
+              </a:rPr>
+              <a:t>Interpreters</a:t>
+            </a:r>
+            <a:r>
+              <a:rPr lang="en-US" b="1" dirty="0"/>
+              <a:t>):</a:t>
+            </a:r>
+            <a:endParaRPr lang="en-GB" b="1" dirty="0"/>
+          </a:p>
+          <a:p>
+            <a:pPr marL="0" indent="0">
+              <a:buNone/>
+            </a:pPr>
+            <a:r>
+              <a:rPr lang="en-US" dirty="0"/>
+              <a:t>Many of you have probably heard about the </a:t>
+            </a:r>
+            <a:r>
+              <a:rPr lang="en-US" b="1" dirty="0"/>
+              <a:t>compilers vs. </a:t>
+            </a:r>
+            <a:r>
+              <a:rPr lang="en-US" b="1" dirty="0">
+                <a:solidFill>
+                  <a:srgbClr val="00B050"/>
+                </a:solidFill>
+              </a:rPr>
+              <a:t>interpreters</a:t>
+            </a:r>
+            <a:r>
+              <a:rPr lang="en-US" b="1" dirty="0"/>
+              <a:t> paradigm</a:t>
+            </a:r>
+            <a:r>
+              <a:rPr lang="en-US" dirty="0"/>
+              <a:t>, but what is it about?</a:t>
+            </a:r>
+          </a:p>
+          <a:p>
+            <a:pPr marL="0" indent="0">
+              <a:buNone/>
+            </a:pPr>
+            <a:r>
+              <a:rPr lang="en-US" b="1" dirty="0">
+                <a:solidFill>
+                  <a:srgbClr val="00B050"/>
+                </a:solidFill>
+              </a:rPr>
+              <a:t>Interpreters</a:t>
+            </a:r>
+            <a:r>
+              <a:rPr lang="en-US" dirty="0"/>
+              <a:t> have the </a:t>
+            </a:r>
+            <a:r>
+              <a:rPr lang="en-US" b="1" dirty="0"/>
+              <a:t>same objective as compilers</a:t>
+            </a:r>
+            <a:r>
+              <a:rPr lang="en-US" dirty="0"/>
+              <a:t>, i.e. </a:t>
+            </a:r>
+            <a:r>
+              <a:rPr lang="en-US" b="1" dirty="0"/>
+              <a:t>translate a source program into target code which can be executed by the CPU</a:t>
+            </a:r>
+            <a:r>
+              <a:rPr lang="en-US" dirty="0"/>
+              <a:t>.</a:t>
+            </a:r>
+          </a:p>
+          <a:p>
+            <a:pPr marL="0" indent="0">
+              <a:buNone/>
+            </a:pPr>
+            <a:r>
+              <a:rPr lang="en-US" dirty="0"/>
+              <a:t>What changes is the translation and execution procedure:</a:t>
+            </a:r>
+          </a:p>
+          <a:p>
+            <a:r>
+              <a:rPr lang="en-US" b="1" dirty="0"/>
+              <a:t>Compilers</a:t>
+            </a:r>
+            <a:r>
+              <a:rPr lang="en-US" dirty="0"/>
+              <a:t> will translate the source code into target code </a:t>
+            </a:r>
+            <a:r>
+              <a:rPr lang="en-US" b="1" dirty="0"/>
+              <a:t>in its entirety first</a:t>
+            </a:r>
+            <a:r>
+              <a:rPr lang="en-US" dirty="0"/>
+              <a:t>, and THEN will execute the target code.</a:t>
+            </a:r>
+          </a:p>
+          <a:p>
+            <a:r>
+              <a:rPr lang="en-US" b="1" dirty="0"/>
+              <a:t>Interpreters</a:t>
+            </a:r>
+            <a:r>
+              <a:rPr lang="en-US" dirty="0"/>
+              <a:t>, on the other hand, will translate each line of the source code</a:t>
+            </a:r>
+            <a:r>
+              <a:rPr lang="en-US" b="1" dirty="0"/>
+              <a:t> one line at a time</a:t>
+            </a:r>
+            <a:r>
+              <a:rPr lang="en-US" dirty="0"/>
+              <a:t>, and execute each one of them in succession.</a:t>
+            </a:r>
+            <a:endParaRPr lang="en-GB" dirty="0"/>
+          </a:p>
+        </p:txBody>
+      </p:sp>
+    </p:spTree>
+    <p:extLst>
+      <p:ext uri="{BB962C8B-B14F-4D97-AF65-F5344CB8AC3E}">
+        <p14:creationId xmlns:p14="http://schemas.microsoft.com/office/powerpoint/2010/main" val="2723458640"/>
+      </p:ext>
+    </p:extLst>
+  </p:cSld>
+  <p:clrMapOvr>
+    <a:masterClrMapping/>
+  </p:clrMapOvr>
+</p:sld>
+</file>
+
+<file path=ppt/slides/slide22.xml><?xml version="1.0" encoding="utf-8"?>
+<p:sld xmlns:a="http://schemas.openxmlformats.org/drawingml/2006/main" xmlns:r="http://schemas.openxmlformats.org/officeDocument/2006/relationships" xmlns:p="http://schemas.openxmlformats.org/presentationml/2006/main">
+  <p:cSld>
+    <p:spTree>
+      <p:nvGrpSpPr>
+        <p:cNvPr id="1" name=""/>
+        <p:cNvGrpSpPr/>
+        <p:nvPr/>
+      </p:nvGrpSpPr>
+      <p:grpSpPr>
+        <a:xfrm>
+          <a:off x="0" y="0"/>
+          <a:ext cx="0" cy="0"/>
+          <a:chOff x="0" y="0"/>
+          <a:chExt cx="0" cy="0"/>
+        </a:xfrm>
+      </p:grpSpPr>
+      <p:sp>
+        <p:nvSpPr>
+          <p:cNvPr id="10" name="TextBox 9">
+            <a:extLst>
+              <a:ext uri="{FF2B5EF4-FFF2-40B4-BE49-F238E27FC236}">
+                <a16:creationId xmlns:a16="http://schemas.microsoft.com/office/drawing/2014/main" id="{11B6B559-B73C-D689-8555-4301D1ECF518}"/>
+              </a:ext>
+            </a:extLst>
+          </p:cNvPr>
+          <p:cNvSpPr txBox="1"/>
+          <p:nvPr/>
+        </p:nvSpPr>
+        <p:spPr>
+          <a:xfrm>
+            <a:off x="4597244" y="647417"/>
+            <a:ext cx="2997509" cy="369332"/>
+          </a:xfrm>
+          <a:prstGeom prst="rect">
+            <a:avLst/>
+          </a:prstGeom>
+          <a:noFill/>
+        </p:spPr>
+        <p:txBody>
+          <a:bodyPr wrap="square" rtlCol="0">
+            <a:spAutoFit/>
+          </a:bodyPr>
+          <a:lstStyle/>
+          <a:p>
+            <a:pPr algn="ctr"/>
+            <a:r>
+              <a:rPr lang="en-US" b="1" dirty="0"/>
+              <a:t>Source Program (Python)</a:t>
+            </a:r>
+            <a:endParaRPr lang="en-GB" b="1" dirty="0"/>
+          </a:p>
+        </p:txBody>
+      </p:sp>
+      <p:sp>
+        <p:nvSpPr>
+          <p:cNvPr id="12" name="Rectangle 11">
+            <a:extLst>
+              <a:ext uri="{FF2B5EF4-FFF2-40B4-BE49-F238E27FC236}">
+                <a16:creationId xmlns:a16="http://schemas.microsoft.com/office/drawing/2014/main" id="{BAF16D42-9F61-5EB3-08FA-541DEF003720}"/>
+              </a:ext>
+            </a:extLst>
+          </p:cNvPr>
+          <p:cNvSpPr/>
+          <p:nvPr/>
+        </p:nvSpPr>
+        <p:spPr>
+          <a:xfrm>
+            <a:off x="136237" y="1477097"/>
+            <a:ext cx="11919525" cy="3903806"/>
+          </a:xfrm>
+          <a:prstGeom prst="rect">
+            <a:avLst/>
+          </a:prstGeom>
+        </p:spPr>
+        <p:style>
+          <a:lnRef idx="2">
+            <a:schemeClr val="dk1">
+              <a:shade val="50000"/>
+            </a:schemeClr>
+          </a:lnRef>
+          <a:fillRef idx="1">
+            <a:schemeClr val="dk1"/>
+          </a:fillRef>
+          <a:effectRef idx="0">
+            <a:schemeClr val="dk1"/>
+          </a:effectRef>
+          <a:fontRef idx="minor">
+            <a:schemeClr val="lt1"/>
+          </a:fontRef>
+        </p:style>
+        <p:txBody>
+          <a:bodyPr rtlCol="0" anchor="ctr"/>
+          <a:lstStyle/>
+          <a:p>
+            <a:pPr algn="ctr"/>
+            <a:r>
+              <a:rPr lang="en-US" b="1" dirty="0"/>
+              <a:t>Interpreter</a:t>
+            </a:r>
+          </a:p>
+          <a:p>
+            <a:pPr algn="ctr"/>
+            <a:endParaRPr lang="en-US" b="1" dirty="0"/>
+          </a:p>
+          <a:p>
+            <a:pPr algn="ctr"/>
+            <a:endParaRPr lang="en-US" b="1" dirty="0"/>
+          </a:p>
+          <a:p>
+            <a:pPr algn="ctr"/>
+            <a:endParaRPr lang="en-US" b="1" dirty="0"/>
+          </a:p>
+          <a:p>
+            <a:pPr algn="ctr"/>
+            <a:endParaRPr lang="en-US" b="1" dirty="0"/>
+          </a:p>
+          <a:p>
+            <a:pPr algn="ctr"/>
+            <a:endParaRPr lang="en-US" b="1" dirty="0"/>
+          </a:p>
+          <a:p>
+            <a:pPr algn="ctr"/>
+            <a:endParaRPr lang="en-US" b="1" dirty="0"/>
+          </a:p>
+          <a:p>
+            <a:pPr algn="ctr"/>
+            <a:endParaRPr lang="en-US" b="1" dirty="0"/>
+          </a:p>
+          <a:p>
+            <a:pPr algn="ctr"/>
+            <a:endParaRPr lang="en-US" b="1" dirty="0"/>
+          </a:p>
+          <a:p>
+            <a:pPr algn="ctr"/>
+            <a:endParaRPr lang="en-US" b="1" dirty="0"/>
+          </a:p>
+          <a:p>
+            <a:pPr algn="ctr"/>
+            <a:endParaRPr lang="en-US" b="1" dirty="0"/>
+          </a:p>
+          <a:p>
+            <a:pPr algn="ctr"/>
+            <a:endParaRPr lang="en-US" b="1" dirty="0"/>
+          </a:p>
+          <a:p>
+            <a:pPr algn="ctr"/>
+            <a:endParaRPr lang="en-GB" b="1" dirty="0"/>
+          </a:p>
+        </p:txBody>
+      </p:sp>
+      <p:sp>
+        <p:nvSpPr>
+          <p:cNvPr id="15" name="Arrow: Down 14">
+            <a:extLst>
+              <a:ext uri="{FF2B5EF4-FFF2-40B4-BE49-F238E27FC236}">
+                <a16:creationId xmlns:a16="http://schemas.microsoft.com/office/drawing/2014/main" id="{2BDFE5FF-334E-67C3-050C-D28776BB06B3}"/>
+              </a:ext>
+            </a:extLst>
+          </p:cNvPr>
+          <p:cNvSpPr/>
+          <p:nvPr/>
+        </p:nvSpPr>
+        <p:spPr>
+          <a:xfrm>
+            <a:off x="5581649" y="1016749"/>
+            <a:ext cx="1028700" cy="571559"/>
+          </a:xfrm>
+          <a:prstGeom prst="downArrow">
+            <a:avLst/>
+          </a:prstGeom>
+          <a:solidFill>
+            <a:schemeClr val="bg1"/>
+          </a:solidFill>
+          <a:ln w="28575">
+            <a:solidFill>
+              <a:schemeClr val="tx1"/>
+            </a:solidFill>
+          </a:ln>
+        </p:spPr>
+        <p:style>
+          <a:lnRef idx="2">
+            <a:schemeClr val="accent1">
+              <a:shade val="50000"/>
+            </a:schemeClr>
+          </a:lnRef>
+          <a:fillRef idx="1">
+            <a:schemeClr val="accent1"/>
+          </a:fillRef>
+          <a:effectRef idx="0">
+            <a:schemeClr val="accent1"/>
+          </a:effectRef>
+          <a:fontRef idx="minor">
+            <a:schemeClr val="lt1"/>
+          </a:fontRef>
+        </p:style>
+        <p:txBody>
+          <a:bodyPr rtlCol="0" anchor="ctr"/>
+          <a:lstStyle/>
+          <a:p>
+            <a:pPr algn="ctr"/>
+            <a:endParaRPr lang="en-GB"/>
+          </a:p>
+        </p:txBody>
+      </p:sp>
+      <p:sp>
+        <p:nvSpPr>
+          <p:cNvPr id="17" name="Arrow: Down 16">
+            <a:extLst>
+              <a:ext uri="{FF2B5EF4-FFF2-40B4-BE49-F238E27FC236}">
+                <a16:creationId xmlns:a16="http://schemas.microsoft.com/office/drawing/2014/main" id="{EA0A751A-B8C9-8A90-1817-8A994977555A}"/>
+              </a:ext>
+            </a:extLst>
+          </p:cNvPr>
+          <p:cNvSpPr/>
+          <p:nvPr/>
+        </p:nvSpPr>
+        <p:spPr>
+          <a:xfrm>
+            <a:off x="5581649" y="5293505"/>
+            <a:ext cx="1028700" cy="571559"/>
+          </a:xfrm>
+          <a:prstGeom prst="downArrow">
+            <a:avLst/>
+          </a:prstGeom>
+          <a:solidFill>
+            <a:schemeClr val="bg1"/>
+          </a:solidFill>
+          <a:ln w="28575">
+            <a:solidFill>
+              <a:schemeClr val="tx1"/>
+            </a:solidFill>
+          </a:ln>
+        </p:spPr>
+        <p:style>
+          <a:lnRef idx="2">
+            <a:schemeClr val="accent1">
+              <a:shade val="50000"/>
+            </a:schemeClr>
+          </a:lnRef>
+          <a:fillRef idx="1">
+            <a:schemeClr val="accent1"/>
+          </a:fillRef>
+          <a:effectRef idx="0">
+            <a:schemeClr val="accent1"/>
+          </a:effectRef>
+          <a:fontRef idx="minor">
+            <a:schemeClr val="lt1"/>
+          </a:fontRef>
+        </p:style>
+        <p:txBody>
+          <a:bodyPr rtlCol="0" anchor="ctr"/>
+          <a:lstStyle/>
+          <a:p>
+            <a:pPr algn="ctr"/>
+            <a:endParaRPr lang="en-GB"/>
+          </a:p>
+        </p:txBody>
+      </p:sp>
+      <p:pic>
+        <p:nvPicPr>
+          <p:cNvPr id="3" name="Picture 2">
+            <a:extLst>
+              <a:ext uri="{FF2B5EF4-FFF2-40B4-BE49-F238E27FC236}">
+                <a16:creationId xmlns:a16="http://schemas.microsoft.com/office/drawing/2014/main" id="{16C3FEEB-8A38-174A-4CDC-65D93B6F8798}"/>
+              </a:ext>
+            </a:extLst>
+          </p:cNvPr>
+          <p:cNvPicPr>
+            <a:picLocks noChangeAspect="1"/>
+          </p:cNvPicPr>
+          <p:nvPr/>
+        </p:nvPicPr>
+        <p:blipFill rotWithShape="1">
+          <a:blip r:embed="rId3"/>
+          <a:srcRect l="13600" b="44753"/>
+          <a:stretch/>
+        </p:blipFill>
+        <p:spPr>
+          <a:xfrm>
+            <a:off x="3684391" y="38204"/>
+            <a:ext cx="4823214" cy="678925"/>
+          </a:xfrm>
+          <a:prstGeom prst="rect">
+            <a:avLst/>
+          </a:prstGeom>
+        </p:spPr>
+      </p:pic>
+      <p:sp>
+        <p:nvSpPr>
+          <p:cNvPr id="4" name="Rectangle 3">
+            <a:extLst>
+              <a:ext uri="{FF2B5EF4-FFF2-40B4-BE49-F238E27FC236}">
+                <a16:creationId xmlns:a16="http://schemas.microsoft.com/office/drawing/2014/main" id="{61689F46-282B-C6B1-4863-C5368AD6ED4B}"/>
+              </a:ext>
+            </a:extLst>
+          </p:cNvPr>
+          <p:cNvSpPr/>
+          <p:nvPr/>
+        </p:nvSpPr>
+        <p:spPr>
+          <a:xfrm>
+            <a:off x="664308" y="2211754"/>
+            <a:ext cx="2751015" cy="2836984"/>
+          </a:xfrm>
+          <a:prstGeom prst="rect">
+            <a:avLst/>
+          </a:prstGeom>
+          <a:solidFill>
+            <a:schemeClr val="bg1"/>
+          </a:solidFill>
+          <a:ln w="38100">
+            <a:solidFill>
+              <a:schemeClr val="bg1"/>
+            </a:solidFill>
+          </a:ln>
+        </p:spPr>
+        <p:style>
+          <a:lnRef idx="2">
+            <a:schemeClr val="accent1">
+              <a:shade val="50000"/>
+            </a:schemeClr>
+          </a:lnRef>
+          <a:fillRef idx="1">
+            <a:schemeClr val="accent1"/>
+          </a:fillRef>
+          <a:effectRef idx="0">
+            <a:schemeClr val="accent1"/>
+          </a:effectRef>
+          <a:fontRef idx="minor">
+            <a:schemeClr val="lt1"/>
+          </a:fontRef>
+        </p:style>
+        <p:txBody>
+          <a:bodyPr rtlCol="0" anchor="ctr"/>
+          <a:lstStyle/>
+          <a:p>
+            <a:pPr algn="ctr"/>
+            <a:r>
+              <a:rPr lang="en-US" b="1" dirty="0">
+                <a:solidFill>
+                  <a:schemeClr val="tx1"/>
+                </a:solidFill>
+              </a:rPr>
+              <a:t>Line 1</a:t>
+            </a:r>
+          </a:p>
+          <a:p>
+            <a:pPr algn="ctr"/>
+            <a:endParaRPr lang="en-US" b="1" dirty="0">
+              <a:solidFill>
+                <a:schemeClr val="tx1"/>
+              </a:solidFill>
+            </a:endParaRPr>
+          </a:p>
+          <a:p>
+            <a:pPr algn="ctr"/>
+            <a:endParaRPr lang="en-US" b="1" dirty="0">
+              <a:solidFill>
+                <a:schemeClr val="tx1"/>
+              </a:solidFill>
+            </a:endParaRPr>
+          </a:p>
+          <a:p>
+            <a:pPr algn="ctr"/>
+            <a:endParaRPr lang="en-US" b="1" dirty="0">
+              <a:solidFill>
+                <a:schemeClr val="tx1"/>
+              </a:solidFill>
+            </a:endParaRPr>
+          </a:p>
+          <a:p>
+            <a:pPr algn="ctr"/>
+            <a:endParaRPr lang="en-US" b="1" dirty="0">
+              <a:solidFill>
+                <a:schemeClr val="tx1"/>
+              </a:solidFill>
+            </a:endParaRPr>
+          </a:p>
+          <a:p>
+            <a:pPr algn="ctr"/>
+            <a:endParaRPr lang="en-US" b="1" dirty="0">
+              <a:solidFill>
+                <a:schemeClr val="tx1"/>
+              </a:solidFill>
+            </a:endParaRPr>
+          </a:p>
+          <a:p>
+            <a:pPr algn="ctr"/>
+            <a:endParaRPr lang="en-US" b="1" dirty="0">
+              <a:solidFill>
+                <a:schemeClr val="tx1"/>
+              </a:solidFill>
+            </a:endParaRPr>
+          </a:p>
+          <a:p>
+            <a:pPr algn="ctr"/>
+            <a:endParaRPr lang="en-US" b="1" dirty="0">
+              <a:solidFill>
+                <a:schemeClr val="tx1"/>
+              </a:solidFill>
+            </a:endParaRPr>
+          </a:p>
+          <a:p>
+            <a:pPr algn="ctr"/>
+            <a:endParaRPr lang="en-US" b="1" dirty="0">
+              <a:solidFill>
+                <a:schemeClr val="tx1"/>
+              </a:solidFill>
+            </a:endParaRPr>
+          </a:p>
+          <a:p>
+            <a:pPr algn="ctr"/>
+            <a:endParaRPr lang="en-GB" b="1" dirty="0">
+              <a:solidFill>
+                <a:schemeClr val="tx1"/>
+              </a:solidFill>
+            </a:endParaRPr>
+          </a:p>
+        </p:txBody>
+      </p:sp>
+      <p:sp>
+        <p:nvSpPr>
+          <p:cNvPr id="11" name="Rectangle 10">
+            <a:extLst>
+              <a:ext uri="{FF2B5EF4-FFF2-40B4-BE49-F238E27FC236}">
+                <a16:creationId xmlns:a16="http://schemas.microsoft.com/office/drawing/2014/main" id="{6249C5AC-E937-435A-4B9D-5B6EB0425BB2}"/>
+              </a:ext>
+            </a:extLst>
+          </p:cNvPr>
+          <p:cNvSpPr/>
+          <p:nvPr/>
+        </p:nvSpPr>
+        <p:spPr>
+          <a:xfrm>
+            <a:off x="3793807" y="2211754"/>
+            <a:ext cx="2751015" cy="2836984"/>
+          </a:xfrm>
+          <a:prstGeom prst="rect">
+            <a:avLst/>
+          </a:prstGeom>
+          <a:solidFill>
+            <a:schemeClr val="bg1"/>
+          </a:solidFill>
+          <a:ln w="38100">
+            <a:solidFill>
+              <a:schemeClr val="bg1"/>
+            </a:solidFill>
+          </a:ln>
+        </p:spPr>
+        <p:style>
+          <a:lnRef idx="2">
+            <a:schemeClr val="accent1">
+              <a:shade val="50000"/>
+            </a:schemeClr>
+          </a:lnRef>
+          <a:fillRef idx="1">
+            <a:schemeClr val="accent1"/>
+          </a:fillRef>
+          <a:effectRef idx="0">
+            <a:schemeClr val="accent1"/>
+          </a:effectRef>
+          <a:fontRef idx="minor">
+            <a:schemeClr val="lt1"/>
+          </a:fontRef>
+        </p:style>
+        <p:txBody>
+          <a:bodyPr rtlCol="0" anchor="ctr"/>
+          <a:lstStyle/>
+          <a:p>
+            <a:pPr algn="ctr"/>
+            <a:r>
+              <a:rPr lang="en-US" b="1" dirty="0">
+                <a:solidFill>
+                  <a:schemeClr val="tx1"/>
+                </a:solidFill>
+              </a:rPr>
+              <a:t>Line 2</a:t>
+            </a:r>
+          </a:p>
+          <a:p>
+            <a:pPr algn="ctr"/>
+            <a:endParaRPr lang="en-US" b="1" dirty="0">
+              <a:solidFill>
+                <a:schemeClr val="tx1"/>
+              </a:solidFill>
+            </a:endParaRPr>
+          </a:p>
+          <a:p>
+            <a:pPr algn="ctr"/>
+            <a:endParaRPr lang="en-US" b="1" dirty="0">
+              <a:solidFill>
+                <a:schemeClr val="tx1"/>
+              </a:solidFill>
+            </a:endParaRPr>
+          </a:p>
+          <a:p>
+            <a:pPr algn="ctr"/>
+            <a:endParaRPr lang="en-US" b="1" dirty="0">
+              <a:solidFill>
+                <a:schemeClr val="tx1"/>
+              </a:solidFill>
+            </a:endParaRPr>
+          </a:p>
+          <a:p>
+            <a:pPr algn="ctr"/>
+            <a:endParaRPr lang="en-US" b="1" dirty="0">
+              <a:solidFill>
+                <a:schemeClr val="tx1"/>
+              </a:solidFill>
+            </a:endParaRPr>
+          </a:p>
+          <a:p>
+            <a:pPr algn="ctr"/>
+            <a:endParaRPr lang="en-US" b="1" dirty="0">
+              <a:solidFill>
+                <a:schemeClr val="tx1"/>
+              </a:solidFill>
+            </a:endParaRPr>
+          </a:p>
+          <a:p>
+            <a:pPr algn="ctr"/>
+            <a:endParaRPr lang="en-US" b="1" dirty="0">
+              <a:solidFill>
+                <a:schemeClr val="tx1"/>
+              </a:solidFill>
+            </a:endParaRPr>
+          </a:p>
+          <a:p>
+            <a:pPr algn="ctr"/>
+            <a:endParaRPr lang="en-US" b="1" dirty="0">
+              <a:solidFill>
+                <a:schemeClr val="tx1"/>
+              </a:solidFill>
+            </a:endParaRPr>
+          </a:p>
+          <a:p>
+            <a:pPr algn="ctr"/>
+            <a:endParaRPr lang="en-US" b="1" dirty="0">
+              <a:solidFill>
+                <a:schemeClr val="tx1"/>
+              </a:solidFill>
+            </a:endParaRPr>
+          </a:p>
+          <a:p>
+            <a:pPr algn="ctr"/>
+            <a:endParaRPr lang="en-GB" b="1" dirty="0">
+              <a:solidFill>
+                <a:schemeClr val="tx1"/>
+              </a:solidFill>
+            </a:endParaRPr>
+          </a:p>
+        </p:txBody>
+      </p:sp>
+      <p:sp>
+        <p:nvSpPr>
+          <p:cNvPr id="13" name="Rectangle 12">
+            <a:extLst>
+              <a:ext uri="{FF2B5EF4-FFF2-40B4-BE49-F238E27FC236}">
+                <a16:creationId xmlns:a16="http://schemas.microsoft.com/office/drawing/2014/main" id="{53943D0A-280C-B718-D63C-D82E4933802D}"/>
+              </a:ext>
+            </a:extLst>
+          </p:cNvPr>
+          <p:cNvSpPr/>
+          <p:nvPr/>
+        </p:nvSpPr>
+        <p:spPr>
+          <a:xfrm>
+            <a:off x="8776677" y="2211754"/>
+            <a:ext cx="2751015" cy="2836984"/>
+          </a:xfrm>
+          <a:prstGeom prst="rect">
+            <a:avLst/>
+          </a:prstGeom>
+          <a:solidFill>
+            <a:schemeClr val="bg1"/>
+          </a:solidFill>
+          <a:ln w="38100">
+            <a:solidFill>
+              <a:schemeClr val="bg1"/>
+            </a:solidFill>
+          </a:ln>
+        </p:spPr>
+        <p:style>
+          <a:lnRef idx="2">
+            <a:schemeClr val="accent1">
+              <a:shade val="50000"/>
+            </a:schemeClr>
+          </a:lnRef>
+          <a:fillRef idx="1">
+            <a:schemeClr val="accent1"/>
+          </a:fillRef>
+          <a:effectRef idx="0">
+            <a:schemeClr val="accent1"/>
+          </a:effectRef>
+          <a:fontRef idx="minor">
+            <a:schemeClr val="lt1"/>
+          </a:fontRef>
+        </p:style>
+        <p:txBody>
+          <a:bodyPr rtlCol="0" anchor="ctr"/>
+          <a:lstStyle/>
+          <a:p>
+            <a:pPr algn="ctr"/>
+            <a:r>
+              <a:rPr lang="en-US" b="1" dirty="0">
+                <a:solidFill>
+                  <a:schemeClr val="tx1"/>
+                </a:solidFill>
+              </a:rPr>
+              <a:t>Line N</a:t>
+            </a:r>
+          </a:p>
+          <a:p>
+            <a:pPr algn="ctr"/>
+            <a:endParaRPr lang="en-US" b="1" dirty="0">
+              <a:solidFill>
+                <a:schemeClr val="tx1"/>
+              </a:solidFill>
+            </a:endParaRPr>
+          </a:p>
+          <a:p>
+            <a:pPr algn="ctr"/>
+            <a:endParaRPr lang="en-US" b="1" dirty="0">
+              <a:solidFill>
+                <a:schemeClr val="tx1"/>
+              </a:solidFill>
+            </a:endParaRPr>
+          </a:p>
+          <a:p>
+            <a:pPr algn="ctr"/>
+            <a:endParaRPr lang="en-US" b="1" dirty="0">
+              <a:solidFill>
+                <a:schemeClr val="tx1"/>
+              </a:solidFill>
+            </a:endParaRPr>
+          </a:p>
+          <a:p>
+            <a:pPr algn="ctr"/>
+            <a:endParaRPr lang="en-US" b="1" dirty="0">
+              <a:solidFill>
+                <a:schemeClr val="tx1"/>
+              </a:solidFill>
+            </a:endParaRPr>
+          </a:p>
+          <a:p>
+            <a:pPr algn="ctr"/>
+            <a:endParaRPr lang="en-US" b="1" dirty="0">
+              <a:solidFill>
+                <a:schemeClr val="tx1"/>
+              </a:solidFill>
+            </a:endParaRPr>
+          </a:p>
+          <a:p>
+            <a:pPr algn="ctr"/>
+            <a:endParaRPr lang="en-US" b="1" dirty="0">
+              <a:solidFill>
+                <a:schemeClr val="tx1"/>
+              </a:solidFill>
+            </a:endParaRPr>
+          </a:p>
+          <a:p>
+            <a:pPr algn="ctr"/>
+            <a:endParaRPr lang="en-US" b="1" dirty="0">
+              <a:solidFill>
+                <a:schemeClr val="tx1"/>
+              </a:solidFill>
+            </a:endParaRPr>
+          </a:p>
+          <a:p>
+            <a:pPr algn="ctr"/>
+            <a:endParaRPr lang="en-US" b="1" dirty="0">
+              <a:solidFill>
+                <a:schemeClr val="tx1"/>
+              </a:solidFill>
+            </a:endParaRPr>
+          </a:p>
+          <a:p>
+            <a:pPr algn="ctr"/>
+            <a:endParaRPr lang="en-GB" b="1" dirty="0">
+              <a:solidFill>
+                <a:schemeClr val="tx1"/>
+              </a:solidFill>
+            </a:endParaRPr>
+          </a:p>
+        </p:txBody>
+      </p:sp>
+      <p:pic>
+        <p:nvPicPr>
+          <p:cNvPr id="14" name="Picture 13">
+            <a:extLst>
+              <a:ext uri="{FF2B5EF4-FFF2-40B4-BE49-F238E27FC236}">
+                <a16:creationId xmlns:a16="http://schemas.microsoft.com/office/drawing/2014/main" id="{D0662369-5E07-951C-7131-7C4DC8D3D9DF}"/>
+              </a:ext>
+            </a:extLst>
+          </p:cNvPr>
+          <p:cNvPicPr>
+            <a:picLocks noChangeAspect="1"/>
+          </p:cNvPicPr>
+          <p:nvPr/>
+        </p:nvPicPr>
+        <p:blipFill rotWithShape="1">
+          <a:blip r:embed="rId3"/>
+          <a:srcRect l="17094" t="8454" r="15286" b="73739"/>
+          <a:stretch/>
+        </p:blipFill>
+        <p:spPr>
+          <a:xfrm>
+            <a:off x="790464" y="2586892"/>
+            <a:ext cx="2561513" cy="148493"/>
+          </a:xfrm>
+          <a:prstGeom prst="rect">
+            <a:avLst/>
+          </a:prstGeom>
+        </p:spPr>
+      </p:pic>
+      <p:sp>
+        <p:nvSpPr>
+          <p:cNvPr id="16" name="TextBox 15">
+            <a:extLst>
+              <a:ext uri="{FF2B5EF4-FFF2-40B4-BE49-F238E27FC236}">
+                <a16:creationId xmlns:a16="http://schemas.microsoft.com/office/drawing/2014/main" id="{C93D4F31-F178-782C-BE18-A8999C1C3740}"/>
+              </a:ext>
+            </a:extLst>
+          </p:cNvPr>
+          <p:cNvSpPr txBox="1"/>
+          <p:nvPr/>
+        </p:nvSpPr>
+        <p:spPr>
+          <a:xfrm>
+            <a:off x="541060" y="2700466"/>
+            <a:ext cx="2997509" cy="276999"/>
+          </a:xfrm>
+          <a:prstGeom prst="rect">
+            <a:avLst/>
+          </a:prstGeom>
+          <a:noFill/>
+        </p:spPr>
+        <p:txBody>
+          <a:bodyPr wrap="square" rtlCol="0">
+            <a:spAutoFit/>
+          </a:bodyPr>
+          <a:lstStyle/>
+          <a:p>
+            <a:pPr algn="ctr"/>
+            <a:r>
+              <a:rPr lang="en-US" sz="1200" b="1" dirty="0"/>
+              <a:t>Source Program (Python)</a:t>
+            </a:r>
+            <a:endParaRPr lang="en-GB" sz="1200" b="1" dirty="0"/>
+          </a:p>
+        </p:txBody>
+      </p:sp>
+      <p:sp>
+        <p:nvSpPr>
+          <p:cNvPr id="18" name="TextBox 17">
+            <a:extLst>
+              <a:ext uri="{FF2B5EF4-FFF2-40B4-BE49-F238E27FC236}">
+                <a16:creationId xmlns:a16="http://schemas.microsoft.com/office/drawing/2014/main" id="{F0263E71-472D-2DD8-4509-B49C3F964C21}"/>
+              </a:ext>
+            </a:extLst>
+          </p:cNvPr>
+          <p:cNvSpPr txBox="1"/>
+          <p:nvPr/>
+        </p:nvSpPr>
+        <p:spPr>
+          <a:xfrm>
+            <a:off x="3670559" y="2700465"/>
+            <a:ext cx="2997509" cy="276999"/>
+          </a:xfrm>
+          <a:prstGeom prst="rect">
+            <a:avLst/>
+          </a:prstGeom>
+          <a:noFill/>
+        </p:spPr>
+        <p:txBody>
+          <a:bodyPr wrap="square" rtlCol="0">
+            <a:spAutoFit/>
+          </a:bodyPr>
+          <a:lstStyle/>
+          <a:p>
+            <a:pPr algn="ctr"/>
+            <a:r>
+              <a:rPr lang="en-US" sz="1200" b="1" dirty="0"/>
+              <a:t>Source Program (Python)</a:t>
+            </a:r>
+            <a:endParaRPr lang="en-GB" sz="1200" b="1" dirty="0"/>
+          </a:p>
+        </p:txBody>
+      </p:sp>
+      <p:pic>
+        <p:nvPicPr>
+          <p:cNvPr id="19" name="Picture 18">
+            <a:extLst>
+              <a:ext uri="{FF2B5EF4-FFF2-40B4-BE49-F238E27FC236}">
+                <a16:creationId xmlns:a16="http://schemas.microsoft.com/office/drawing/2014/main" id="{F4AC2664-67FB-4973-F051-59210C7A51F4}"/>
+              </a:ext>
+            </a:extLst>
+          </p:cNvPr>
+          <p:cNvPicPr>
+            <a:picLocks noChangeAspect="1"/>
+          </p:cNvPicPr>
+          <p:nvPr/>
+        </p:nvPicPr>
+        <p:blipFill rotWithShape="1">
+          <a:blip r:embed="rId3"/>
+          <a:srcRect l="17094" t="26534" r="15286" b="51472"/>
+          <a:stretch/>
+        </p:blipFill>
+        <p:spPr>
+          <a:xfrm>
+            <a:off x="3888556" y="2569432"/>
+            <a:ext cx="2561513" cy="183412"/>
+          </a:xfrm>
+          <a:prstGeom prst="rect">
+            <a:avLst/>
+          </a:prstGeom>
+        </p:spPr>
+      </p:pic>
+      <p:sp>
+        <p:nvSpPr>
+          <p:cNvPr id="20" name="Rectangle 19">
+            <a:extLst>
+              <a:ext uri="{FF2B5EF4-FFF2-40B4-BE49-F238E27FC236}">
+                <a16:creationId xmlns:a16="http://schemas.microsoft.com/office/drawing/2014/main" id="{AD54AE56-03ED-28CF-F3C9-2DCDFD62601D}"/>
+              </a:ext>
+            </a:extLst>
+          </p:cNvPr>
+          <p:cNvSpPr/>
+          <p:nvPr/>
+        </p:nvSpPr>
+        <p:spPr>
+          <a:xfrm>
+            <a:off x="754911" y="3169448"/>
+            <a:ext cx="2597066" cy="651809"/>
+          </a:xfrm>
+          <a:prstGeom prst="rect">
+            <a:avLst/>
+          </a:prstGeom>
+        </p:spPr>
+        <p:style>
+          <a:lnRef idx="2">
+            <a:schemeClr val="dk1">
+              <a:shade val="50000"/>
+            </a:schemeClr>
+          </a:lnRef>
+          <a:fillRef idx="1">
+            <a:schemeClr val="dk1"/>
+          </a:fillRef>
+          <a:effectRef idx="0">
+            <a:schemeClr val="dk1"/>
+          </a:effectRef>
+          <a:fontRef idx="minor">
+            <a:schemeClr val="lt1"/>
+          </a:fontRef>
+        </p:style>
+        <p:txBody>
+          <a:bodyPr rtlCol="0" anchor="ctr"/>
+          <a:lstStyle/>
+          <a:p>
+            <a:pPr algn="ctr"/>
+            <a:r>
+              <a:rPr lang="en-US" sz="1400" b="1" dirty="0"/>
+              <a:t>Translate, check for errors, etc. and execute</a:t>
+            </a:r>
+            <a:endParaRPr lang="en-GB" sz="1400" b="1" dirty="0"/>
+          </a:p>
+        </p:txBody>
+      </p:sp>
+      <p:sp>
+        <p:nvSpPr>
+          <p:cNvPr id="21" name="Rectangle 20">
+            <a:extLst>
+              <a:ext uri="{FF2B5EF4-FFF2-40B4-BE49-F238E27FC236}">
+                <a16:creationId xmlns:a16="http://schemas.microsoft.com/office/drawing/2014/main" id="{10E83DF0-64F4-9E20-6465-98B5C59A5A61}"/>
+              </a:ext>
+            </a:extLst>
+          </p:cNvPr>
+          <p:cNvSpPr/>
+          <p:nvPr/>
+        </p:nvSpPr>
+        <p:spPr>
+          <a:xfrm>
+            <a:off x="3870779" y="3169448"/>
+            <a:ext cx="2597066" cy="651809"/>
+          </a:xfrm>
+          <a:prstGeom prst="rect">
+            <a:avLst/>
+          </a:prstGeom>
+        </p:spPr>
+        <p:style>
+          <a:lnRef idx="2">
+            <a:schemeClr val="dk1">
+              <a:shade val="50000"/>
+            </a:schemeClr>
+          </a:lnRef>
+          <a:fillRef idx="1">
+            <a:schemeClr val="dk1"/>
+          </a:fillRef>
+          <a:effectRef idx="0">
+            <a:schemeClr val="dk1"/>
+          </a:effectRef>
+          <a:fontRef idx="minor">
+            <a:schemeClr val="lt1"/>
+          </a:fontRef>
+        </p:style>
+        <p:txBody>
+          <a:bodyPr rtlCol="0" anchor="ctr"/>
+          <a:lstStyle/>
+          <a:p>
+            <a:pPr algn="ctr"/>
+            <a:r>
+              <a:rPr lang="en-US" sz="1400" b="1" dirty="0"/>
+              <a:t>Translate, check for errors, etc. and execute</a:t>
+            </a:r>
+            <a:endParaRPr lang="en-GB" sz="1400" b="1" dirty="0"/>
+          </a:p>
+        </p:txBody>
+      </p:sp>
+      <p:sp>
+        <p:nvSpPr>
+          <p:cNvPr id="5" name="TextBox 4">
+            <a:extLst>
+              <a:ext uri="{FF2B5EF4-FFF2-40B4-BE49-F238E27FC236}">
+                <a16:creationId xmlns:a16="http://schemas.microsoft.com/office/drawing/2014/main" id="{829E147F-89AF-B8A9-AAA3-EC238755C101}"/>
+              </a:ext>
+            </a:extLst>
+          </p:cNvPr>
+          <p:cNvSpPr txBox="1"/>
+          <p:nvPr/>
+        </p:nvSpPr>
+        <p:spPr>
+          <a:xfrm>
+            <a:off x="6544817" y="3310686"/>
+            <a:ext cx="2231860" cy="523220"/>
+          </a:xfrm>
+          <a:prstGeom prst="rect">
+            <a:avLst/>
+          </a:prstGeom>
+          <a:noFill/>
+        </p:spPr>
+        <p:txBody>
+          <a:bodyPr wrap="square" rtlCol="0">
+            <a:spAutoFit/>
+          </a:bodyPr>
+          <a:lstStyle/>
+          <a:p>
+            <a:pPr algn="ctr"/>
+            <a:r>
+              <a:rPr lang="en-US" sz="2800" b="1" dirty="0">
+                <a:solidFill>
+                  <a:schemeClr val="bg1"/>
+                </a:solidFill>
+              </a:rPr>
+              <a:t>…</a:t>
+            </a:r>
+            <a:endParaRPr lang="en-GB" sz="2800" b="1" dirty="0">
+              <a:solidFill>
+                <a:schemeClr val="bg1"/>
+              </a:solidFill>
+            </a:endParaRPr>
+          </a:p>
+        </p:txBody>
+      </p:sp>
+      <p:pic>
+        <p:nvPicPr>
+          <p:cNvPr id="7" name="Picture 6">
+            <a:extLst>
+              <a:ext uri="{FF2B5EF4-FFF2-40B4-BE49-F238E27FC236}">
+                <a16:creationId xmlns:a16="http://schemas.microsoft.com/office/drawing/2014/main" id="{A1A730B4-1ABE-6A07-6E88-7F4450C0D07E}"/>
+              </a:ext>
+            </a:extLst>
+          </p:cNvPr>
+          <p:cNvPicPr>
+            <a:picLocks noChangeAspect="1"/>
+          </p:cNvPicPr>
+          <p:nvPr/>
+        </p:nvPicPr>
+        <p:blipFill rotWithShape="1">
+          <a:blip r:embed="rId4"/>
+          <a:srcRect t="1" r="51642" b="3834"/>
+          <a:stretch/>
+        </p:blipFill>
+        <p:spPr>
+          <a:xfrm>
+            <a:off x="726832" y="4233729"/>
+            <a:ext cx="2586412" cy="617214"/>
+          </a:xfrm>
+          <a:prstGeom prst="rect">
+            <a:avLst/>
+          </a:prstGeom>
+        </p:spPr>
+      </p:pic>
+      <p:sp>
+        <p:nvSpPr>
+          <p:cNvPr id="22" name="TextBox 21">
+            <a:extLst>
+              <a:ext uri="{FF2B5EF4-FFF2-40B4-BE49-F238E27FC236}">
+                <a16:creationId xmlns:a16="http://schemas.microsoft.com/office/drawing/2014/main" id="{63164246-56D6-D9ED-2D07-4E8DEE4BC3BB}"/>
+              </a:ext>
+            </a:extLst>
+          </p:cNvPr>
+          <p:cNvSpPr txBox="1"/>
+          <p:nvPr/>
+        </p:nvSpPr>
+        <p:spPr>
+          <a:xfrm>
+            <a:off x="572465" y="4771739"/>
+            <a:ext cx="2997509" cy="276999"/>
+          </a:xfrm>
+          <a:prstGeom prst="rect">
+            <a:avLst/>
+          </a:prstGeom>
+          <a:noFill/>
+        </p:spPr>
+        <p:txBody>
+          <a:bodyPr wrap="square" rtlCol="0">
+            <a:spAutoFit/>
+          </a:bodyPr>
+          <a:lstStyle/>
+          <a:p>
+            <a:pPr algn="ctr"/>
+            <a:r>
+              <a:rPr lang="en-US" sz="1200" b="1" dirty="0"/>
+              <a:t>Results</a:t>
+            </a:r>
+            <a:endParaRPr lang="en-GB" sz="1200" b="1" dirty="0"/>
+          </a:p>
+        </p:txBody>
+      </p:sp>
+      <p:pic>
+        <p:nvPicPr>
+          <p:cNvPr id="23" name="Picture 22">
+            <a:extLst>
+              <a:ext uri="{FF2B5EF4-FFF2-40B4-BE49-F238E27FC236}">
+                <a16:creationId xmlns:a16="http://schemas.microsoft.com/office/drawing/2014/main" id="{B85D65B6-B640-A6D4-F078-7415DB43E031}"/>
+              </a:ext>
+            </a:extLst>
+          </p:cNvPr>
+          <p:cNvPicPr>
+            <a:picLocks noChangeAspect="1"/>
+          </p:cNvPicPr>
+          <p:nvPr/>
+        </p:nvPicPr>
+        <p:blipFill>
+          <a:blip r:embed="rId5"/>
+          <a:stretch>
+            <a:fillRect/>
+          </a:stretch>
+        </p:blipFill>
+        <p:spPr>
+          <a:xfrm>
+            <a:off x="3841314" y="4529783"/>
+            <a:ext cx="2703503" cy="276998"/>
+          </a:xfrm>
+          <a:prstGeom prst="rect">
+            <a:avLst/>
+          </a:prstGeom>
+        </p:spPr>
+      </p:pic>
+      <p:sp>
+        <p:nvSpPr>
+          <p:cNvPr id="24" name="TextBox 23">
+            <a:extLst>
+              <a:ext uri="{FF2B5EF4-FFF2-40B4-BE49-F238E27FC236}">
+                <a16:creationId xmlns:a16="http://schemas.microsoft.com/office/drawing/2014/main" id="{87B1038B-28E3-BC09-20C1-EEDADB2EB106}"/>
+              </a:ext>
+            </a:extLst>
+          </p:cNvPr>
+          <p:cNvSpPr txBox="1"/>
+          <p:nvPr/>
+        </p:nvSpPr>
+        <p:spPr>
+          <a:xfrm>
+            <a:off x="3694310" y="4771738"/>
+            <a:ext cx="2997509" cy="276999"/>
+          </a:xfrm>
+          <a:prstGeom prst="rect">
+            <a:avLst/>
+          </a:prstGeom>
+          <a:noFill/>
+        </p:spPr>
+        <p:txBody>
+          <a:bodyPr wrap="square" rtlCol="0">
+            <a:spAutoFit/>
+          </a:bodyPr>
+          <a:lstStyle/>
+          <a:p>
+            <a:pPr algn="ctr"/>
+            <a:r>
+              <a:rPr lang="en-US" sz="1200" b="1" dirty="0"/>
+              <a:t>Results</a:t>
+            </a:r>
+            <a:endParaRPr lang="en-GB" sz="1200" b="1" dirty="0"/>
+          </a:p>
+        </p:txBody>
+      </p:sp>
+      <p:sp>
+        <p:nvSpPr>
+          <p:cNvPr id="25" name="Arrow: Down 24">
+            <a:extLst>
+              <a:ext uri="{FF2B5EF4-FFF2-40B4-BE49-F238E27FC236}">
+                <a16:creationId xmlns:a16="http://schemas.microsoft.com/office/drawing/2014/main" id="{2B3C13F8-C984-DC01-5A46-03B3F42C739D}"/>
+              </a:ext>
+            </a:extLst>
+          </p:cNvPr>
+          <p:cNvSpPr/>
+          <p:nvPr/>
+        </p:nvSpPr>
+        <p:spPr>
+          <a:xfrm>
+            <a:off x="1664826" y="2955864"/>
+            <a:ext cx="749975" cy="325499"/>
+          </a:xfrm>
+          <a:prstGeom prst="downArrow">
+            <a:avLst/>
+          </a:prstGeom>
+          <a:solidFill>
+            <a:schemeClr val="bg1"/>
+          </a:solidFill>
+          <a:ln w="28575">
+            <a:solidFill>
+              <a:schemeClr val="tx1"/>
+            </a:solidFill>
+          </a:ln>
+        </p:spPr>
+        <p:style>
+          <a:lnRef idx="2">
+            <a:schemeClr val="accent1">
+              <a:shade val="50000"/>
+            </a:schemeClr>
+          </a:lnRef>
+          <a:fillRef idx="1">
+            <a:schemeClr val="accent1"/>
+          </a:fillRef>
+          <a:effectRef idx="0">
+            <a:schemeClr val="accent1"/>
+          </a:effectRef>
+          <a:fontRef idx="minor">
+            <a:schemeClr val="lt1"/>
+          </a:fontRef>
+        </p:style>
+        <p:txBody>
+          <a:bodyPr rtlCol="0" anchor="ctr"/>
+          <a:lstStyle/>
+          <a:p>
+            <a:pPr algn="ctr"/>
+            <a:endParaRPr lang="en-GB"/>
+          </a:p>
+        </p:txBody>
+      </p:sp>
+      <p:sp>
+        <p:nvSpPr>
+          <p:cNvPr id="26" name="Arrow: Down 25">
+            <a:extLst>
+              <a:ext uri="{FF2B5EF4-FFF2-40B4-BE49-F238E27FC236}">
+                <a16:creationId xmlns:a16="http://schemas.microsoft.com/office/drawing/2014/main" id="{2CF90122-8ACB-86A6-4F07-AA7EB6E4CC93}"/>
+              </a:ext>
+            </a:extLst>
+          </p:cNvPr>
+          <p:cNvSpPr/>
+          <p:nvPr/>
+        </p:nvSpPr>
+        <p:spPr>
+          <a:xfrm>
+            <a:off x="1664825" y="3958754"/>
+            <a:ext cx="749975" cy="325499"/>
+          </a:xfrm>
+          <a:prstGeom prst="downArrow">
+            <a:avLst/>
+          </a:prstGeom>
+          <a:solidFill>
+            <a:schemeClr val="bg1"/>
+          </a:solidFill>
+          <a:ln w="28575">
+            <a:solidFill>
+              <a:schemeClr val="tx1"/>
+            </a:solidFill>
+          </a:ln>
+        </p:spPr>
+        <p:style>
+          <a:lnRef idx="2">
+            <a:schemeClr val="accent1">
+              <a:shade val="50000"/>
+            </a:schemeClr>
+          </a:lnRef>
+          <a:fillRef idx="1">
+            <a:schemeClr val="accent1"/>
+          </a:fillRef>
+          <a:effectRef idx="0">
+            <a:schemeClr val="accent1"/>
+          </a:effectRef>
+          <a:fontRef idx="minor">
+            <a:schemeClr val="lt1"/>
+          </a:fontRef>
+        </p:style>
+        <p:txBody>
+          <a:bodyPr rtlCol="0" anchor="ctr"/>
+          <a:lstStyle/>
+          <a:p>
+            <a:pPr algn="ctr"/>
+            <a:endParaRPr lang="en-GB"/>
+          </a:p>
+        </p:txBody>
+      </p:sp>
+      <p:sp>
+        <p:nvSpPr>
+          <p:cNvPr id="27" name="Arrow: Down 26">
+            <a:extLst>
+              <a:ext uri="{FF2B5EF4-FFF2-40B4-BE49-F238E27FC236}">
+                <a16:creationId xmlns:a16="http://schemas.microsoft.com/office/drawing/2014/main" id="{45B41886-4849-81E0-3487-C38BC1DFDD22}"/>
+              </a:ext>
+            </a:extLst>
+          </p:cNvPr>
+          <p:cNvSpPr/>
+          <p:nvPr/>
+        </p:nvSpPr>
+        <p:spPr>
+          <a:xfrm>
+            <a:off x="4818076" y="3984386"/>
+            <a:ext cx="749975" cy="325499"/>
+          </a:xfrm>
+          <a:prstGeom prst="downArrow">
+            <a:avLst/>
+          </a:prstGeom>
+          <a:solidFill>
+            <a:schemeClr val="bg1"/>
+          </a:solidFill>
+          <a:ln w="28575">
+            <a:solidFill>
+              <a:schemeClr val="tx1"/>
+            </a:solidFill>
+          </a:ln>
+        </p:spPr>
+        <p:style>
+          <a:lnRef idx="2">
+            <a:schemeClr val="accent1">
+              <a:shade val="50000"/>
+            </a:schemeClr>
+          </a:lnRef>
+          <a:fillRef idx="1">
+            <a:schemeClr val="accent1"/>
+          </a:fillRef>
+          <a:effectRef idx="0">
+            <a:schemeClr val="accent1"/>
+          </a:effectRef>
+          <a:fontRef idx="minor">
+            <a:schemeClr val="lt1"/>
+          </a:fontRef>
+        </p:style>
+        <p:txBody>
+          <a:bodyPr rtlCol="0" anchor="ctr"/>
+          <a:lstStyle/>
+          <a:p>
+            <a:pPr algn="ctr"/>
+            <a:endParaRPr lang="en-GB"/>
+          </a:p>
+        </p:txBody>
+      </p:sp>
+      <p:sp>
+        <p:nvSpPr>
+          <p:cNvPr id="28" name="Arrow: Down 27">
+            <a:extLst>
+              <a:ext uri="{FF2B5EF4-FFF2-40B4-BE49-F238E27FC236}">
+                <a16:creationId xmlns:a16="http://schemas.microsoft.com/office/drawing/2014/main" id="{FF7F09BB-C232-E87F-CD4C-D04C6917AB87}"/>
+              </a:ext>
+            </a:extLst>
+          </p:cNvPr>
+          <p:cNvSpPr/>
+          <p:nvPr/>
+        </p:nvSpPr>
+        <p:spPr>
+          <a:xfrm>
+            <a:off x="4818075" y="2950600"/>
+            <a:ext cx="749975" cy="325499"/>
+          </a:xfrm>
+          <a:prstGeom prst="downArrow">
+            <a:avLst/>
+          </a:prstGeom>
+          <a:solidFill>
+            <a:schemeClr val="bg1"/>
+          </a:solidFill>
+          <a:ln w="28575">
+            <a:solidFill>
+              <a:schemeClr val="tx1"/>
+            </a:solidFill>
+          </a:ln>
+        </p:spPr>
+        <p:style>
+          <a:lnRef idx="2">
+            <a:schemeClr val="accent1">
+              <a:shade val="50000"/>
+            </a:schemeClr>
+          </a:lnRef>
+          <a:fillRef idx="1">
+            <a:schemeClr val="accent1"/>
+          </a:fillRef>
+          <a:effectRef idx="0">
+            <a:schemeClr val="accent1"/>
+          </a:effectRef>
+          <a:fontRef idx="minor">
+            <a:schemeClr val="lt1"/>
+          </a:fontRef>
+        </p:style>
+        <p:txBody>
+          <a:bodyPr rtlCol="0" anchor="ctr"/>
+          <a:lstStyle/>
+          <a:p>
+            <a:pPr algn="ctr"/>
+            <a:endParaRPr lang="en-GB"/>
+          </a:p>
+        </p:txBody>
+      </p:sp>
+      <p:sp>
+        <p:nvSpPr>
+          <p:cNvPr id="29" name="TextBox 28">
+            <a:extLst>
+              <a:ext uri="{FF2B5EF4-FFF2-40B4-BE49-F238E27FC236}">
+                <a16:creationId xmlns:a16="http://schemas.microsoft.com/office/drawing/2014/main" id="{8C6FD928-19A8-B6BA-15A7-C10A8192FCEB}"/>
+              </a:ext>
+            </a:extLst>
+          </p:cNvPr>
+          <p:cNvSpPr txBox="1"/>
+          <p:nvPr/>
+        </p:nvSpPr>
+        <p:spPr>
+          <a:xfrm>
+            <a:off x="4597243" y="6464784"/>
+            <a:ext cx="2997509" cy="369332"/>
+          </a:xfrm>
+          <a:prstGeom prst="rect">
+            <a:avLst/>
+          </a:prstGeom>
+          <a:noFill/>
+        </p:spPr>
+        <p:txBody>
+          <a:bodyPr wrap="square" rtlCol="0">
+            <a:spAutoFit/>
+          </a:bodyPr>
+          <a:lstStyle/>
+          <a:p>
+            <a:pPr algn="ctr"/>
+            <a:r>
+              <a:rPr lang="en-US" b="1" dirty="0"/>
+              <a:t>Results</a:t>
+            </a:r>
+            <a:endParaRPr lang="en-GB" b="1" dirty="0"/>
+          </a:p>
+        </p:txBody>
+      </p:sp>
+      <p:pic>
+        <p:nvPicPr>
+          <p:cNvPr id="31" name="Picture 30">
+            <a:extLst>
+              <a:ext uri="{FF2B5EF4-FFF2-40B4-BE49-F238E27FC236}">
+                <a16:creationId xmlns:a16="http://schemas.microsoft.com/office/drawing/2014/main" id="{AC6E121F-FA34-DCF2-472D-2FF4EB478817}"/>
+              </a:ext>
+            </a:extLst>
+          </p:cNvPr>
+          <p:cNvPicPr>
+            <a:picLocks noChangeAspect="1"/>
+          </p:cNvPicPr>
+          <p:nvPr/>
+        </p:nvPicPr>
+        <p:blipFill>
+          <a:blip r:embed="rId6"/>
+          <a:stretch>
+            <a:fillRect/>
+          </a:stretch>
+        </p:blipFill>
+        <p:spPr>
+          <a:xfrm>
+            <a:off x="4909969" y="5868646"/>
+            <a:ext cx="2372056" cy="685896"/>
+          </a:xfrm>
+          <a:prstGeom prst="rect">
+            <a:avLst/>
+          </a:prstGeom>
+        </p:spPr>
+      </p:pic>
+      <p:sp>
+        <p:nvSpPr>
+          <p:cNvPr id="32" name="Arrow: Down 31">
+            <a:extLst>
+              <a:ext uri="{FF2B5EF4-FFF2-40B4-BE49-F238E27FC236}">
+                <a16:creationId xmlns:a16="http://schemas.microsoft.com/office/drawing/2014/main" id="{28DB683B-9239-64BB-FE81-436B4B23A6D6}"/>
+              </a:ext>
+            </a:extLst>
+          </p:cNvPr>
+          <p:cNvSpPr/>
+          <p:nvPr/>
+        </p:nvSpPr>
+        <p:spPr>
+          <a:xfrm rot="16200000">
+            <a:off x="3126881" y="1643365"/>
+            <a:ext cx="1022370" cy="1086336"/>
+          </a:xfrm>
+          <a:prstGeom prst="downArrow">
+            <a:avLst/>
+          </a:prstGeom>
+          <a:solidFill>
+            <a:schemeClr val="bg1"/>
+          </a:solidFill>
+          <a:ln w="28575">
+            <a:solidFill>
+              <a:schemeClr val="tx1"/>
+            </a:solidFill>
+          </a:ln>
+        </p:spPr>
+        <p:style>
+          <a:lnRef idx="2">
+            <a:schemeClr val="accent1">
+              <a:shade val="50000"/>
+            </a:schemeClr>
+          </a:lnRef>
+          <a:fillRef idx="1">
+            <a:schemeClr val="accent1"/>
+          </a:fillRef>
+          <a:effectRef idx="0">
+            <a:schemeClr val="accent1"/>
+          </a:effectRef>
+          <a:fontRef idx="minor">
+            <a:schemeClr val="lt1"/>
+          </a:fontRef>
+        </p:style>
+        <p:txBody>
+          <a:bodyPr rtlCol="0" anchor="ctr"/>
+          <a:lstStyle/>
+          <a:p>
+            <a:pPr algn="ctr"/>
+            <a:endParaRPr lang="en-GB"/>
+          </a:p>
+        </p:txBody>
+      </p:sp>
+      <p:pic>
+        <p:nvPicPr>
+          <p:cNvPr id="34" name="Picture 33">
+            <a:extLst>
+              <a:ext uri="{FF2B5EF4-FFF2-40B4-BE49-F238E27FC236}">
+                <a16:creationId xmlns:a16="http://schemas.microsoft.com/office/drawing/2014/main" id="{531E97FE-85C9-DB88-86AB-1D37A85B6C74}"/>
+              </a:ext>
+            </a:extLst>
+          </p:cNvPr>
+          <p:cNvPicPr>
+            <a:picLocks noChangeAspect="1"/>
+          </p:cNvPicPr>
+          <p:nvPr/>
+        </p:nvPicPr>
+        <p:blipFill>
+          <a:blip r:embed="rId7"/>
+          <a:stretch>
+            <a:fillRect/>
+          </a:stretch>
+        </p:blipFill>
+        <p:spPr>
+          <a:xfrm>
+            <a:off x="3160940" y="1996959"/>
+            <a:ext cx="724001" cy="362001"/>
+          </a:xfrm>
+          <a:prstGeom prst="rect">
+            <a:avLst/>
+          </a:prstGeom>
+        </p:spPr>
+      </p:pic>
+      <p:sp>
+        <p:nvSpPr>
+          <p:cNvPr id="35" name="Arrow: Down 34">
+            <a:extLst>
+              <a:ext uri="{FF2B5EF4-FFF2-40B4-BE49-F238E27FC236}">
+                <a16:creationId xmlns:a16="http://schemas.microsoft.com/office/drawing/2014/main" id="{370ACAB3-91AD-8C9C-B101-E8E103E78C11}"/>
+              </a:ext>
+            </a:extLst>
+          </p:cNvPr>
+          <p:cNvSpPr/>
+          <p:nvPr/>
+        </p:nvSpPr>
+        <p:spPr>
+          <a:xfrm rot="16200000">
+            <a:off x="6337454" y="1637729"/>
+            <a:ext cx="1022370" cy="1086336"/>
+          </a:xfrm>
+          <a:prstGeom prst="downArrow">
+            <a:avLst/>
+          </a:prstGeom>
+          <a:solidFill>
+            <a:schemeClr val="bg1"/>
+          </a:solidFill>
+          <a:ln w="28575">
+            <a:solidFill>
+              <a:schemeClr val="tx1"/>
+            </a:solidFill>
+          </a:ln>
+        </p:spPr>
+        <p:style>
+          <a:lnRef idx="2">
+            <a:schemeClr val="accent1">
+              <a:shade val="50000"/>
+            </a:schemeClr>
+          </a:lnRef>
+          <a:fillRef idx="1">
+            <a:schemeClr val="accent1"/>
+          </a:fillRef>
+          <a:effectRef idx="0">
+            <a:schemeClr val="accent1"/>
+          </a:effectRef>
+          <a:fontRef idx="minor">
+            <a:schemeClr val="lt1"/>
+          </a:fontRef>
+        </p:style>
+        <p:txBody>
+          <a:bodyPr rtlCol="0" anchor="ctr"/>
+          <a:lstStyle/>
+          <a:p>
+            <a:pPr algn="ctr"/>
+            <a:endParaRPr lang="en-GB"/>
+          </a:p>
+        </p:txBody>
+      </p:sp>
+      <p:pic>
+        <p:nvPicPr>
+          <p:cNvPr id="36" name="Picture 35">
+            <a:extLst>
+              <a:ext uri="{FF2B5EF4-FFF2-40B4-BE49-F238E27FC236}">
+                <a16:creationId xmlns:a16="http://schemas.microsoft.com/office/drawing/2014/main" id="{759FBF87-2848-D8E0-B2DA-7EA665D07002}"/>
+              </a:ext>
+            </a:extLst>
+          </p:cNvPr>
+          <p:cNvPicPr>
+            <a:picLocks noChangeAspect="1"/>
+          </p:cNvPicPr>
+          <p:nvPr/>
+        </p:nvPicPr>
+        <p:blipFill>
+          <a:blip r:embed="rId7"/>
+          <a:stretch>
+            <a:fillRect/>
+          </a:stretch>
+        </p:blipFill>
+        <p:spPr>
+          <a:xfrm>
+            <a:off x="6371513" y="1991323"/>
+            <a:ext cx="724001" cy="362001"/>
+          </a:xfrm>
+          <a:prstGeom prst="rect">
+            <a:avLst/>
+          </a:prstGeom>
+        </p:spPr>
+      </p:pic>
+      <p:sp>
+        <p:nvSpPr>
+          <p:cNvPr id="37" name="Arrow: Down 36">
+            <a:extLst>
+              <a:ext uri="{FF2B5EF4-FFF2-40B4-BE49-F238E27FC236}">
+                <a16:creationId xmlns:a16="http://schemas.microsoft.com/office/drawing/2014/main" id="{F2F88925-5155-7867-AFE2-587525F42C68}"/>
+              </a:ext>
+            </a:extLst>
+          </p:cNvPr>
+          <p:cNvSpPr/>
+          <p:nvPr/>
+        </p:nvSpPr>
+        <p:spPr>
+          <a:xfrm rot="16200000">
+            <a:off x="8241741" y="1648663"/>
+            <a:ext cx="1022370" cy="1086336"/>
+          </a:xfrm>
+          <a:prstGeom prst="downArrow">
+            <a:avLst/>
+          </a:prstGeom>
+          <a:solidFill>
+            <a:schemeClr val="bg1"/>
+          </a:solidFill>
+          <a:ln w="28575">
+            <a:solidFill>
+              <a:schemeClr val="tx1"/>
+            </a:solidFill>
+          </a:ln>
+        </p:spPr>
+        <p:style>
+          <a:lnRef idx="2">
+            <a:schemeClr val="accent1">
+              <a:shade val="50000"/>
+            </a:schemeClr>
+          </a:lnRef>
+          <a:fillRef idx="1">
+            <a:schemeClr val="accent1"/>
+          </a:fillRef>
+          <a:effectRef idx="0">
+            <a:schemeClr val="accent1"/>
+          </a:effectRef>
+          <a:fontRef idx="minor">
+            <a:schemeClr val="lt1"/>
+          </a:fontRef>
+        </p:style>
+        <p:txBody>
+          <a:bodyPr rtlCol="0" anchor="ctr"/>
+          <a:lstStyle/>
+          <a:p>
+            <a:pPr algn="ctr"/>
+            <a:endParaRPr lang="en-GB"/>
+          </a:p>
+        </p:txBody>
+      </p:sp>
+      <p:pic>
+        <p:nvPicPr>
+          <p:cNvPr id="38" name="Picture 37">
+            <a:extLst>
+              <a:ext uri="{FF2B5EF4-FFF2-40B4-BE49-F238E27FC236}">
+                <a16:creationId xmlns:a16="http://schemas.microsoft.com/office/drawing/2014/main" id="{4F51DF98-33C5-4DCD-0B5C-5BD5AE9B9E09}"/>
+              </a:ext>
+            </a:extLst>
+          </p:cNvPr>
+          <p:cNvPicPr>
+            <a:picLocks noChangeAspect="1"/>
+          </p:cNvPicPr>
+          <p:nvPr/>
+        </p:nvPicPr>
+        <p:blipFill>
+          <a:blip r:embed="rId7"/>
+          <a:stretch>
+            <a:fillRect/>
+          </a:stretch>
+        </p:blipFill>
+        <p:spPr>
+          <a:xfrm>
+            <a:off x="8275800" y="2002257"/>
+            <a:ext cx="724001" cy="362001"/>
+          </a:xfrm>
+          <a:prstGeom prst="rect">
+            <a:avLst/>
+          </a:prstGeom>
+        </p:spPr>
+      </p:pic>
+      <p:sp>
+        <p:nvSpPr>
+          <p:cNvPr id="39" name="TextBox 38">
+            <a:extLst>
+              <a:ext uri="{FF2B5EF4-FFF2-40B4-BE49-F238E27FC236}">
+                <a16:creationId xmlns:a16="http://schemas.microsoft.com/office/drawing/2014/main" id="{C1BB5290-EEB3-0F44-1D49-9AB9C956F80C}"/>
+              </a:ext>
+            </a:extLst>
+          </p:cNvPr>
+          <p:cNvSpPr txBox="1"/>
+          <p:nvPr/>
+        </p:nvSpPr>
+        <p:spPr>
+          <a:xfrm>
+            <a:off x="6565758" y="1845396"/>
+            <a:ext cx="2231860" cy="523220"/>
+          </a:xfrm>
+          <a:prstGeom prst="rect">
+            <a:avLst/>
+          </a:prstGeom>
+          <a:noFill/>
+        </p:spPr>
+        <p:txBody>
+          <a:bodyPr wrap="square" rtlCol="0">
+            <a:spAutoFit/>
+          </a:bodyPr>
+          <a:lstStyle/>
+          <a:p>
+            <a:pPr algn="ctr"/>
+            <a:r>
+              <a:rPr lang="en-US" sz="2800" b="1" dirty="0">
+                <a:solidFill>
+                  <a:schemeClr val="bg1"/>
+                </a:solidFill>
+              </a:rPr>
+              <a:t>…</a:t>
+            </a:r>
+            <a:endParaRPr lang="en-GB" sz="2800" b="1" dirty="0">
+              <a:solidFill>
+                <a:schemeClr val="bg1"/>
+              </a:solidFill>
+            </a:endParaRPr>
+          </a:p>
+        </p:txBody>
+      </p:sp>
+    </p:spTree>
+    <p:extLst>
+      <p:ext uri="{BB962C8B-B14F-4D97-AF65-F5344CB8AC3E}">
+        <p14:creationId xmlns:p14="http://schemas.microsoft.com/office/powerpoint/2010/main" val="4127898596"/>
+      </p:ext>
+    </p:extLst>
+  </p:cSld>
+  <p:clrMapOvr>
+    <a:masterClrMapping/>
+  </p:clrMapOvr>
+</p:sld>
+</file>
+
+<file path=ppt/slides/slide23.xml><?xml version="1.0" encoding="utf-8"?>
+<p:sld xmlns:a="http://schemas.openxmlformats.org/drawingml/2006/main" xmlns:r="http://schemas.openxmlformats.org/officeDocument/2006/relationships" xmlns:p="http://schemas.openxmlformats.org/presentationml/2006/main">
+  <p:cSld>
+    <p:spTree>
+      <p:nvGrpSpPr>
+        <p:cNvPr id="1" name=""/>
+        <p:cNvGrpSpPr/>
+        <p:nvPr/>
+      </p:nvGrpSpPr>
+      <p:grpSpPr>
+        <a:xfrm>
+          <a:off x="0" y="0"/>
+          <a:ext cx="0" cy="0"/>
+          <a:chOff x="0" y="0"/>
+          <a:chExt cx="0" cy="0"/>
+        </a:xfrm>
+      </p:grpSpPr>
+      <p:sp>
+        <p:nvSpPr>
+          <p:cNvPr id="2" name="Title 1">
+            <a:extLst>
+              <a:ext uri="{FF2B5EF4-FFF2-40B4-BE49-F238E27FC236}">
+                <a16:creationId xmlns:a16="http://schemas.microsoft.com/office/drawing/2014/main" id="{B95ED79D-30A5-48F7-2924-417F40A9142F}"/>
+              </a:ext>
+            </a:extLst>
+          </p:cNvPr>
+          <p:cNvSpPr>
+            <a:spLocks noGrp="1"/>
+          </p:cNvSpPr>
+          <p:nvPr>
+            <p:ph type="title"/>
+          </p:nvPr>
+        </p:nvSpPr>
+        <p:spPr/>
+        <p:txBody>
+          <a:bodyPr/>
+          <a:lstStyle/>
+          <a:p>
+            <a:r>
+              <a:rPr lang="en-GB" dirty="0"/>
+              <a:t>Reference courses, in short</a:t>
+            </a:r>
+            <a:endParaRPr lang="en-SG" dirty="0"/>
+          </a:p>
+        </p:txBody>
+      </p:sp>
+      <p:sp>
+        <p:nvSpPr>
+          <p:cNvPr id="3" name="Content Placeholder 2">
+            <a:extLst>
+              <a:ext uri="{FF2B5EF4-FFF2-40B4-BE49-F238E27FC236}">
+                <a16:creationId xmlns:a16="http://schemas.microsoft.com/office/drawing/2014/main" id="{CB5FD5D5-C010-B10F-6D80-E41615A78B5C}"/>
+              </a:ext>
+            </a:extLst>
+          </p:cNvPr>
+          <p:cNvSpPr>
+            <a:spLocks noGrp="1"/>
+          </p:cNvSpPr>
+          <p:nvPr>
+            <p:ph idx="1"/>
+          </p:nvPr>
+        </p:nvSpPr>
+        <p:spPr>
+          <a:xfrm>
+            <a:off x="838200" y="1825624"/>
+            <a:ext cx="10515600" cy="5032375"/>
+          </a:xfrm>
+        </p:spPr>
+        <p:txBody>
+          <a:bodyPr/>
+          <a:lstStyle/>
+          <a:p>
+            <a:r>
+              <a:rPr lang="en-GB" dirty="0"/>
+              <a:t>If interested to learn more about parsers, the reference course is the Compiler course from Stanford</a:t>
+            </a:r>
+          </a:p>
+          <a:p>
+            <a:pPr marL="0" indent="0">
+              <a:buNone/>
+            </a:pPr>
+            <a:r>
+              <a:rPr lang="en-GB" dirty="0">
+                <a:hlinkClick r:id="rId2"/>
+              </a:rPr>
+              <a:t>https://web.stanford.edu/class/cs143/</a:t>
+            </a:r>
+            <a:r>
+              <a:rPr lang="en-GB" dirty="0"/>
+              <a:t> </a:t>
+            </a:r>
+          </a:p>
+          <a:p>
+            <a:r>
+              <a:rPr lang="en-GB" dirty="0"/>
+              <a:t>Available for free online and comes with video recordings</a:t>
+            </a:r>
+          </a:p>
+          <a:p>
+            <a:pPr marL="0" indent="0">
+              <a:buNone/>
+            </a:pPr>
+            <a:r>
+              <a:rPr lang="en-GB" dirty="0">
+                <a:hlinkClick r:id="rId3"/>
+              </a:rPr>
+              <a:t>https://www.edx.org/course/compilers</a:t>
+            </a:r>
+            <a:endParaRPr lang="en-GB" dirty="0"/>
+          </a:p>
+          <a:p>
+            <a:pPr marL="0" indent="0">
+              <a:buNone/>
+            </a:pPr>
+            <a:endParaRPr lang="en-GB" dirty="0"/>
+          </a:p>
+          <a:p>
+            <a:r>
+              <a:rPr lang="en-GB" dirty="0"/>
+              <a:t>SUTD Term 7 course? </a:t>
+            </a:r>
+            <a:r>
+              <a:rPr lang="en-GB" b="1" dirty="0"/>
+              <a:t>50.054 Compiler Design and Program Analysis, by Prof. Kenny Lu (in the case of functional programming).</a:t>
+            </a:r>
+          </a:p>
+          <a:p>
+            <a:pPr marL="0" indent="0">
+              <a:buNone/>
+            </a:pPr>
+            <a:r>
+              <a:rPr lang="en-GB" dirty="0"/>
+              <a:t>(Not yet added to ISTD course </a:t>
+            </a:r>
+            <a:r>
+              <a:rPr lang="en-GB" dirty="0" err="1"/>
+              <a:t>catalog</a:t>
+            </a:r>
+            <a:r>
+              <a:rPr lang="en-GB" dirty="0"/>
+              <a:t> as of 20/04/2023.)</a:t>
+            </a:r>
+          </a:p>
+          <a:p>
+            <a:pPr marL="0" indent="0">
+              <a:buNone/>
+            </a:pPr>
+            <a:r>
+              <a:rPr lang="en-GB" dirty="0"/>
+              <a:t>(Tentative syllabus to be shown in class!)</a:t>
+            </a:r>
+          </a:p>
+          <a:p>
+            <a:endParaRPr lang="en-SG" dirty="0"/>
+          </a:p>
+        </p:txBody>
+      </p:sp>
+    </p:spTree>
+    <p:extLst>
+      <p:ext uri="{BB962C8B-B14F-4D97-AF65-F5344CB8AC3E}">
+        <p14:creationId xmlns:p14="http://schemas.microsoft.com/office/powerpoint/2010/main" val="3459711679"/>
+      </p:ext>
+    </p:extLst>
+  </p:cSld>
+  <p:clrMapOvr>
+    <a:masterClrMapping/>
+  </p:clrMapOvr>
+</p:sld>
+</file>
+
+<file path=ppt/slides/slide24.xml><?xml version="1.0" encoding="utf-8"?>
+<p:sld xmlns:a="http://schemas.openxmlformats.org/drawingml/2006/main" xmlns:r="http://schemas.openxmlformats.org/officeDocument/2006/relationships" xmlns:p="http://schemas.openxmlformats.org/presentationml/2006/main">
+  <p:cSld>
+    <p:spTree>
+      <p:nvGrpSpPr>
+        <p:cNvPr id="1" name=""/>
+        <p:cNvGrpSpPr/>
+        <p:nvPr/>
+      </p:nvGrpSpPr>
+      <p:grpSpPr>
+        <a:xfrm>
+          <a:off x="0" y="0"/>
+          <a:ext cx="0" cy="0"/>
+          <a:chOff x="0" y="0"/>
+          <a:chExt cx="0" cy="0"/>
+        </a:xfrm>
+      </p:grpSpPr>
+      <p:sp>
+        <p:nvSpPr>
+          <p:cNvPr id="4" name="Title 3">
+            <a:extLst>
+              <a:ext uri="{FF2B5EF4-FFF2-40B4-BE49-F238E27FC236}">
+                <a16:creationId xmlns:a16="http://schemas.microsoft.com/office/drawing/2014/main" id="{8FE2A054-AEDE-AC12-628E-2FD8A4D54E8B}"/>
+              </a:ext>
+            </a:extLst>
+          </p:cNvPr>
+          <p:cNvSpPr>
+            <a:spLocks noGrp="1"/>
+          </p:cNvSpPr>
+          <p:nvPr>
+            <p:ph type="title"/>
+          </p:nvPr>
+        </p:nvSpPr>
+        <p:spPr/>
+        <p:txBody>
+          <a:bodyPr/>
+          <a:lstStyle/>
+          <a:p>
+            <a:r>
+              <a:rPr lang="en-GB" dirty="0"/>
+              <a:t>Your feedback matters!</a:t>
+            </a:r>
+            <a:endParaRPr lang="en-SG" dirty="0"/>
+          </a:p>
+        </p:txBody>
+      </p:sp>
+      <p:sp>
+        <p:nvSpPr>
+          <p:cNvPr id="5" name="Text Placeholder 4">
+            <a:extLst>
+              <a:ext uri="{FF2B5EF4-FFF2-40B4-BE49-F238E27FC236}">
+                <a16:creationId xmlns:a16="http://schemas.microsoft.com/office/drawing/2014/main" id="{B2C7CF9A-9E89-BEB3-0C75-4F0F8E3F4F5F}"/>
+              </a:ext>
+            </a:extLst>
+          </p:cNvPr>
+          <p:cNvSpPr>
+            <a:spLocks noGrp="1"/>
+          </p:cNvSpPr>
+          <p:nvPr>
+            <p:ph idx="1"/>
+          </p:nvPr>
+        </p:nvSpPr>
+        <p:spPr>
+          <a:xfrm>
+            <a:off x="838200" y="1825624"/>
+            <a:ext cx="10515600" cy="5032375"/>
+          </a:xfrm>
+        </p:spPr>
+        <p:txBody>
+          <a:bodyPr>
+            <a:normAutofit/>
+          </a:bodyPr>
+          <a:lstStyle/>
+          <a:p>
+            <a:pPr marL="0" indent="0">
+              <a:buNone/>
+            </a:pPr>
+            <a:r>
+              <a:rPr lang="en-GB" b="1" dirty="0"/>
+              <a:t>It is our first time trying this course, and as instructors, we learned a lot by trying it, but also realized a few things did not work out…</a:t>
+            </a:r>
+          </a:p>
+          <a:p>
+            <a:r>
+              <a:rPr lang="en-GB" dirty="0"/>
+              <a:t>Typically, 6 weeks is too short to teach all the concepts of compilers correctly (maybe we should shorten the C/C++ part to make room for compilers?).</a:t>
+            </a:r>
+          </a:p>
+          <a:p>
+            <a:r>
+              <a:rPr lang="en-GB" dirty="0"/>
+              <a:t>A </a:t>
+            </a:r>
+            <a:r>
+              <a:rPr lang="en-GB" b="1" dirty="0"/>
+              <a:t>lab session </a:t>
+            </a:r>
+            <a:r>
+              <a:rPr lang="en-GB" dirty="0"/>
+              <a:t>or two to have you </a:t>
+            </a:r>
+            <a:r>
+              <a:rPr lang="en-GB" b="1" dirty="0"/>
+              <a:t>implement some parsing/semantics checks, in a guided manner</a:t>
+            </a:r>
+            <a:r>
+              <a:rPr lang="en-GB" dirty="0"/>
+              <a:t>, would have been nice.</a:t>
+            </a:r>
+          </a:p>
+          <a:p>
+            <a:r>
+              <a:rPr lang="en-GB" dirty="0"/>
+              <a:t>Will improve for next run.</a:t>
+            </a:r>
+          </a:p>
+          <a:p>
+            <a:pPr marL="0" indent="0">
+              <a:buNone/>
+            </a:pPr>
+            <a:endParaRPr lang="en-GB" b="1" dirty="0"/>
+          </a:p>
+          <a:p>
+            <a:pPr marL="0" indent="0">
+              <a:buNone/>
+            </a:pPr>
+            <a:r>
+              <a:rPr lang="en-GB" b="1" dirty="0"/>
+              <a:t>Let us know if you have more feedback for us!</a:t>
+            </a:r>
+            <a:endParaRPr lang="en-SG" b="1" dirty="0"/>
+          </a:p>
+        </p:txBody>
+      </p:sp>
+    </p:spTree>
+    <p:extLst>
+      <p:ext uri="{BB962C8B-B14F-4D97-AF65-F5344CB8AC3E}">
+        <p14:creationId xmlns:p14="http://schemas.microsoft.com/office/powerpoint/2010/main" val="522565168"/>
+      </p:ext>
+    </p:extLst>
+  </p:cSld>
+  <p:clrMapOvr>
+    <a:masterClrMapping/>
+  </p:clrMapOvr>
+</p:sld>
+</file>
+
+<file path=ppt/slides/slide25.xml><?xml version="1.0" encoding="utf-8"?>
+<p:sld xmlns:a="http://schemas.openxmlformats.org/drawingml/2006/main" xmlns:r="http://schemas.openxmlformats.org/officeDocument/2006/relationships" xmlns:p="http://schemas.openxmlformats.org/presentationml/2006/main">
+  <p:cSld>
+    <p:spTree>
+      <p:nvGrpSpPr>
+        <p:cNvPr id="1" name=""/>
+        <p:cNvGrpSpPr/>
+        <p:nvPr/>
+      </p:nvGrpSpPr>
+      <p:grpSpPr>
+        <a:xfrm>
+          <a:off x="0" y="0"/>
+          <a:ext cx="0" cy="0"/>
+          <a:chOff x="0" y="0"/>
+          <a:chExt cx="0" cy="0"/>
+        </a:xfrm>
+      </p:grpSpPr>
+      <p:sp>
+        <p:nvSpPr>
+          <p:cNvPr id="4" name="Title 3">
+            <a:extLst>
+              <a:ext uri="{FF2B5EF4-FFF2-40B4-BE49-F238E27FC236}">
+                <a16:creationId xmlns:a16="http://schemas.microsoft.com/office/drawing/2014/main" id="{1785111C-B07E-3923-FCE2-D74905A772B3}"/>
+              </a:ext>
+            </a:extLst>
+          </p:cNvPr>
+          <p:cNvSpPr>
+            <a:spLocks noGrp="1"/>
+          </p:cNvSpPr>
+          <p:nvPr>
+            <p:ph type="title"/>
+          </p:nvPr>
+        </p:nvSpPr>
+        <p:spPr/>
+        <p:txBody>
+          <a:bodyPr/>
+          <a:lstStyle/>
+          <a:p>
+            <a:pPr algn="ctr"/>
+            <a:r>
+              <a:rPr lang="en-GB" dirty="0"/>
+              <a:t>The End</a:t>
+            </a:r>
+            <a:endParaRPr lang="en-SG" dirty="0"/>
+          </a:p>
+        </p:txBody>
+      </p:sp>
+      <p:sp>
+        <p:nvSpPr>
+          <p:cNvPr id="5" name="Content Placeholder 4">
+            <a:extLst>
+              <a:ext uri="{FF2B5EF4-FFF2-40B4-BE49-F238E27FC236}">
+                <a16:creationId xmlns:a16="http://schemas.microsoft.com/office/drawing/2014/main" id="{DEA102C9-0CB0-E5F5-07F4-58CA3CB367C4}"/>
+              </a:ext>
+            </a:extLst>
+          </p:cNvPr>
+          <p:cNvSpPr>
+            <a:spLocks noGrp="1"/>
+          </p:cNvSpPr>
+          <p:nvPr>
+            <p:ph idx="1"/>
+          </p:nvPr>
+        </p:nvSpPr>
+        <p:spPr/>
+        <p:txBody>
+          <a:bodyPr/>
+          <a:lstStyle/>
+          <a:p>
+            <a:pPr marL="0" indent="0">
+              <a:buNone/>
+            </a:pPr>
+            <a:r>
+              <a:rPr lang="en-GB" b="1" dirty="0"/>
+              <a:t>Also, remember: </a:t>
+            </a:r>
+            <a:r>
+              <a:rPr lang="en-GB" dirty="0"/>
+              <a:t>if the code is legal, but does not produce the </a:t>
+            </a:r>
+            <a:r>
+              <a:rPr lang="en-GB" dirty="0" err="1"/>
+              <a:t>behavior</a:t>
+            </a:r>
+            <a:r>
+              <a:rPr lang="en-GB" dirty="0"/>
+              <a:t> you expect, then it is not the compiler’s fault…</a:t>
+            </a:r>
+          </a:p>
+          <a:p>
+            <a:pPr marL="0" indent="0">
+              <a:buNone/>
+            </a:pPr>
+            <a:r>
+              <a:rPr lang="en-GB" dirty="0"/>
+              <a:t>The problem is…</a:t>
+            </a:r>
+            <a:endParaRPr lang="en-SG" dirty="0"/>
+          </a:p>
+        </p:txBody>
+      </p:sp>
+      <p:pic>
+        <p:nvPicPr>
+          <p:cNvPr id="6" name="Picture 5">
+            <a:extLst>
+              <a:ext uri="{FF2B5EF4-FFF2-40B4-BE49-F238E27FC236}">
+                <a16:creationId xmlns:a16="http://schemas.microsoft.com/office/drawing/2014/main" id="{E335C635-F7F5-FB7B-8822-4790AD6F6A11}"/>
+              </a:ext>
+            </a:extLst>
+          </p:cNvPr>
+          <p:cNvPicPr>
+            <a:picLocks noChangeAspect="1"/>
+          </p:cNvPicPr>
+          <p:nvPr/>
+        </p:nvPicPr>
+        <p:blipFill>
+          <a:blip r:embed="rId2"/>
+          <a:stretch>
+            <a:fillRect/>
+          </a:stretch>
+        </p:blipFill>
+        <p:spPr>
+          <a:xfrm>
+            <a:off x="3782201" y="3301024"/>
+            <a:ext cx="4627598" cy="3455376"/>
+          </a:xfrm>
+          <a:prstGeom prst="rect">
+            <a:avLst/>
+          </a:prstGeom>
+        </p:spPr>
+      </p:pic>
+    </p:spTree>
+    <p:extLst>
+      <p:ext uri="{BB962C8B-B14F-4D97-AF65-F5344CB8AC3E}">
+        <p14:creationId xmlns:p14="http://schemas.microsoft.com/office/powerpoint/2010/main" val="3336848367"/>
+      </p:ext>
+    </p:extLst>
+  </p:cSld>
+  <p:clrMapOvr>
+    <a:masterClrMapping/>
+  </p:clrMapOvr>
+  <p:timing>
+    <p:tnLst>
+      <p:par>
+        <p:cTn id="1" dur="indefinite" restart="never" nodeType="tmRoot">
+          <p:childTnLst>
+            <p:seq concurrent="1" nextAc="seek">
+              <p:cTn id="2" dur="indefinite" nodeType="mainSeq">
+                <p:childTnLst>
+                  <p:par>
+                    <p:cTn id="3" fill="hold">
+                      <p:stCondLst>
+                        <p:cond delay="indefinite"/>
+                      </p:stCondLst>
+                      <p:childTnLst>
+                        <p:par>
+                          <p:cTn id="4" fill="hold">
+                            <p:stCondLst>
+                              <p:cond delay="0"/>
+                            </p:stCondLst>
+                            <p:childTnLst>
+                              <p:par>
+                                <p:cTn id="5" presetID="10" presetClass="entr" presetSubtype="0" fill="hold" nodeType="clickEffect">
+                                  <p:stCondLst>
+                                    <p:cond delay="0"/>
+                                  </p:stCondLst>
+                                  <p:childTnLst>
+                                    <p:set>
+                                      <p:cBhvr>
+                                        <p:cTn id="6" dur="1" fill="hold">
+                                          <p:stCondLst>
+                                            <p:cond delay="0"/>
+                                          </p:stCondLst>
+                                        </p:cTn>
+                                        <p:tgtEl>
+                                          <p:spTgt spid="6"/>
+                                        </p:tgtEl>
+                                        <p:attrNameLst>
+                                          <p:attrName>style.visibility</p:attrName>
+                                        </p:attrNameLst>
+                                      </p:cBhvr>
+                                      <p:to>
+                                        <p:strVal val="visible"/>
+                                      </p:to>
+                                    </p:set>
+                                    <p:animEffect transition="in" filter="fade">
+                                      <p:cBhvr>
+                                        <p:cTn id="7" dur="3000"/>
+                                        <p:tgtEl>
+                                          <p:spTgt spid="6"/>
+                                        </p:tgtEl>
+                                      </p:cBhvr>
+                                    </p:animEffect>
+                                  </p:childTnLst>
+                                </p:cTn>
+                              </p:par>
+                            </p:childTnLst>
+                          </p:cTn>
+                        </p:par>
+                      </p:childTnLst>
+                    </p:cTn>
+                  </p:par>
+                </p:childTnLst>
+              </p:cTn>
+              <p:prevCondLst>
+                <p:cond evt="onPrev" delay="0">
+                  <p:tgtEl>
+                    <p:sldTgt/>
+                  </p:tgtEl>
+                </p:cond>
+              </p:prevCondLst>
+              <p:nextCondLst>
+                <p:cond evt="onNext" delay="0">
+                  <p:tgtEl>
+                    <p:sldTgt/>
+                  </p:tgtEl>
+                </p:cond>
+              </p:nextCondLst>
+            </p:seq>
+          </p:childTnLst>
+        </p:cTn>
+      </p:par>
+    </p:tnLst>
+  </p:timing>
+</p:sld>
+</file>
+
+<file path=ppt/slides/slide26.xml><?xml version="1.0" encoding="utf-8"?>
+<p:sld xmlns:a="http://schemas.openxmlformats.org/drawingml/2006/main" xmlns:r="http://schemas.openxmlformats.org/officeDocument/2006/relationships" xmlns:p="http://schemas.openxmlformats.org/presentationml/2006/main">
+  <p:cSld>
+    <p:spTree>
+      <p:nvGrpSpPr>
+        <p:cNvPr id="1" name=""/>
+        <p:cNvGrpSpPr/>
+        <p:nvPr/>
+      </p:nvGrpSpPr>
+      <p:grpSpPr>
+        <a:xfrm>
+          <a:off x="0" y="0"/>
+          <a:ext cx="0" cy="0"/>
+          <a:chOff x="0" y="0"/>
+          <a:chExt cx="0" cy="0"/>
+        </a:xfrm>
+      </p:grpSpPr>
+      <p:sp>
+        <p:nvSpPr>
+          <p:cNvPr id="4" name="Title 3">
+            <a:extLst>
+              <a:ext uri="{FF2B5EF4-FFF2-40B4-BE49-F238E27FC236}">
+                <a16:creationId xmlns:a16="http://schemas.microsoft.com/office/drawing/2014/main" id="{1785111C-B07E-3923-FCE2-D74905A772B3}"/>
+              </a:ext>
+            </a:extLst>
+          </p:cNvPr>
+          <p:cNvSpPr>
+            <a:spLocks noGrp="1"/>
+          </p:cNvSpPr>
+          <p:nvPr>
+            <p:ph type="title"/>
+          </p:nvPr>
+        </p:nvSpPr>
+        <p:spPr/>
+        <p:txBody>
+          <a:bodyPr/>
+          <a:lstStyle/>
+          <a:p>
+            <a:pPr algn="ctr"/>
+            <a:r>
+              <a:rPr lang="en-GB" dirty="0"/>
+              <a:t>The End</a:t>
+            </a:r>
+            <a:endParaRPr lang="en-SG" dirty="0"/>
+          </a:p>
+        </p:txBody>
+      </p:sp>
+      <p:sp>
+        <p:nvSpPr>
+          <p:cNvPr id="5" name="Content Placeholder 4">
+            <a:extLst>
+              <a:ext uri="{FF2B5EF4-FFF2-40B4-BE49-F238E27FC236}">
+                <a16:creationId xmlns:a16="http://schemas.microsoft.com/office/drawing/2014/main" id="{DEA102C9-0CB0-E5F5-07F4-58CA3CB367C4}"/>
+              </a:ext>
+            </a:extLst>
+          </p:cNvPr>
+          <p:cNvSpPr>
+            <a:spLocks noGrp="1"/>
+          </p:cNvSpPr>
+          <p:nvPr>
+            <p:ph idx="1"/>
+          </p:nvPr>
+        </p:nvSpPr>
+        <p:spPr/>
+        <p:txBody>
+          <a:bodyPr/>
+          <a:lstStyle/>
+          <a:p>
+            <a:pPr marL="0" indent="0">
+              <a:buNone/>
+            </a:pPr>
+            <a:r>
+              <a:rPr lang="en-GB" b="1" dirty="0"/>
+              <a:t>Also, remember: </a:t>
+            </a:r>
+            <a:r>
+              <a:rPr lang="en-GB" dirty="0"/>
+              <a:t>if the code is legal, but does not produce the </a:t>
+            </a:r>
+            <a:r>
+              <a:rPr lang="en-GB" dirty="0" err="1"/>
+              <a:t>behavior</a:t>
+            </a:r>
+            <a:r>
+              <a:rPr lang="en-GB" dirty="0"/>
+              <a:t> you expect, then it is not the compiler’s fault…</a:t>
+            </a:r>
+          </a:p>
+          <a:p>
+            <a:pPr marL="0" indent="0">
+              <a:buNone/>
+            </a:pPr>
+            <a:r>
+              <a:rPr lang="en-GB" dirty="0"/>
+              <a:t>The problem, in that case, is… </a:t>
+            </a:r>
+            <a:r>
+              <a:rPr lang="en-GB" b="1" dirty="0"/>
+              <a:t>You!</a:t>
+            </a:r>
+          </a:p>
+          <a:p>
+            <a:pPr marL="0" indent="0">
+              <a:buNone/>
+            </a:pPr>
+            <a:endParaRPr lang="en-GB" b="1" dirty="0"/>
+          </a:p>
+          <a:p>
+            <a:pPr marL="0" indent="0">
+              <a:buNone/>
+            </a:pPr>
+            <a:r>
+              <a:rPr lang="en-GB" b="1" dirty="0"/>
+              <a:t>It is not the compiler’s job to figure out</a:t>
+            </a:r>
+            <a:br>
+              <a:rPr lang="en-GB" b="1" dirty="0"/>
+            </a:br>
+            <a:r>
+              <a:rPr lang="en-GB" b="1" dirty="0"/>
+              <a:t>the logic you want your code to have!</a:t>
+            </a:r>
+          </a:p>
+          <a:p>
+            <a:pPr marL="0" indent="0">
+              <a:buNone/>
+            </a:pPr>
+            <a:r>
+              <a:rPr lang="en-GB" b="1" dirty="0"/>
+              <a:t>And debug it for you if it fails!</a:t>
+            </a:r>
+          </a:p>
+          <a:p>
+            <a:pPr marL="0" indent="0">
+              <a:buNone/>
+            </a:pPr>
+            <a:r>
+              <a:rPr lang="en-GB" b="1" dirty="0"/>
+              <a:t>(How would the compiler do it anyway?)</a:t>
+            </a:r>
+            <a:endParaRPr lang="en-SG" b="1" dirty="0"/>
+          </a:p>
+        </p:txBody>
+      </p:sp>
+      <p:pic>
+        <p:nvPicPr>
+          <p:cNvPr id="3" name="Picture 2">
+            <a:extLst>
+              <a:ext uri="{FF2B5EF4-FFF2-40B4-BE49-F238E27FC236}">
+                <a16:creationId xmlns:a16="http://schemas.microsoft.com/office/drawing/2014/main" id="{1BEAB48C-405C-DE62-7EE0-D0EEB3934E48}"/>
+              </a:ext>
+            </a:extLst>
+          </p:cNvPr>
+          <p:cNvPicPr>
+            <a:picLocks noChangeAspect="1"/>
+          </p:cNvPicPr>
+          <p:nvPr/>
+        </p:nvPicPr>
+        <p:blipFill>
+          <a:blip r:embed="rId2"/>
+          <a:stretch>
+            <a:fillRect/>
+          </a:stretch>
+        </p:blipFill>
+        <p:spPr>
+          <a:xfrm>
+            <a:off x="7236601" y="3175977"/>
+            <a:ext cx="4627598" cy="3455376"/>
+          </a:xfrm>
+          <a:prstGeom prst="rect">
+            <a:avLst/>
+          </a:prstGeom>
+        </p:spPr>
+      </p:pic>
+    </p:spTree>
+    <p:extLst>
+      <p:ext uri="{BB962C8B-B14F-4D97-AF65-F5344CB8AC3E}">
+        <p14:creationId xmlns:p14="http://schemas.microsoft.com/office/powerpoint/2010/main" val="118600443"/>
+      </p:ext>
+    </p:extLst>
+  </p:cSld>
+  <p:clrMapOvr>
+    <a:masterClrMapping/>
+  </p:clrMapOvr>
+</p:sld>
+</file>
+
+<file path=ppt/slides/slide3.xml><?xml version="1.0" encoding="utf-8"?>
+<p:sld xmlns:a="http://schemas.openxmlformats.org/drawingml/2006/main" xmlns:r="http://schemas.openxmlformats.org/officeDocument/2006/relationships" xmlns:p="http://schemas.openxmlformats.org/presentationml/2006/main">
+  <p:cSld>
+    <p:spTree>
+      <p:nvGrpSpPr>
+        <p:cNvPr id="1" name=""/>
+        <p:cNvGrpSpPr/>
+        <p:nvPr/>
+      </p:nvGrpSpPr>
+      <p:grpSpPr>
+        <a:xfrm>
+          <a:off x="0" y="0"/>
+          <a:ext cx="0" cy="0"/>
+          <a:chOff x="0" y="0"/>
+          <a:chExt cx="0" cy="0"/>
+        </a:xfrm>
+      </p:grpSpPr>
+      <p:sp>
+        <p:nvSpPr>
+          <p:cNvPr id="2" name="Title 1">
+            <a:extLst>
+              <a:ext uri="{FF2B5EF4-FFF2-40B4-BE49-F238E27FC236}">
+                <a16:creationId xmlns:a16="http://schemas.microsoft.com/office/drawing/2014/main" id="{B6569289-A142-5E7C-66C6-FCD7BDCA5FF3}"/>
+              </a:ext>
+            </a:extLst>
+          </p:cNvPr>
+          <p:cNvSpPr>
+            <a:spLocks noGrp="1"/>
+          </p:cNvSpPr>
+          <p:nvPr>
+            <p:ph type="title"/>
+          </p:nvPr>
+        </p:nvSpPr>
+        <p:spPr/>
+        <p:txBody>
+          <a:bodyPr/>
+          <a:lstStyle/>
+          <a:p>
+            <a:r>
+              <a:rPr lang="en-GB" dirty="0"/>
+              <a:t>In C/C++</a:t>
+            </a:r>
+            <a:endParaRPr lang="en-SG" dirty="0"/>
+          </a:p>
+        </p:txBody>
+      </p:sp>
+      <p:sp>
+        <p:nvSpPr>
+          <p:cNvPr id="3" name="Content Placeholder 2">
+            <a:extLst>
+              <a:ext uri="{FF2B5EF4-FFF2-40B4-BE49-F238E27FC236}">
+                <a16:creationId xmlns:a16="http://schemas.microsoft.com/office/drawing/2014/main" id="{4F1607F6-A120-7607-CB2E-C70E2C515EAE}"/>
+              </a:ext>
+            </a:extLst>
+          </p:cNvPr>
+          <p:cNvSpPr>
+            <a:spLocks noGrp="1"/>
+          </p:cNvSpPr>
+          <p:nvPr>
+            <p:ph idx="1"/>
+          </p:nvPr>
+        </p:nvSpPr>
+        <p:spPr/>
+        <p:txBody>
+          <a:bodyPr/>
+          <a:lstStyle/>
+          <a:p>
+            <a:pPr marL="0" indent="0">
+              <a:buNone/>
+            </a:pPr>
+            <a:r>
+              <a:rPr lang="en-GB" dirty="0"/>
+              <a:t>A good introduction to the C/C++ programming language</a:t>
+            </a:r>
+          </a:p>
+          <a:p>
+            <a:r>
+              <a:rPr lang="en-GB" dirty="0"/>
+              <a:t>Ability to program in C and C++</a:t>
+            </a:r>
+          </a:p>
+          <a:p>
+            <a:r>
+              <a:rPr lang="en-GB" dirty="0"/>
+              <a:t>Understand how memory is used to store data and instructions, when dynamic typing is not a feature (data types declarations, arrays, pointers, etc.)</a:t>
+            </a:r>
+          </a:p>
+          <a:p>
+            <a:r>
+              <a:rPr lang="en-GB" dirty="0"/>
+              <a:t>Understand the imperative programming paradigm</a:t>
+            </a:r>
+          </a:p>
+          <a:p>
+            <a:r>
+              <a:rPr lang="en-GB" dirty="0"/>
+              <a:t>A cleaner object-oriented framework in the case of C++ (because the Python framework is kind-of-bad, to be honest).</a:t>
+            </a:r>
+          </a:p>
+          <a:p>
+            <a:r>
+              <a:rPr lang="en-GB" dirty="0"/>
+              <a:t>(The mother of all programming languages?)</a:t>
+            </a:r>
+          </a:p>
+          <a:p>
+            <a:endParaRPr lang="en-SG" dirty="0"/>
+          </a:p>
+        </p:txBody>
+      </p:sp>
+    </p:spTree>
+    <p:extLst>
+      <p:ext uri="{BB962C8B-B14F-4D97-AF65-F5344CB8AC3E}">
+        <p14:creationId xmlns:p14="http://schemas.microsoft.com/office/powerpoint/2010/main" val="2409001351"/>
+      </p:ext>
+    </p:extLst>
+  </p:cSld>
+  <p:clrMapOvr>
+    <a:masterClrMapping/>
+  </p:clrMapOvr>
+</p:sld>
+</file>
+
+<file path=ppt/slides/slide4.xml><?xml version="1.0" encoding="utf-8"?>
+<p:sld xmlns:a="http://schemas.openxmlformats.org/drawingml/2006/main" xmlns:r="http://schemas.openxmlformats.org/officeDocument/2006/relationships" xmlns:p="http://schemas.openxmlformats.org/presentationml/2006/main">
+  <p:cSld>
+    <p:spTree>
+      <p:nvGrpSpPr>
+        <p:cNvPr id="1" name=""/>
+        <p:cNvGrpSpPr/>
+        <p:nvPr/>
+      </p:nvGrpSpPr>
+      <p:grpSpPr>
+        <a:xfrm>
+          <a:off x="0" y="0"/>
+          <a:ext cx="0" cy="0"/>
+          <a:chOff x="0" y="0"/>
+          <a:chExt cx="0" cy="0"/>
+        </a:xfrm>
+      </p:grpSpPr>
+      <p:sp>
+        <p:nvSpPr>
+          <p:cNvPr id="2" name="Title 1">
+            <a:extLst>
+              <a:ext uri="{FF2B5EF4-FFF2-40B4-BE49-F238E27FC236}">
+                <a16:creationId xmlns:a16="http://schemas.microsoft.com/office/drawing/2014/main" id="{A9BFA278-F63F-0FC4-C1A6-6A3942BB4892}"/>
+              </a:ext>
+            </a:extLst>
+          </p:cNvPr>
+          <p:cNvSpPr>
+            <a:spLocks noGrp="1"/>
+          </p:cNvSpPr>
+          <p:nvPr>
+            <p:ph type="title"/>
+          </p:nvPr>
+        </p:nvSpPr>
+        <p:spPr/>
+        <p:txBody>
+          <a:bodyPr/>
+          <a:lstStyle/>
+          <a:p>
+            <a:r>
+              <a:rPr lang="en-GB" dirty="0"/>
+              <a:t>Perfect your learning of C/C++</a:t>
+            </a:r>
+            <a:endParaRPr lang="en-SG" dirty="0"/>
+          </a:p>
+        </p:txBody>
+      </p:sp>
+      <p:sp>
+        <p:nvSpPr>
+          <p:cNvPr id="3" name="Content Placeholder 2">
+            <a:extLst>
+              <a:ext uri="{FF2B5EF4-FFF2-40B4-BE49-F238E27FC236}">
+                <a16:creationId xmlns:a16="http://schemas.microsoft.com/office/drawing/2014/main" id="{D555FB05-CD3C-E26E-AC2D-4F864DD4EB90}"/>
+              </a:ext>
+            </a:extLst>
+          </p:cNvPr>
+          <p:cNvSpPr>
+            <a:spLocks noGrp="1"/>
+          </p:cNvSpPr>
+          <p:nvPr>
+            <p:ph idx="1"/>
+          </p:nvPr>
+        </p:nvSpPr>
+        <p:spPr/>
+        <p:txBody>
+          <a:bodyPr/>
+          <a:lstStyle/>
+          <a:p>
+            <a:pPr marL="0" indent="0">
+              <a:buNone/>
+            </a:pPr>
+            <a:r>
+              <a:rPr lang="en-GB" b="1" dirty="0"/>
+              <a:t>Important: 6 weeks of C/C++ is not enough to master the language!</a:t>
+            </a:r>
+          </a:p>
+          <a:p>
+            <a:r>
+              <a:rPr lang="en-SG" dirty="0"/>
+              <a:t>Keep on practicing!</a:t>
+            </a:r>
+          </a:p>
+          <a:p>
+            <a:r>
+              <a:rPr lang="en-SG" dirty="0"/>
+              <a:t>Try coming up with a portfolio of projects in C/C++?</a:t>
+            </a:r>
+          </a:p>
+          <a:p>
+            <a:r>
+              <a:rPr lang="en-SG" dirty="0"/>
+              <a:t>Some ideas could include translating your previous Python projects in C, or additional ideas.</a:t>
+            </a:r>
+          </a:p>
+          <a:p>
+            <a:r>
+              <a:rPr lang="en-SG" dirty="0"/>
+              <a:t>Keep it fun for you!</a:t>
+            </a:r>
+          </a:p>
+          <a:p>
+            <a:pPr marL="0" indent="0">
+              <a:buNone/>
+            </a:pPr>
+            <a:endParaRPr lang="en-SG" dirty="0"/>
+          </a:p>
+          <a:p>
+            <a:pPr marL="0" indent="0">
+              <a:buNone/>
+            </a:pPr>
+            <a:r>
+              <a:rPr lang="en-SG" b="1" dirty="0"/>
+              <a:t>Some general ideas: </a:t>
+            </a:r>
+            <a:r>
+              <a:rPr lang="en-SG" dirty="0">
+                <a:hlinkClick r:id="rId2"/>
+              </a:rPr>
+              <a:t>https://hackr.io/blog/cpp-projects</a:t>
+            </a:r>
+            <a:r>
+              <a:rPr lang="en-SG" dirty="0"/>
+              <a:t>  </a:t>
+            </a:r>
+          </a:p>
+        </p:txBody>
+      </p:sp>
+    </p:spTree>
+    <p:extLst>
+      <p:ext uri="{BB962C8B-B14F-4D97-AF65-F5344CB8AC3E}">
+        <p14:creationId xmlns:p14="http://schemas.microsoft.com/office/powerpoint/2010/main" val="3021547445"/>
+      </p:ext>
+    </p:extLst>
+  </p:cSld>
+  <p:clrMapOvr>
+    <a:masterClrMapping/>
+  </p:clrMapOvr>
+</p:sld>
+</file>
+
+<file path=ppt/slides/slide5.xml><?xml version="1.0" encoding="utf-8"?>
+<p:sld xmlns:a="http://schemas.openxmlformats.org/drawingml/2006/main" xmlns:r="http://schemas.openxmlformats.org/officeDocument/2006/relationships" xmlns:p="http://schemas.openxmlformats.org/presentationml/2006/main">
+  <p:cSld>
+    <p:spTree>
+      <p:nvGrpSpPr>
+        <p:cNvPr id="1" name=""/>
+        <p:cNvGrpSpPr/>
+        <p:nvPr/>
+      </p:nvGrpSpPr>
+      <p:grpSpPr>
+        <a:xfrm>
+          <a:off x="0" y="0"/>
+          <a:ext cx="0" cy="0"/>
+          <a:chOff x="0" y="0"/>
+          <a:chExt cx="0" cy="0"/>
+        </a:xfrm>
+      </p:grpSpPr>
+      <p:sp>
+        <p:nvSpPr>
+          <p:cNvPr id="2" name="Title 1">
+            <a:extLst>
+              <a:ext uri="{FF2B5EF4-FFF2-40B4-BE49-F238E27FC236}">
+                <a16:creationId xmlns:a16="http://schemas.microsoft.com/office/drawing/2014/main" id="{668BE050-84A5-A8A8-CD07-ABB862FE2D96}"/>
+              </a:ext>
+            </a:extLst>
+          </p:cNvPr>
+          <p:cNvSpPr>
+            <a:spLocks noGrp="1"/>
+          </p:cNvSpPr>
+          <p:nvPr>
+            <p:ph type="title"/>
+          </p:nvPr>
+        </p:nvSpPr>
+        <p:spPr/>
+        <p:txBody>
+          <a:bodyPr/>
+          <a:lstStyle/>
+          <a:p>
+            <a:r>
+              <a:rPr lang="en-GB" dirty="0"/>
+              <a:t>Learn C#</a:t>
+            </a:r>
+            <a:endParaRPr lang="en-SG" dirty="0"/>
+          </a:p>
+        </p:txBody>
+      </p:sp>
+      <p:sp>
+        <p:nvSpPr>
+          <p:cNvPr id="3" name="Content Placeholder 2">
+            <a:extLst>
+              <a:ext uri="{FF2B5EF4-FFF2-40B4-BE49-F238E27FC236}">
+                <a16:creationId xmlns:a16="http://schemas.microsoft.com/office/drawing/2014/main" id="{644B1A13-4E22-54A2-D321-8F24F27A9C5F}"/>
+              </a:ext>
+            </a:extLst>
+          </p:cNvPr>
+          <p:cNvSpPr>
+            <a:spLocks noGrp="1"/>
+          </p:cNvSpPr>
+          <p:nvPr>
+            <p:ph idx="1"/>
+          </p:nvPr>
+        </p:nvSpPr>
+        <p:spPr/>
+        <p:txBody>
+          <a:bodyPr/>
+          <a:lstStyle/>
+          <a:p>
+            <a:pPr marL="0" indent="0">
+              <a:buNone/>
+            </a:pPr>
+            <a:r>
+              <a:rPr lang="en-GB" dirty="0"/>
+              <a:t>In the same family of C/C++, it might be worth looking at C# as well</a:t>
+            </a:r>
+          </a:p>
+          <a:p>
+            <a:r>
+              <a:rPr lang="en-GB" dirty="0"/>
+              <a:t>C# is a high-level, object-oriented programming language that was developed by Microsoft as part of the .NET platform.</a:t>
+            </a:r>
+          </a:p>
+          <a:p>
+            <a:r>
+              <a:rPr lang="en-GB" dirty="0"/>
+              <a:t>C# is designed to be simple, modern, and easy to learn.</a:t>
+            </a:r>
+          </a:p>
+          <a:p>
+            <a:r>
+              <a:rPr lang="en-GB" dirty="0"/>
+              <a:t>It offers features such as garbage collection, type safety, and simplified memory management, that C/C++ does not have.</a:t>
+            </a:r>
+          </a:p>
+          <a:p>
+            <a:pPr marL="0" indent="0">
+              <a:buNone/>
+            </a:pPr>
+            <a:endParaRPr lang="en-GB" dirty="0"/>
+          </a:p>
+          <a:p>
+            <a:pPr marL="0" indent="0">
+              <a:buNone/>
+            </a:pPr>
+            <a:r>
+              <a:rPr lang="en-GB" dirty="0"/>
+              <a:t>Good online course, here: </a:t>
+            </a:r>
+            <a:r>
+              <a:rPr lang="en-GB" dirty="0">
+                <a:hlinkClick r:id="rId2"/>
+              </a:rPr>
+              <a:t>https://learn.microsoft.com/en-us/shows/csharp-fundamentals-for-absolute-beginners/</a:t>
+            </a:r>
+            <a:endParaRPr lang="en-GB" dirty="0"/>
+          </a:p>
+          <a:p>
+            <a:endParaRPr lang="en-SG" dirty="0"/>
+          </a:p>
+        </p:txBody>
+      </p:sp>
+    </p:spTree>
+    <p:extLst>
+      <p:ext uri="{BB962C8B-B14F-4D97-AF65-F5344CB8AC3E}">
+        <p14:creationId xmlns:p14="http://schemas.microsoft.com/office/powerpoint/2010/main" val="2031412711"/>
+      </p:ext>
+    </p:extLst>
+  </p:cSld>
+  <p:clrMapOvr>
+    <a:masterClrMapping/>
+  </p:clrMapOvr>
+</p:sld>
+</file>
+
+<file path=ppt/slides/slide6.xml><?xml version="1.0" encoding="utf-8"?>
+<p:sld xmlns:a="http://schemas.openxmlformats.org/drawingml/2006/main" xmlns:r="http://schemas.openxmlformats.org/officeDocument/2006/relationships" xmlns:p="http://schemas.openxmlformats.org/presentationml/2006/main">
+  <p:cSld>
+    <p:spTree>
+      <p:nvGrpSpPr>
+        <p:cNvPr id="1" name=""/>
+        <p:cNvGrpSpPr/>
+        <p:nvPr/>
+      </p:nvGrpSpPr>
+      <p:grpSpPr>
+        <a:xfrm>
+          <a:off x="0" y="0"/>
+          <a:ext cx="0" cy="0"/>
+          <a:chOff x="0" y="0"/>
+          <a:chExt cx="0" cy="0"/>
+        </a:xfrm>
+      </p:grpSpPr>
+      <p:sp>
+        <p:nvSpPr>
+          <p:cNvPr id="2" name="Title 1">
+            <a:extLst>
+              <a:ext uri="{FF2B5EF4-FFF2-40B4-BE49-F238E27FC236}">
+                <a16:creationId xmlns:a16="http://schemas.microsoft.com/office/drawing/2014/main" id="{5ADB09BB-FE42-EE7B-C44E-14FDD6082E2A}"/>
+              </a:ext>
+            </a:extLst>
+          </p:cNvPr>
+          <p:cNvSpPr>
+            <a:spLocks noGrp="1"/>
+          </p:cNvSpPr>
+          <p:nvPr>
+            <p:ph type="title"/>
+          </p:nvPr>
+        </p:nvSpPr>
+        <p:spPr/>
+        <p:txBody>
+          <a:bodyPr/>
+          <a:lstStyle/>
+          <a:p>
+            <a:r>
+              <a:rPr lang="en-GB" dirty="0"/>
+              <a:t>Keep an eye on Google Carbon?</a:t>
+            </a:r>
+            <a:endParaRPr lang="en-SG" dirty="0"/>
+          </a:p>
+        </p:txBody>
+      </p:sp>
+      <p:pic>
+        <p:nvPicPr>
+          <p:cNvPr id="5" name="Picture 4">
+            <a:extLst>
+              <a:ext uri="{FF2B5EF4-FFF2-40B4-BE49-F238E27FC236}">
+                <a16:creationId xmlns:a16="http://schemas.microsoft.com/office/drawing/2014/main" id="{F7995E31-D5D2-06F8-4893-5545CD8080E2}"/>
+              </a:ext>
+            </a:extLst>
+          </p:cNvPr>
+          <p:cNvPicPr>
+            <a:picLocks noChangeAspect="1"/>
+          </p:cNvPicPr>
+          <p:nvPr/>
+        </p:nvPicPr>
+        <p:blipFill>
+          <a:blip r:embed="rId2"/>
+          <a:stretch>
+            <a:fillRect/>
+          </a:stretch>
+        </p:blipFill>
+        <p:spPr>
+          <a:xfrm>
+            <a:off x="1837730" y="1614234"/>
+            <a:ext cx="8516539" cy="3629532"/>
+          </a:xfrm>
+          <a:prstGeom prst="rect">
+            <a:avLst/>
+          </a:prstGeom>
+          <a:ln w="38100" cap="sq">
+            <a:solidFill>
+              <a:srgbClr val="000000"/>
+            </a:solidFill>
+            <a:prstDash val="solid"/>
+            <a:miter lim="800000"/>
+          </a:ln>
+          <a:effectLst>
+            <a:outerShdw blurRad="50800" dist="38100" dir="2700000" algn="tl" rotWithShape="0">
+              <a:srgbClr val="000000">
+                <a:alpha val="43000"/>
+              </a:srgbClr>
+            </a:outerShdw>
+          </a:effectLst>
+        </p:spPr>
+      </p:pic>
+      <p:sp>
+        <p:nvSpPr>
+          <p:cNvPr id="6" name="TextBox 5">
+            <a:extLst>
+              <a:ext uri="{FF2B5EF4-FFF2-40B4-BE49-F238E27FC236}">
+                <a16:creationId xmlns:a16="http://schemas.microsoft.com/office/drawing/2014/main" id="{46921A13-5BD9-72A1-33B3-8DE93581373B}"/>
+              </a:ext>
+            </a:extLst>
+          </p:cNvPr>
+          <p:cNvSpPr txBox="1"/>
+          <p:nvPr/>
+        </p:nvSpPr>
+        <p:spPr>
+          <a:xfrm>
+            <a:off x="615820" y="5402424"/>
+            <a:ext cx="11280711" cy="1200329"/>
+          </a:xfrm>
+          <a:prstGeom prst="rect">
+            <a:avLst/>
+          </a:prstGeom>
+          <a:noFill/>
+        </p:spPr>
+        <p:txBody>
+          <a:bodyPr wrap="square" rtlCol="0">
+            <a:spAutoFit/>
+          </a:bodyPr>
+          <a:lstStyle/>
+          <a:p>
+            <a:r>
+              <a:rPr lang="en-GB" sz="2400" dirty="0"/>
+              <a:t>From Wikipedia: </a:t>
+            </a:r>
+            <a:r>
+              <a:rPr lang="en-GB" sz="2400" dirty="0">
+                <a:hlinkClick r:id="rId3"/>
+              </a:rPr>
+              <a:t>https://en.wikipedia.org/wiki/Carbon_(programming_language)</a:t>
+            </a:r>
+            <a:endParaRPr lang="en-GB" sz="2400" dirty="0"/>
+          </a:p>
+          <a:p>
+            <a:r>
+              <a:rPr lang="en-GB" sz="2400" dirty="0"/>
+              <a:t>Some courses start to emerge: </a:t>
+            </a:r>
+            <a:r>
+              <a:rPr lang="en-GB" sz="2400" dirty="0">
+                <a:hlinkClick r:id="rId4"/>
+              </a:rPr>
+              <a:t>https://betterprogramming.pub/carbon-programming-language-tutorial-6d67b4cc16ae</a:t>
+            </a:r>
+            <a:r>
+              <a:rPr lang="en-GB" sz="2400" dirty="0"/>
+              <a:t> </a:t>
+            </a:r>
+            <a:endParaRPr lang="en-SG" sz="2400" dirty="0"/>
+          </a:p>
+        </p:txBody>
+      </p:sp>
+    </p:spTree>
+    <p:extLst>
+      <p:ext uri="{BB962C8B-B14F-4D97-AF65-F5344CB8AC3E}">
+        <p14:creationId xmlns:p14="http://schemas.microsoft.com/office/powerpoint/2010/main" val="2337322869"/>
+      </p:ext>
+    </p:extLst>
+  </p:cSld>
+  <p:clrMapOvr>
+    <a:masterClrMapping/>
+  </p:clrMapOvr>
+</p:sld>
+</file>
+
+<file path=ppt/slides/slide7.xml><?xml version="1.0" encoding="utf-8"?>
+<p:sld xmlns:a="http://schemas.openxmlformats.org/drawingml/2006/main" xmlns:r="http://schemas.openxmlformats.org/officeDocument/2006/relationships" xmlns:p="http://schemas.openxmlformats.org/presentationml/2006/main">
+  <p:cSld>
+    <p:spTree>
+      <p:nvGrpSpPr>
+        <p:cNvPr id="1" name=""/>
+        <p:cNvGrpSpPr/>
+        <p:nvPr/>
+      </p:nvGrpSpPr>
+      <p:grpSpPr>
+        <a:xfrm>
+          <a:off x="0" y="0"/>
+          <a:ext cx="0" cy="0"/>
+          <a:chOff x="0" y="0"/>
+          <a:chExt cx="0" cy="0"/>
+        </a:xfrm>
+      </p:grpSpPr>
+      <p:sp>
+        <p:nvSpPr>
+          <p:cNvPr id="5" name="Title 4">
+            <a:extLst>
+              <a:ext uri="{FF2B5EF4-FFF2-40B4-BE49-F238E27FC236}">
+                <a16:creationId xmlns:a16="http://schemas.microsoft.com/office/drawing/2014/main" id="{E59A8C5D-EB18-1525-5BEA-33B2EE64EEED}"/>
+              </a:ext>
+            </a:extLst>
+          </p:cNvPr>
+          <p:cNvSpPr>
+            <a:spLocks noGrp="1"/>
+          </p:cNvSpPr>
+          <p:nvPr>
+            <p:ph type="title"/>
+          </p:nvPr>
+        </p:nvSpPr>
+        <p:spPr/>
+        <p:txBody>
+          <a:bodyPr/>
+          <a:lstStyle/>
+          <a:p>
+            <a:r>
+              <a:rPr lang="en-GB" dirty="0"/>
+              <a:t>What we have seen this term</a:t>
+            </a:r>
+            <a:endParaRPr lang="en-SG" dirty="0"/>
+          </a:p>
+        </p:txBody>
+      </p:sp>
+      <p:sp>
+        <p:nvSpPr>
+          <p:cNvPr id="6" name="Text Placeholder 5">
+            <a:extLst>
+              <a:ext uri="{FF2B5EF4-FFF2-40B4-BE49-F238E27FC236}">
+                <a16:creationId xmlns:a16="http://schemas.microsoft.com/office/drawing/2014/main" id="{86C59FD5-A22C-0D4D-B67F-505AF3136FFF}"/>
+              </a:ext>
+            </a:extLst>
+          </p:cNvPr>
+          <p:cNvSpPr>
+            <a:spLocks noGrp="1"/>
+          </p:cNvSpPr>
+          <p:nvPr>
+            <p:ph type="body" idx="1"/>
+          </p:nvPr>
+        </p:nvSpPr>
+        <p:spPr/>
+        <p:txBody>
+          <a:bodyPr/>
+          <a:lstStyle/>
+          <a:p>
+            <a:r>
+              <a:rPr lang="en-GB" dirty="0"/>
+              <a:t>About compilers</a:t>
+            </a:r>
+            <a:endParaRPr lang="en-SG" dirty="0"/>
+          </a:p>
+        </p:txBody>
+      </p:sp>
+    </p:spTree>
+    <p:extLst>
+      <p:ext uri="{BB962C8B-B14F-4D97-AF65-F5344CB8AC3E}">
+        <p14:creationId xmlns:p14="http://schemas.microsoft.com/office/powerpoint/2010/main" val="843845269"/>
+      </p:ext>
+    </p:extLst>
+  </p:cSld>
+  <p:clrMapOvr>
+    <a:masterClrMapping/>
+  </p:clrMapOvr>
+</p:sld>
+</file>
+
+<file path=ppt/slides/slide8.xml><?xml version="1.0" encoding="utf-8"?>
+<p:sld xmlns:a="http://schemas.openxmlformats.org/drawingml/2006/main" xmlns:r="http://schemas.openxmlformats.org/officeDocument/2006/relationships" xmlns:p="http://schemas.openxmlformats.org/presentationml/2006/main">
+  <p:cSld>
+    <p:spTree>
+      <p:nvGrpSpPr>
+        <p:cNvPr id="1" name=""/>
+        <p:cNvGrpSpPr/>
+        <p:nvPr/>
+      </p:nvGrpSpPr>
+      <p:grpSpPr>
+        <a:xfrm>
+          <a:off x="0" y="0"/>
+          <a:ext cx="0" cy="0"/>
+          <a:chOff x="0" y="0"/>
+          <a:chExt cx="0" cy="0"/>
+        </a:xfrm>
+      </p:grpSpPr>
+      <p:sp>
+        <p:nvSpPr>
+          <p:cNvPr id="2" name="Title 1">
+            <a:extLst>
+              <a:ext uri="{FF2B5EF4-FFF2-40B4-BE49-F238E27FC236}">
+                <a16:creationId xmlns:a16="http://schemas.microsoft.com/office/drawing/2014/main" id="{B50B574F-C933-4F2A-F08D-3E476DF2C874}"/>
+              </a:ext>
+            </a:extLst>
+          </p:cNvPr>
+          <p:cNvSpPr>
+            <a:spLocks noGrp="1"/>
+          </p:cNvSpPr>
+          <p:nvPr>
+            <p:ph type="title"/>
+          </p:nvPr>
+        </p:nvSpPr>
+        <p:spPr/>
+        <p:txBody>
+          <a:bodyPr/>
+          <a:lstStyle/>
+          <a:p>
+            <a:r>
+              <a:rPr lang="en-US" dirty="0"/>
+              <a:t>Compiler: a definition</a:t>
+            </a:r>
+            <a:endParaRPr lang="en-GB" dirty="0"/>
+          </a:p>
+        </p:txBody>
+      </p:sp>
+      <p:sp>
+        <p:nvSpPr>
+          <p:cNvPr id="4" name="Content Placeholder 3">
+            <a:extLst>
+              <a:ext uri="{FF2B5EF4-FFF2-40B4-BE49-F238E27FC236}">
+                <a16:creationId xmlns:a16="http://schemas.microsoft.com/office/drawing/2014/main" id="{11B5C143-F936-00BC-44EE-7E05A29966EA}"/>
+              </a:ext>
+            </a:extLst>
+          </p:cNvPr>
+          <p:cNvSpPr>
+            <a:spLocks noGrp="1"/>
+          </p:cNvSpPr>
+          <p:nvPr>
+            <p:ph sz="half" idx="1"/>
+          </p:nvPr>
+        </p:nvSpPr>
+        <p:spPr>
+          <a:xfrm>
+            <a:off x="838200" y="1825624"/>
+            <a:ext cx="5181600" cy="5032375"/>
+          </a:xfrm>
+        </p:spPr>
+        <p:txBody>
+          <a:bodyPr>
+            <a:normAutofit/>
+          </a:bodyPr>
+          <a:lstStyle/>
+          <a:p>
+            <a:pPr marL="0" indent="0">
+              <a:buNone/>
+            </a:pPr>
+            <a:r>
+              <a:rPr lang="en-US" b="1" dirty="0"/>
+              <a:t>Definition (</a:t>
+            </a:r>
+            <a:r>
+              <a:rPr lang="en-US" b="1" dirty="0">
+                <a:solidFill>
+                  <a:srgbClr val="00B050"/>
+                </a:solidFill>
+              </a:rPr>
+              <a:t>Compilers</a:t>
+            </a:r>
+            <a:r>
+              <a:rPr lang="en-US" b="1" dirty="0"/>
+              <a:t>):</a:t>
+            </a:r>
+            <a:br>
+              <a:rPr lang="en-GB" b="1" dirty="0"/>
+            </a:br>
+            <a:r>
+              <a:rPr lang="en-GB" b="1" dirty="0">
+                <a:solidFill>
+                  <a:srgbClr val="00B050"/>
+                </a:solidFill>
+              </a:rPr>
+              <a:t>Compilers</a:t>
+            </a:r>
+            <a:r>
+              <a:rPr lang="en-GB" dirty="0"/>
+              <a:t> are </a:t>
+            </a:r>
+            <a:r>
+              <a:rPr lang="en-GB" b="1" dirty="0"/>
+              <a:t>computer</a:t>
+            </a:r>
+            <a:r>
+              <a:rPr lang="en-GB" dirty="0"/>
+              <a:t> </a:t>
+            </a:r>
+            <a:r>
+              <a:rPr lang="en-GB" b="1" dirty="0"/>
+              <a:t>programs</a:t>
+            </a:r>
+            <a:r>
+              <a:rPr lang="en-GB" dirty="0"/>
+              <a:t> whose purpose is to</a:t>
+            </a:r>
+          </a:p>
+          <a:p>
+            <a:r>
+              <a:rPr lang="en-GB" b="1" dirty="0"/>
+              <a:t>Translate</a:t>
+            </a:r>
+            <a:r>
+              <a:rPr lang="en-GB" dirty="0"/>
+              <a:t> a </a:t>
+            </a:r>
+            <a:r>
+              <a:rPr lang="en-GB" b="1" dirty="0"/>
+              <a:t>program</a:t>
+            </a:r>
+            <a:r>
+              <a:rPr lang="en-GB" dirty="0"/>
+              <a:t> written in </a:t>
+            </a:r>
+            <a:r>
+              <a:rPr lang="en-GB" b="1" dirty="0"/>
+              <a:t>one language </a:t>
+            </a:r>
+            <a:r>
+              <a:rPr lang="en-GB" dirty="0"/>
+              <a:t>(called</a:t>
+            </a:r>
+            <a:r>
+              <a:rPr lang="en-GB" b="1" dirty="0"/>
+              <a:t> source language</a:t>
+            </a:r>
+            <a:r>
+              <a:rPr lang="en-GB" dirty="0"/>
+              <a:t>),</a:t>
+            </a:r>
+          </a:p>
+          <a:p>
+            <a:r>
+              <a:rPr lang="en-GB" dirty="0"/>
+              <a:t>Into</a:t>
+            </a:r>
+            <a:r>
+              <a:rPr lang="en-GB" b="1" dirty="0"/>
+              <a:t> </a:t>
+            </a:r>
+            <a:r>
+              <a:rPr lang="en-GB" dirty="0"/>
+              <a:t>a </a:t>
+            </a:r>
+            <a:r>
+              <a:rPr lang="en-GB" b="1" dirty="0"/>
+              <a:t>program</a:t>
+            </a:r>
+            <a:r>
+              <a:rPr lang="en-GB" dirty="0"/>
+              <a:t> written in</a:t>
+            </a:r>
+            <a:r>
+              <a:rPr lang="en-GB" b="1" dirty="0"/>
+              <a:t> another language </a:t>
+            </a:r>
+            <a:r>
+              <a:rPr lang="en-GB" dirty="0"/>
+              <a:t>(called </a:t>
+            </a:r>
+            <a:r>
+              <a:rPr lang="en-GB" b="1" dirty="0"/>
+              <a:t>target language</a:t>
+            </a:r>
+            <a:r>
+              <a:rPr lang="en-GB" dirty="0"/>
+              <a:t>).</a:t>
+            </a:r>
+          </a:p>
+          <a:p>
+            <a:pPr marL="0" indent="0">
+              <a:buNone/>
+            </a:pPr>
+            <a:r>
+              <a:rPr lang="en-GB" dirty="0"/>
+              <a:t>Target language is often machine code or bytecode. </a:t>
+            </a:r>
+            <a:endParaRPr lang="en-US" dirty="0"/>
+          </a:p>
+        </p:txBody>
+      </p:sp>
+      <p:sp>
+        <p:nvSpPr>
+          <p:cNvPr id="5" name="Rectangle 4">
+            <a:extLst>
+              <a:ext uri="{FF2B5EF4-FFF2-40B4-BE49-F238E27FC236}">
+                <a16:creationId xmlns:a16="http://schemas.microsoft.com/office/drawing/2014/main" id="{7F5DEAE6-D202-B325-C159-0845A73F1131}"/>
+              </a:ext>
+            </a:extLst>
+          </p:cNvPr>
+          <p:cNvSpPr/>
+          <p:nvPr/>
+        </p:nvSpPr>
+        <p:spPr>
+          <a:xfrm>
+            <a:off x="8022421" y="3748786"/>
+            <a:ext cx="3001888" cy="770465"/>
+          </a:xfrm>
+          <a:prstGeom prst="rect">
+            <a:avLst/>
+          </a:prstGeom>
+        </p:spPr>
+        <p:style>
+          <a:lnRef idx="2">
+            <a:schemeClr val="dk1">
+              <a:shade val="50000"/>
+            </a:schemeClr>
+          </a:lnRef>
+          <a:fillRef idx="1">
+            <a:schemeClr val="dk1"/>
+          </a:fillRef>
+          <a:effectRef idx="0">
+            <a:schemeClr val="dk1"/>
+          </a:effectRef>
+          <a:fontRef idx="minor">
+            <a:schemeClr val="lt1"/>
+          </a:fontRef>
+        </p:style>
+        <p:txBody>
+          <a:bodyPr rtlCol="0" anchor="ctr"/>
+          <a:lstStyle/>
+          <a:p>
+            <a:pPr algn="ctr"/>
+            <a:r>
+              <a:rPr lang="en-US" b="1" dirty="0"/>
+              <a:t>Compiler</a:t>
+            </a:r>
+            <a:endParaRPr lang="en-GB" b="1" dirty="0"/>
+          </a:p>
+        </p:txBody>
+      </p:sp>
+      <p:sp>
+        <p:nvSpPr>
+          <p:cNvPr id="7" name="Rectangle 6">
+            <a:extLst>
+              <a:ext uri="{FF2B5EF4-FFF2-40B4-BE49-F238E27FC236}">
+                <a16:creationId xmlns:a16="http://schemas.microsoft.com/office/drawing/2014/main" id="{05B98F52-283E-8873-3A86-F4B6625D7C1D}"/>
+              </a:ext>
+            </a:extLst>
+          </p:cNvPr>
+          <p:cNvSpPr/>
+          <p:nvPr/>
+        </p:nvSpPr>
+        <p:spPr>
+          <a:xfrm>
+            <a:off x="8022421" y="1607771"/>
+            <a:ext cx="3001888" cy="1460500"/>
+          </a:xfrm>
+          <a:prstGeom prst="rect">
+            <a:avLst/>
+          </a:prstGeom>
+        </p:spPr>
+        <p:style>
+          <a:lnRef idx="2">
+            <a:schemeClr val="dk1">
+              <a:shade val="50000"/>
+            </a:schemeClr>
+          </a:lnRef>
+          <a:fillRef idx="1">
+            <a:schemeClr val="dk1"/>
+          </a:fillRef>
+          <a:effectRef idx="0">
+            <a:schemeClr val="dk1"/>
+          </a:effectRef>
+          <a:fontRef idx="minor">
+            <a:schemeClr val="lt1"/>
+          </a:fontRef>
+        </p:style>
+        <p:txBody>
+          <a:bodyPr rtlCol="0" anchor="ctr"/>
+          <a:lstStyle/>
+          <a:p>
+            <a:pPr algn="ctr"/>
+            <a:r>
+              <a:rPr lang="en-US" b="1" dirty="0"/>
+              <a:t>Program in a given language</a:t>
+            </a:r>
+            <a:br>
+              <a:rPr lang="en-US" b="1" dirty="0"/>
+            </a:br>
+            <a:r>
+              <a:rPr lang="en-US" b="1" dirty="0"/>
+              <a:t>(source language)</a:t>
+            </a:r>
+            <a:endParaRPr lang="en-GB" b="1" dirty="0"/>
+          </a:p>
+        </p:txBody>
+      </p:sp>
+      <p:sp>
+        <p:nvSpPr>
+          <p:cNvPr id="8" name="Rectangle 7">
+            <a:extLst>
+              <a:ext uri="{FF2B5EF4-FFF2-40B4-BE49-F238E27FC236}">
+                <a16:creationId xmlns:a16="http://schemas.microsoft.com/office/drawing/2014/main" id="{B49EF664-3365-8344-2224-91A3BF11359E}"/>
+              </a:ext>
+            </a:extLst>
+          </p:cNvPr>
+          <p:cNvSpPr/>
+          <p:nvPr/>
+        </p:nvSpPr>
+        <p:spPr>
+          <a:xfrm>
+            <a:off x="8022421" y="5199766"/>
+            <a:ext cx="3001888" cy="1460500"/>
+          </a:xfrm>
+          <a:prstGeom prst="rect">
+            <a:avLst/>
+          </a:prstGeom>
+        </p:spPr>
+        <p:style>
+          <a:lnRef idx="2">
+            <a:schemeClr val="dk1">
+              <a:shade val="50000"/>
+            </a:schemeClr>
+          </a:lnRef>
+          <a:fillRef idx="1">
+            <a:schemeClr val="dk1"/>
+          </a:fillRef>
+          <a:effectRef idx="0">
+            <a:schemeClr val="dk1"/>
+          </a:effectRef>
+          <a:fontRef idx="minor">
+            <a:schemeClr val="lt1"/>
+          </a:fontRef>
+        </p:style>
+        <p:txBody>
+          <a:bodyPr rtlCol="0" anchor="ctr"/>
+          <a:lstStyle/>
+          <a:p>
+            <a:pPr algn="ctr"/>
+            <a:r>
+              <a:rPr lang="en-US" b="1" dirty="0"/>
+              <a:t>Program in another language</a:t>
+            </a:r>
+          </a:p>
+          <a:p>
+            <a:pPr algn="ctr"/>
+            <a:r>
+              <a:rPr lang="en-US" b="1" dirty="0"/>
+              <a:t>(target language, often machine code, or bytecode)</a:t>
+            </a:r>
+            <a:endParaRPr lang="en-GB" b="1" dirty="0"/>
+          </a:p>
+        </p:txBody>
+      </p:sp>
+      <p:sp>
+        <p:nvSpPr>
+          <p:cNvPr id="9" name="Arrow: Down 8">
+            <a:extLst>
+              <a:ext uri="{FF2B5EF4-FFF2-40B4-BE49-F238E27FC236}">
+                <a16:creationId xmlns:a16="http://schemas.microsoft.com/office/drawing/2014/main" id="{46800871-91B7-4097-1AEE-239AAB61FD10}"/>
+              </a:ext>
+            </a:extLst>
+          </p:cNvPr>
+          <p:cNvSpPr/>
+          <p:nvPr/>
+        </p:nvSpPr>
+        <p:spPr>
+          <a:xfrm>
+            <a:off x="9009015" y="3122749"/>
+            <a:ext cx="1028700" cy="571559"/>
+          </a:xfrm>
+          <a:prstGeom prst="downArrow">
+            <a:avLst/>
+          </a:prstGeom>
+          <a:solidFill>
+            <a:schemeClr val="bg1"/>
+          </a:solidFill>
+          <a:ln w="28575">
+            <a:solidFill>
+              <a:schemeClr val="tx1"/>
+            </a:solidFill>
+          </a:ln>
+        </p:spPr>
+        <p:style>
+          <a:lnRef idx="2">
+            <a:schemeClr val="accent1">
+              <a:shade val="50000"/>
+            </a:schemeClr>
+          </a:lnRef>
+          <a:fillRef idx="1">
+            <a:schemeClr val="accent1"/>
+          </a:fillRef>
+          <a:effectRef idx="0">
+            <a:schemeClr val="accent1"/>
+          </a:effectRef>
+          <a:fontRef idx="minor">
+            <a:schemeClr val="lt1"/>
+          </a:fontRef>
+        </p:style>
+        <p:txBody>
+          <a:bodyPr rtlCol="0" anchor="ctr"/>
+          <a:lstStyle/>
+          <a:p>
+            <a:pPr algn="ctr"/>
+            <a:endParaRPr lang="en-GB"/>
+          </a:p>
+        </p:txBody>
+      </p:sp>
+      <p:sp>
+        <p:nvSpPr>
+          <p:cNvPr id="10" name="Arrow: Down 9">
+            <a:extLst>
+              <a:ext uri="{FF2B5EF4-FFF2-40B4-BE49-F238E27FC236}">
+                <a16:creationId xmlns:a16="http://schemas.microsoft.com/office/drawing/2014/main" id="{D69CD5E0-172F-06FD-35CD-C47EA4676A31}"/>
+              </a:ext>
+            </a:extLst>
+          </p:cNvPr>
+          <p:cNvSpPr/>
+          <p:nvPr/>
+        </p:nvSpPr>
+        <p:spPr>
+          <a:xfrm>
+            <a:off x="9009015" y="4573729"/>
+            <a:ext cx="1028700" cy="571559"/>
+          </a:xfrm>
+          <a:prstGeom prst="downArrow">
+            <a:avLst/>
+          </a:prstGeom>
+          <a:solidFill>
+            <a:schemeClr val="bg1"/>
+          </a:solidFill>
+          <a:ln w="28575">
+            <a:solidFill>
+              <a:schemeClr val="tx1"/>
+            </a:solidFill>
+          </a:ln>
+        </p:spPr>
+        <p:style>
+          <a:lnRef idx="2">
+            <a:schemeClr val="accent1">
+              <a:shade val="50000"/>
+            </a:schemeClr>
+          </a:lnRef>
+          <a:fillRef idx="1">
+            <a:schemeClr val="accent1"/>
+          </a:fillRef>
+          <a:effectRef idx="0">
+            <a:schemeClr val="accent1"/>
+          </a:effectRef>
+          <a:fontRef idx="minor">
+            <a:schemeClr val="lt1"/>
+          </a:fontRef>
+        </p:style>
+        <p:txBody>
+          <a:bodyPr rtlCol="0" anchor="ctr"/>
+          <a:lstStyle/>
+          <a:p>
+            <a:pPr algn="ctr"/>
+            <a:endParaRPr lang="en-GB"/>
+          </a:p>
+        </p:txBody>
+      </p:sp>
+    </p:spTree>
+    <p:extLst>
+      <p:ext uri="{BB962C8B-B14F-4D97-AF65-F5344CB8AC3E}">
+        <p14:creationId xmlns:p14="http://schemas.microsoft.com/office/powerpoint/2010/main" val="3239548726"/>
+      </p:ext>
+    </p:extLst>
+  </p:cSld>
+  <p:clrMapOvr>
+    <a:masterClrMapping/>
+  </p:clrMapOvr>
+</p:sld>
+</file>
+
+<file path=ppt/slides/slide9.xml><?xml version="1.0" encoding="utf-8"?>
+<p:sld xmlns:a="http://schemas.openxmlformats.org/drawingml/2006/main" xmlns:r="http://schemas.openxmlformats.org/officeDocument/2006/relationships" xmlns:p="http://schemas.openxmlformats.org/presentationml/2006/main">
+  <p:cSld>
+    <p:spTree>
+      <p:nvGrpSpPr>
+        <p:cNvPr id="1" name=""/>
+        <p:cNvGrpSpPr/>
+        <p:nvPr/>
+      </p:nvGrpSpPr>
+      <p:grpSpPr>
+        <a:xfrm>
+          <a:off x="0" y="0"/>
+          <a:ext cx="0" cy="0"/>
+          <a:chOff x="0" y="0"/>
+          <a:chExt cx="0" cy="0"/>
+        </a:xfrm>
+      </p:grpSpPr>
+      <p:sp>
+        <p:nvSpPr>
+          <p:cNvPr id="2" name="Title 1">
+            <a:extLst>
+              <a:ext uri="{FF2B5EF4-FFF2-40B4-BE49-F238E27FC236}">
+                <a16:creationId xmlns:a16="http://schemas.microsoft.com/office/drawing/2014/main" id="{A5B0BCE0-A549-1A7B-6F4B-B0C1C98DE2A1}"/>
+              </a:ext>
+            </a:extLst>
+          </p:cNvPr>
+          <p:cNvSpPr>
+            <a:spLocks noGrp="1"/>
+          </p:cNvSpPr>
+          <p:nvPr>
+            <p:ph type="title"/>
+          </p:nvPr>
+        </p:nvSpPr>
+        <p:spPr/>
+        <p:txBody>
+          <a:bodyPr/>
+          <a:lstStyle/>
+          <a:p>
+            <a:r>
+              <a:rPr lang="en-GB" dirty="0"/>
+              <a:t>The architecture of a compiler</a:t>
+            </a:r>
+            <a:endParaRPr lang="en-SG" dirty="0"/>
+          </a:p>
+        </p:txBody>
+      </p:sp>
+      <p:sp>
+        <p:nvSpPr>
+          <p:cNvPr id="3" name="Content Placeholder 2">
+            <a:extLst>
+              <a:ext uri="{FF2B5EF4-FFF2-40B4-BE49-F238E27FC236}">
+                <a16:creationId xmlns:a16="http://schemas.microsoft.com/office/drawing/2014/main" id="{047FD354-275A-C734-E17F-FED0638E05F9}"/>
+              </a:ext>
+            </a:extLst>
+          </p:cNvPr>
+          <p:cNvSpPr>
+            <a:spLocks noGrp="1"/>
+          </p:cNvSpPr>
+          <p:nvPr>
+            <p:ph sz="half" idx="1"/>
+          </p:nvPr>
+        </p:nvSpPr>
+        <p:spPr>
+          <a:xfrm>
+            <a:off x="838200" y="1825624"/>
+            <a:ext cx="5181600" cy="5032375"/>
+          </a:xfrm>
+        </p:spPr>
+        <p:txBody>
+          <a:bodyPr>
+            <a:normAutofit lnSpcReduction="10000"/>
+          </a:bodyPr>
+          <a:lstStyle/>
+          <a:p>
+            <a:pPr marL="0" indent="0">
+              <a:buNone/>
+            </a:pPr>
+            <a:r>
+              <a:rPr lang="en-GB" b="1" dirty="0"/>
+              <a:t>Definition (the three parts of a typical compiler architecture):</a:t>
+            </a:r>
+          </a:p>
+          <a:p>
+            <a:pPr marL="0" indent="0">
+              <a:buNone/>
+            </a:pPr>
+            <a:r>
+              <a:rPr lang="en-GB" dirty="0"/>
+              <a:t>A typical compiler architecture consists of three main components: the </a:t>
+            </a:r>
+            <a:r>
+              <a:rPr lang="en-GB" b="1" dirty="0"/>
+              <a:t>front-end</a:t>
+            </a:r>
+            <a:r>
+              <a:rPr lang="en-GB" dirty="0"/>
+              <a:t>, </a:t>
+            </a:r>
+            <a:r>
+              <a:rPr lang="en-GB" b="1" dirty="0"/>
+              <a:t>middle-end</a:t>
+            </a:r>
+            <a:r>
+              <a:rPr lang="en-GB" dirty="0"/>
+              <a:t>, and </a:t>
+            </a:r>
+            <a:r>
+              <a:rPr lang="en-GB" b="1" dirty="0"/>
+              <a:t>back-end</a:t>
+            </a:r>
+            <a:r>
+              <a:rPr lang="en-GB" dirty="0"/>
+              <a:t>.</a:t>
+            </a:r>
+          </a:p>
+          <a:p>
+            <a:r>
+              <a:rPr lang="en-GB" b="1" dirty="0"/>
+              <a:t>Front-end: </a:t>
+            </a:r>
+            <a:r>
+              <a:rPr lang="en-GB" dirty="0"/>
+              <a:t>checks source code is legal (90% of the compiler job!).</a:t>
+            </a:r>
+          </a:p>
+          <a:p>
+            <a:r>
+              <a:rPr lang="en-GB" b="1" dirty="0"/>
+              <a:t>Middle-end (optional?): </a:t>
+            </a:r>
+            <a:r>
+              <a:rPr lang="en-GB" dirty="0"/>
+              <a:t>IR code generation and optimization.</a:t>
+            </a:r>
+          </a:p>
+          <a:p>
+            <a:r>
+              <a:rPr lang="en-GB" b="1" dirty="0"/>
+              <a:t>Back-end: </a:t>
+            </a:r>
+            <a:r>
+              <a:rPr lang="en-GB" dirty="0"/>
+              <a:t>Final translation and handover to CPU!</a:t>
+            </a:r>
+          </a:p>
+        </p:txBody>
+      </p:sp>
+      <p:pic>
+        <p:nvPicPr>
+          <p:cNvPr id="6" name="Picture 5" descr="Graphical user interface, text, application, chat or text message&#10;&#10;Description automatically generated">
+            <a:extLst>
+              <a:ext uri="{FF2B5EF4-FFF2-40B4-BE49-F238E27FC236}">
+                <a16:creationId xmlns:a16="http://schemas.microsoft.com/office/drawing/2014/main" id="{55CD7F81-A6B6-798E-DD89-DC8670C0DE2C}"/>
+              </a:ext>
+            </a:extLst>
+          </p:cNvPr>
+          <p:cNvPicPr>
+            <a:picLocks noChangeAspect="1"/>
+          </p:cNvPicPr>
+          <p:nvPr/>
+        </p:nvPicPr>
+        <p:blipFill>
+          <a:blip r:embed="rId2">
+            <a:extLst>
+              <a:ext uri="{28A0092B-C50C-407E-A947-70E740481C1C}">
+                <a14:useLocalDpi xmlns:a14="http://schemas.microsoft.com/office/drawing/2010/main" val="0"/>
+              </a:ext>
+            </a:extLst>
+          </a:blip>
+          <a:stretch>
+            <a:fillRect/>
+          </a:stretch>
+        </p:blipFill>
+        <p:spPr>
+          <a:xfrm>
+            <a:off x="6590219" y="1547446"/>
+            <a:ext cx="5154106" cy="5310554"/>
+          </a:xfrm>
+          <a:prstGeom prst="rect">
+            <a:avLst/>
+          </a:prstGeom>
+        </p:spPr>
+      </p:pic>
+    </p:spTree>
+    <p:extLst>
+      <p:ext uri="{BB962C8B-B14F-4D97-AF65-F5344CB8AC3E}">
+        <p14:creationId xmlns:p14="http://schemas.microsoft.com/office/powerpoint/2010/main" val="1628130454"/>
       </p:ext>
     </p:extLst>
   </p:cSld>
